--- a/Plotting in Python with Matplotlib Slides.pptx
+++ b/Plotting in Python with Matplotlib Slides.pptx
@@ -4561,11 +4561,7 @@
             <a:pPr marL="0" indent="0"/>
             <a:r>
               <a:rPr lang="en-GB" dirty="0"/>
-              <a:t>Plotting in Python </a:t>
-            </a:r>
-            <a:r>
-              <a:rPr lang="en-GB"/>
-              <a:t>with Matplotlib</a:t>
+              <a:t>Plotting in Python with Matplotlib</a:t>
             </a:r>
             <a:endParaRPr lang="en-GB" sz="4000" b="1" dirty="0"/>
           </a:p>

--- a/Plotting in Python with Matplotlib Slides.pptx
+++ b/Plotting in Python with Matplotlib Slides.pptx
@@ -398,7 +398,7 @@
           <a:p>
             <a:fld id="{88EB714B-C3CC-4216-88C1-02913905B1CF}" type="datetimeFigureOut">
               <a:rPr lang="en-GB" smtClean="0"/>
-              <a:t>02/06/2021</a:t>
+              <a:t>04/10/2021</a:t>
             </a:fld>
             <a:endParaRPr lang="en-GB"/>
           </a:p>
@@ -1779,7 +1779,7 @@
           <a:p>
             <a:fld id="{EB0080F8-EA1C-491D-963C-2C881B2F918F}" type="datetimeFigureOut">
               <a:rPr lang="en-GB" smtClean="0"/>
-              <a:t>02/06/2021</a:t>
+              <a:t>04/10/2021</a:t>
             </a:fld>
             <a:endParaRPr lang="en-GB"/>
           </a:p>
@@ -1929,7 +1929,7 @@
           <a:p>
             <a:fld id="{EB0080F8-EA1C-491D-963C-2C881B2F918F}" type="datetimeFigureOut">
               <a:rPr lang="en-GB" smtClean="0"/>
-              <a:t>02/06/2021</a:t>
+              <a:t>04/10/2021</a:t>
             </a:fld>
             <a:endParaRPr lang="en-GB"/>
           </a:p>
@@ -3462,7 +3462,7 @@
           <a:p>
             <a:fld id="{EB0080F8-EA1C-491D-963C-2C881B2F918F}" type="datetimeFigureOut">
               <a:rPr lang="en-GB" smtClean="0"/>
-              <a:t>02/06/2021</a:t>
+              <a:t>04/10/2021</a:t>
             </a:fld>
             <a:endParaRPr lang="en-GB"/>
           </a:p>
@@ -3939,7 +3939,7 @@
           <a:p>
             <a:r>
               <a:rPr lang="en-GB" sz="2400" dirty="0"/>
-              <a:t>Graduate School Teaching Fellow</a:t>
+              <a:t>Graduate School Senior Teaching Fellow</a:t>
             </a:r>
           </a:p>
         </p:txBody>
@@ -4464,20 +4464,30 @@
           <a:p>
             <a:pPr lvl="1"/>
             <a:r>
-              <a:rPr lang="en-GB" sz="2600" dirty="0"/>
+              <a:rPr lang="en-GB" sz="2600" dirty="0">
+                <a:latin typeface="+mj-lt"/>
+              </a:rPr>
               <a:t>The link is </a:t>
             </a:r>
             <a:r>
-              <a:rPr lang="en-GB" sz="2600" b="0" i="0" u="sng" dirty="0">
-                <a:solidFill>
-                  <a:srgbClr val="954F72"/>
+              <a:rPr lang="en-GB" sz="2600" u="sng" dirty="0">
+                <a:solidFill>
+                  <a:srgbClr val="000000"/>
                 </a:solidFill>
                 <a:effectLst/>
+                <a:latin typeface="+mj-lt"/>
+                <a:ea typeface="Times New Roman" panose="02020603050405020304" pitchFamily="18" charset="0"/>
+                <a:cs typeface="Calibri" panose="020F0502020204030204" pitchFamily="34" charset="0"/>
                 <a:hlinkClick r:id="rId3"/>
               </a:rPr>
-              <a:t>http://bit.ly/rcds2021</a:t>
-            </a:r>
-            <a:endParaRPr lang="en-GB" sz="2600" dirty="0"/>
+              <a:t>tinyurl.com/rcds2021-22</a:t>
+            </a:r>
+            <a:endParaRPr lang="en-GB" sz="2600" dirty="0">
+              <a:effectLst/>
+              <a:latin typeface="+mj-lt"/>
+              <a:ea typeface="Times New Roman" panose="02020603050405020304" pitchFamily="18" charset="0"/>
+              <a:cs typeface="Times New Roman" panose="02020603050405020304" pitchFamily="18" charset="0"/>
+            </a:endParaRPr>
           </a:p>
           <a:p>
             <a:pPr lvl="1"/>

--- a/Plotting in Python with Matplotlib Slides.pptx
+++ b/Plotting in Python with Matplotlib Slides.pptx
@@ -5,17 +5,19 @@
     <p:sldMasterId id="2147483648" r:id="rId1"/>
   </p:sldMasterIdLst>
   <p:notesMasterIdLst>
-    <p:notesMasterId r:id="rId7"/>
+    <p:notesMasterId r:id="rId9"/>
   </p:notesMasterIdLst>
   <p:handoutMasterIdLst>
-    <p:handoutMasterId r:id="rId8"/>
+    <p:handoutMasterId r:id="rId10"/>
   </p:handoutMasterIdLst>
   <p:sldIdLst>
     <p:sldId id="264" r:id="rId2"/>
-    <p:sldId id="267" r:id="rId3"/>
-    <p:sldId id="281" r:id="rId4"/>
-    <p:sldId id="329" r:id="rId5"/>
-    <p:sldId id="280" r:id="rId6"/>
+    <p:sldId id="258" r:id="rId3"/>
+    <p:sldId id="257" r:id="rId4"/>
+    <p:sldId id="267" r:id="rId5"/>
+    <p:sldId id="281" r:id="rId6"/>
+    <p:sldId id="329" r:id="rId7"/>
+    <p:sldId id="280" r:id="rId8"/>
   </p:sldIdLst>
   <p:sldSz cx="9144000" cy="6858000" type="screen4x3"/>
   <p:notesSz cx="7099300" cy="10234613"/>
@@ -120,6 +122,8 @@
         <p14:section name="Introduction" id="{45EEEAF5-8C61-4410-A3AB-B2CD0B57ECF0}">
           <p14:sldIdLst>
             <p14:sldId id="264"/>
+            <p14:sldId id="258"/>
+            <p14:sldId id="257"/>
             <p14:sldId id="267"/>
             <p14:sldId id="281"/>
             <p14:sldId id="329"/>
@@ -982,7 +986,7 @@
           <a:p>
             <a:fld id="{6A641EC8-C9F8-4A58-A1A7-F7D817526EEC}" type="slidenum">
               <a:rPr lang="en-GB" smtClean="0"/>
-              <a:t>2</a:t>
+              <a:t>4</a:t>
             </a:fld>
             <a:endParaRPr lang="en-GB"/>
           </a:p>
@@ -1066,7 +1070,7 @@
           <a:p>
             <a:fld id="{6A641EC8-C9F8-4A58-A1A7-F7D817526EEC}" type="slidenum">
               <a:rPr lang="en-GB" smtClean="0"/>
-              <a:t>3</a:t>
+              <a:t>5</a:t>
             </a:fld>
             <a:endParaRPr lang="en-GB"/>
           </a:p>
@@ -1150,7 +1154,7 @@
           <a:p>
             <a:fld id="{6A641EC8-C9F8-4A58-A1A7-F7D817526EEC}" type="slidenum">
               <a:rPr lang="en-GB" smtClean="0"/>
-              <a:t>4</a:t>
+              <a:t>6</a:t>
             </a:fld>
             <a:endParaRPr lang="en-GB"/>
           </a:p>
@@ -1346,7 +1350,7 @@
                   <a:spcPct val="0"/>
                 </a:spcBef>
               </a:pPr>
-              <a:t>5</a:t>
+              <a:t>7</a:t>
             </a:fld>
             <a:endParaRPr lang="en-US" altLang="en-US"/>
           </a:p>
@@ -3984,6 +3988,369 @@
       </p:grpSpPr>
       <p:sp>
         <p:nvSpPr>
+          <p:cNvPr id="4" name="Title 1"/>
+          <p:cNvSpPr txBox="1">
+            <a:spLocks/>
+          </p:cNvSpPr>
+          <p:nvPr/>
+        </p:nvSpPr>
+        <p:spPr>
+          <a:xfrm>
+            <a:off x="401320" y="472966"/>
+            <a:ext cx="5778764" cy="961696"/>
+          </a:xfrm>
+          <a:prstGeom prst="rect">
+            <a:avLst/>
+          </a:prstGeom>
+        </p:spPr>
+        <p:txBody>
+          <a:bodyPr anchor="b"/>
+          <a:lstStyle>
+            <a:lvl1pPr algn="l" defTabSz="457200" rtl="0" eaLnBrk="1" latinLnBrk="0" hangingPunct="1">
+              <a:lnSpc>
+                <a:spcPct val="90000"/>
+              </a:lnSpc>
+              <a:spcBef>
+                <a:spcPct val="0"/>
+              </a:spcBef>
+              <a:buNone/>
+              <a:defRPr sz="4000" b="1" i="0" kern="1200" baseline="0">
+                <a:solidFill>
+                  <a:schemeClr val="tx2"/>
+                </a:solidFill>
+                <a:latin typeface="+mj-lt"/>
+                <a:ea typeface="+mj-ea"/>
+                <a:cs typeface="MetaOT-Bold"/>
+              </a:defRPr>
+            </a:lvl1pPr>
+          </a:lstStyle>
+          <a:p>
+            <a:r>
+              <a:rPr lang="en-US" sz="3200" dirty="0">
+                <a:solidFill>
+                  <a:schemeClr val="accent3"/>
+                </a:solidFill>
+              </a:rPr>
+              <a:t>Expectations:  Covid-safe teaching environments</a:t>
+            </a:r>
+          </a:p>
+        </p:txBody>
+      </p:sp>
+      <p:sp>
+        <p:nvSpPr>
+          <p:cNvPr id="5" name="Subtitle 2"/>
+          <p:cNvSpPr>
+            <a:spLocks noGrp="1"/>
+          </p:cNvSpPr>
+          <p:nvPr>
+            <p:ph type="subTitle" idx="1"/>
+          </p:nvPr>
+        </p:nvSpPr>
+        <p:spPr>
+          <a:xfrm>
+            <a:off x="401320" y="1631731"/>
+            <a:ext cx="8490432" cy="4548352"/>
+          </a:xfrm>
+        </p:spPr>
+        <p:txBody>
+          <a:bodyPr lIns="91440" tIns="45720" rIns="91440" bIns="45720" anchor="t"/>
+          <a:lstStyle/>
+          <a:p>
+            <a:r>
+              <a:rPr lang="en-US" sz="2200" u="sng" dirty="0">
+                <a:ea typeface="+mj-lt"/>
+                <a:cs typeface="+mj-lt"/>
+              </a:rPr>
+              <a:t>Face coverings</a:t>
+            </a:r>
+          </a:p>
+          <a:p>
+            <a:pPr marL="457200" indent="-457200">
+              <a:buFont typeface="Arial" panose="020B0604020202020204" pitchFamily="34" charset="0"/>
+              <a:buChar char="•"/>
+            </a:pPr>
+            <a:r>
+              <a:rPr lang="en-GB" sz="2200" dirty="0">
+                <a:latin typeface="+mn-lt"/>
+                <a:ea typeface="Calibri" panose="020F0502020204030204" pitchFamily="34" charset="0"/>
+                <a:cs typeface="Times New Roman"/>
+              </a:rPr>
+              <a:t>You are expected to wear a face covering </a:t>
+            </a:r>
+            <a:endParaRPr lang="en-GB" sz="2200" dirty="0"/>
+          </a:p>
+          <a:p>
+            <a:pPr marL="457200" indent="-457200">
+              <a:buFont typeface="Arial" panose="020B0604020202020204" pitchFamily="34" charset="0"/>
+              <a:buChar char="•"/>
+            </a:pPr>
+            <a:r>
+              <a:rPr lang="en-US" sz="2200" dirty="0">
+                <a:ea typeface="+mj-lt"/>
+                <a:cs typeface="+mj-lt"/>
+              </a:rPr>
+              <a:t>Tutors will deliver their workshop 2 meters distance from </a:t>
+            </a:r>
+            <a:r>
+              <a:rPr lang="en-US" sz="2200">
+                <a:ea typeface="+mj-lt"/>
+                <a:cs typeface="+mj-lt"/>
+              </a:rPr>
+              <a:t>you </a:t>
+            </a:r>
+            <a:endParaRPr lang="en-US" sz="2200" dirty="0">
+              <a:ea typeface="+mj-lt"/>
+              <a:cs typeface="+mj-lt"/>
+            </a:endParaRPr>
+          </a:p>
+          <a:p>
+            <a:endParaRPr lang="en-US" sz="2200" u="sng" dirty="0">
+              <a:latin typeface="+mn-lt"/>
+              <a:ea typeface="+mj-lt"/>
+              <a:cs typeface="+mj-lt"/>
+            </a:endParaRPr>
+          </a:p>
+          <a:p>
+            <a:r>
+              <a:rPr lang="en-US" sz="2200" u="sng" dirty="0">
+                <a:latin typeface="+mn-lt"/>
+                <a:ea typeface="+mj-lt"/>
+                <a:cs typeface="+mj-lt"/>
+              </a:rPr>
+              <a:t>Hygiene</a:t>
+            </a:r>
+            <a:endParaRPr lang="en-GB" sz="2200" u="sng" dirty="0">
+              <a:latin typeface="+mn-lt"/>
+              <a:ea typeface="Calibri" panose="020F0502020204030204" pitchFamily="34" charset="0"/>
+              <a:cs typeface="Times New Roman"/>
+            </a:endParaRPr>
+          </a:p>
+          <a:p>
+            <a:pPr marL="457200" indent="-457200">
+              <a:buFont typeface="Arial" panose="020B0604020202020204" pitchFamily="34" charset="0"/>
+              <a:buChar char="•"/>
+            </a:pPr>
+            <a:r>
+              <a:rPr lang="en-US" sz="2200" dirty="0"/>
+              <a:t>Where hand </a:t>
+            </a:r>
+            <a:r>
+              <a:rPr lang="en-US" sz="2200" dirty="0" err="1"/>
+              <a:t>sanitiser</a:t>
+            </a:r>
+            <a:r>
+              <a:rPr lang="en-US" sz="2200" dirty="0"/>
+              <a:t> is available, please use it</a:t>
+            </a:r>
+          </a:p>
+          <a:p>
+            <a:pPr marL="457200" indent="-457200">
+              <a:buFont typeface="Arial" panose="020B0604020202020204" pitchFamily="34" charset="0"/>
+              <a:buChar char="•"/>
+            </a:pPr>
+            <a:r>
+              <a:rPr lang="en-US" sz="2200" dirty="0"/>
+              <a:t>Please wipe down any communal/shared course materials/equipment </a:t>
+            </a:r>
+          </a:p>
+          <a:p>
+            <a:pPr marL="457200" indent="-457200">
+              <a:buFont typeface="Arial" panose="020B0604020202020204" pitchFamily="34" charset="0"/>
+              <a:buChar char="•"/>
+            </a:pPr>
+            <a:endParaRPr lang="en-US" sz="2400" dirty="0"/>
+          </a:p>
+        </p:txBody>
+      </p:sp>
+    </p:spTree>
+    <p:extLst>
+      <p:ext uri="{BB962C8B-B14F-4D97-AF65-F5344CB8AC3E}">
+        <p14:creationId xmlns:p14="http://schemas.microsoft.com/office/powerpoint/2010/main" val="70908208"/>
+      </p:ext>
+    </p:extLst>
+  </p:cSld>
+  <p:clrMapOvr>
+    <a:masterClrMapping/>
+  </p:clrMapOvr>
+</p:sld>
+</file>
+
+<file path=ppt/slides/slide3.xml><?xml version="1.0" encoding="utf-8"?>
+<p:sld xmlns:a="http://schemas.openxmlformats.org/drawingml/2006/main" xmlns:r="http://schemas.openxmlformats.org/officeDocument/2006/relationships" xmlns:p="http://schemas.openxmlformats.org/presentationml/2006/main">
+  <p:cSld>
+    <p:spTree>
+      <p:nvGrpSpPr>
+        <p:cNvPr id="1" name=""/>
+        <p:cNvGrpSpPr/>
+        <p:nvPr/>
+      </p:nvGrpSpPr>
+      <p:grpSpPr>
+        <a:xfrm>
+          <a:off x="0" y="0"/>
+          <a:ext cx="0" cy="0"/>
+          <a:chOff x="0" y="0"/>
+          <a:chExt cx="0" cy="0"/>
+        </a:xfrm>
+      </p:grpSpPr>
+      <p:sp>
+        <p:nvSpPr>
+          <p:cNvPr id="4" name="Title 1"/>
+          <p:cNvSpPr txBox="1">
+            <a:spLocks/>
+          </p:cNvSpPr>
+          <p:nvPr/>
+        </p:nvSpPr>
+        <p:spPr>
+          <a:xfrm>
+            <a:off x="401319" y="472966"/>
+            <a:ext cx="5558047" cy="930165"/>
+          </a:xfrm>
+          <a:prstGeom prst="rect">
+            <a:avLst/>
+          </a:prstGeom>
+        </p:spPr>
+        <p:txBody>
+          <a:bodyPr anchor="b"/>
+          <a:lstStyle>
+            <a:lvl1pPr algn="l" defTabSz="457200" rtl="0" eaLnBrk="1" latinLnBrk="0" hangingPunct="1">
+              <a:lnSpc>
+                <a:spcPct val="90000"/>
+              </a:lnSpc>
+              <a:spcBef>
+                <a:spcPct val="0"/>
+              </a:spcBef>
+              <a:buNone/>
+              <a:defRPr sz="4000" b="1" i="0" kern="1200" baseline="0">
+                <a:solidFill>
+                  <a:schemeClr val="tx2"/>
+                </a:solidFill>
+                <a:latin typeface="+mj-lt"/>
+                <a:ea typeface="+mj-ea"/>
+                <a:cs typeface="MetaOT-Bold"/>
+              </a:defRPr>
+            </a:lvl1pPr>
+          </a:lstStyle>
+          <a:p>
+            <a:r>
+              <a:rPr lang="en-US" sz="3200" dirty="0">
+                <a:solidFill>
+                  <a:schemeClr val="accent3"/>
+                </a:solidFill>
+              </a:rPr>
+              <a:t>Expectations:  Covid-safe teaching environments</a:t>
+            </a:r>
+          </a:p>
+        </p:txBody>
+      </p:sp>
+      <p:sp>
+        <p:nvSpPr>
+          <p:cNvPr id="5" name="Subtitle 2"/>
+          <p:cNvSpPr>
+            <a:spLocks noGrp="1"/>
+          </p:cNvSpPr>
+          <p:nvPr>
+            <p:ph type="subTitle" idx="1"/>
+          </p:nvPr>
+        </p:nvSpPr>
+        <p:spPr>
+          <a:xfrm>
+            <a:off x="189186" y="1450427"/>
+            <a:ext cx="8797158" cy="4020208"/>
+          </a:xfrm>
+        </p:spPr>
+        <p:txBody>
+          <a:bodyPr lIns="91440" tIns="45720" rIns="91440" bIns="45720" anchor="t"/>
+          <a:lstStyle/>
+          <a:p>
+            <a:r>
+              <a:rPr lang="en-US" sz="2200" u="sng" dirty="0"/>
+              <a:t>For the purpose of contact tracing</a:t>
+            </a:r>
+            <a:endParaRPr lang="en-US" sz="2200" dirty="0"/>
+          </a:p>
+          <a:p>
+            <a:endParaRPr lang="en-US" sz="2200" dirty="0"/>
+          </a:p>
+          <a:p>
+            <a:r>
+              <a:rPr lang="en-US" sz="2200" dirty="0"/>
+              <a:t>For our standard workshops:</a:t>
+            </a:r>
+          </a:p>
+          <a:p>
+            <a:pPr marL="342900" indent="-342900">
+              <a:buFont typeface="Arial" panose="020B0604020202020204" pitchFamily="34" charset="0"/>
+              <a:buChar char="•"/>
+            </a:pPr>
+            <a:r>
+              <a:rPr lang="en-US" sz="2200" dirty="0"/>
+              <a:t>We will provide the CCT Hub with the complete list of attendees at this workshop</a:t>
+            </a:r>
+          </a:p>
+          <a:p>
+            <a:endParaRPr lang="en-US" sz="2200" dirty="0"/>
+          </a:p>
+          <a:p>
+            <a:r>
+              <a:rPr lang="en-US" sz="2200" dirty="0"/>
+              <a:t>Where our workshops are held in lecture theatres:</a:t>
+            </a:r>
+          </a:p>
+          <a:p>
+            <a:pPr marL="342900" indent="-342900">
+              <a:buFont typeface="Arial" panose="020B0604020202020204" pitchFamily="34" charset="0"/>
+              <a:buChar char="•"/>
+            </a:pPr>
+            <a:r>
+              <a:rPr lang="en-US" sz="2200" dirty="0"/>
+              <a:t>You should keep a record of colleagues that you are sat in </a:t>
+            </a:r>
+            <a:r>
+              <a:rPr lang="en-US" sz="2200"/>
+              <a:t>close contact with </a:t>
+            </a:r>
+            <a:r>
+              <a:rPr lang="en-US" sz="2200" dirty="0"/>
+              <a:t>(within 2 meters)</a:t>
+            </a:r>
+          </a:p>
+          <a:p>
+            <a:endParaRPr lang="en-US" dirty="0"/>
+          </a:p>
+        </p:txBody>
+      </p:sp>
+    </p:spTree>
+    <p:extLst>
+      <p:ext uri="{BB962C8B-B14F-4D97-AF65-F5344CB8AC3E}">
+        <p14:creationId xmlns:p14="http://schemas.microsoft.com/office/powerpoint/2010/main" val="3238657636"/>
+      </p:ext>
+    </p:extLst>
+  </p:cSld>
+  <p:clrMapOvr>
+    <a:masterClrMapping/>
+  </p:clrMapOvr>
+</p:sld>
+</file>
+
+<file path=ppt/slides/slide4.xml><?xml version="1.0" encoding="utf-8"?>
+<p:sld xmlns:a="http://schemas.openxmlformats.org/drawingml/2006/main" xmlns:r="http://schemas.openxmlformats.org/officeDocument/2006/relationships" xmlns:p="http://schemas.openxmlformats.org/presentationml/2006/main">
+  <p:cSld>
+    <p:spTree>
+      <p:nvGrpSpPr>
+        <p:cNvPr id="1" name=""/>
+        <p:cNvGrpSpPr/>
+        <p:nvPr/>
+      </p:nvGrpSpPr>
+      <p:grpSpPr>
+        <a:xfrm>
+          <a:off x="0" y="0"/>
+          <a:ext cx="0" cy="0"/>
+          <a:chOff x="0" y="0"/>
+          <a:chExt cx="0" cy="0"/>
+        </a:xfrm>
+      </p:grpSpPr>
+      <p:sp>
+        <p:nvSpPr>
           <p:cNvPr id="2" name="Title 1"/>
           <p:cNvSpPr>
             <a:spLocks noGrp="1"/>
@@ -4136,7 +4503,7 @@
 </p:sld>
 </file>
 
-<file path=ppt/slides/slide3.xml><?xml version="1.0" encoding="utf-8"?>
+<file path=ppt/slides/slide5.xml><?xml version="1.0" encoding="utf-8"?>
 <p:sld xmlns:a="http://schemas.openxmlformats.org/drawingml/2006/main" xmlns:r="http://schemas.openxmlformats.org/officeDocument/2006/relationships" xmlns:p="http://schemas.openxmlformats.org/presentationml/2006/main">
   <p:cSld>
     <p:spTree>
@@ -4395,7 +4762,7 @@
 </p:sld>
 </file>
 
-<file path=ppt/slides/slide4.xml><?xml version="1.0" encoding="utf-8"?>
+<file path=ppt/slides/slide6.xml><?xml version="1.0" encoding="utf-8"?>
 <p:sld xmlns:a="http://schemas.openxmlformats.org/drawingml/2006/main" xmlns:r="http://schemas.openxmlformats.org/officeDocument/2006/relationships" xmlns:p="http://schemas.openxmlformats.org/presentationml/2006/main">
   <p:cSld>
     <p:spTree>
@@ -4529,7 +4896,7 @@
 </p:sld>
 </file>
 
-<file path=ppt/slides/slide5.xml><?xml version="1.0" encoding="utf-8"?>
+<file path=ppt/slides/slide7.xml><?xml version="1.0" encoding="utf-8"?>
 <p:sld xmlns:a="http://schemas.openxmlformats.org/drawingml/2006/main" xmlns:r="http://schemas.openxmlformats.org/officeDocument/2006/relationships" xmlns:p="http://schemas.openxmlformats.org/presentationml/2006/main">
   <p:cSld>
     <p:spTree>

--- a/Plotting in Python with Matplotlib Slides.pptx
+++ b/Plotting in Python with Matplotlib Slides.pptx
@@ -5,19 +5,20 @@
     <p:sldMasterId id="2147483648" r:id="rId1"/>
   </p:sldMasterIdLst>
   <p:notesMasterIdLst>
-    <p:notesMasterId r:id="rId9"/>
+    <p:notesMasterId r:id="rId10"/>
   </p:notesMasterIdLst>
   <p:handoutMasterIdLst>
-    <p:handoutMasterId r:id="rId10"/>
+    <p:handoutMasterId r:id="rId11"/>
   </p:handoutMasterIdLst>
   <p:sldIdLst>
     <p:sldId id="264" r:id="rId2"/>
-    <p:sldId id="258" r:id="rId3"/>
-    <p:sldId id="257" r:id="rId4"/>
-    <p:sldId id="267" r:id="rId5"/>
-    <p:sldId id="281" r:id="rId6"/>
-    <p:sldId id="329" r:id="rId7"/>
-    <p:sldId id="280" r:id="rId8"/>
+    <p:sldId id="504" r:id="rId3"/>
+    <p:sldId id="258" r:id="rId4"/>
+    <p:sldId id="257" r:id="rId5"/>
+    <p:sldId id="267" r:id="rId6"/>
+    <p:sldId id="281" r:id="rId7"/>
+    <p:sldId id="329" r:id="rId8"/>
+    <p:sldId id="280" r:id="rId9"/>
   </p:sldIdLst>
   <p:sldSz cx="9144000" cy="6858000" type="screen4x3"/>
   <p:notesSz cx="7099300" cy="10234613"/>
@@ -122,6 +123,7 @@
         <p14:section name="Introduction" id="{45EEEAF5-8C61-4410-A3AB-B2CD0B57ECF0}">
           <p14:sldIdLst>
             <p14:sldId id="264"/>
+            <p14:sldId id="504"/>
             <p14:sldId id="258"/>
             <p14:sldId id="257"/>
             <p14:sldId id="267"/>
@@ -402,7 +404,7 @@
           <a:p>
             <a:fld id="{88EB714B-C3CC-4216-88C1-02913905B1CF}" type="datetimeFigureOut">
               <a:rPr lang="en-GB" smtClean="0"/>
-              <a:t>04/10/2021</a:t>
+              <a:t>12/10/2021</a:t>
             </a:fld>
             <a:endParaRPr lang="en-GB"/>
           </a:p>
@@ -986,7 +988,7 @@
           <a:p>
             <a:fld id="{6A641EC8-C9F8-4A58-A1A7-F7D817526EEC}" type="slidenum">
               <a:rPr lang="en-GB" smtClean="0"/>
-              <a:t>4</a:t>
+              <a:t>5</a:t>
             </a:fld>
             <a:endParaRPr lang="en-GB"/>
           </a:p>
@@ -1070,7 +1072,7 @@
           <a:p>
             <a:fld id="{6A641EC8-C9F8-4A58-A1A7-F7D817526EEC}" type="slidenum">
               <a:rPr lang="en-GB" smtClean="0"/>
-              <a:t>5</a:t>
+              <a:t>6</a:t>
             </a:fld>
             <a:endParaRPr lang="en-GB"/>
           </a:p>
@@ -1154,7 +1156,7 @@
           <a:p>
             <a:fld id="{6A641EC8-C9F8-4A58-A1A7-F7D817526EEC}" type="slidenum">
               <a:rPr lang="en-GB" smtClean="0"/>
-              <a:t>6</a:t>
+              <a:t>7</a:t>
             </a:fld>
             <a:endParaRPr lang="en-GB"/>
           </a:p>
@@ -1350,7 +1352,7 @@
                   <a:spcPct val="0"/>
                 </a:spcBef>
               </a:pPr>
-              <a:t>7</a:t>
+              <a:t>8</a:t>
             </a:fld>
             <a:endParaRPr lang="en-US" altLang="en-US"/>
           </a:p>
@@ -1783,7 +1785,7 @@
           <a:p>
             <a:fld id="{EB0080F8-EA1C-491D-963C-2C881B2F918F}" type="datetimeFigureOut">
               <a:rPr lang="en-GB" smtClean="0"/>
-              <a:t>04/10/2021</a:t>
+              <a:t>12/10/2021</a:t>
             </a:fld>
             <a:endParaRPr lang="en-GB"/>
           </a:p>
@@ -1933,7 +1935,7 @@
           <a:p>
             <a:fld id="{EB0080F8-EA1C-491D-963C-2C881B2F918F}" type="datetimeFigureOut">
               <a:rPr lang="en-GB" smtClean="0"/>
-              <a:t>04/10/2021</a:t>
+              <a:t>12/10/2021</a:t>
             </a:fld>
             <a:endParaRPr lang="en-GB"/>
           </a:p>
@@ -3466,7 +3468,7 @@
           <a:p>
             <a:fld id="{EB0080F8-EA1C-491D-963C-2C881B2F918F}" type="datetimeFigureOut">
               <a:rPr lang="en-GB" smtClean="0"/>
-              <a:t>04/10/2021</a:t>
+              <a:t>12/10/2021</a:t>
             </a:fld>
             <a:endParaRPr lang="en-GB"/>
           </a:p>
@@ -3988,184 +3990,104 @@
       </p:grpSpPr>
       <p:sp>
         <p:nvSpPr>
-          <p:cNvPr id="4" name="Title 1"/>
-          <p:cNvSpPr txBox="1">
-            <a:spLocks/>
-          </p:cNvSpPr>
+          <p:cNvPr id="2" name="Title 1"/>
+          <p:cNvSpPr>
+            <a:spLocks noGrp="1"/>
+          </p:cNvSpPr>
+          <p:nvPr>
+            <p:ph type="title"/>
+          </p:nvPr>
+        </p:nvSpPr>
+        <p:spPr>
+          <a:xfrm>
+            <a:off x="401319" y="1431416"/>
+            <a:ext cx="8388117" cy="4549506"/>
+          </a:xfrm>
+        </p:spPr>
+        <p:txBody>
+          <a:bodyPr/>
+          <a:lstStyle/>
+          <a:p>
+            <a:pPr algn="ctr"/>
+            <a:r>
+              <a:rPr lang="en-GB" sz="2800" u="sng" dirty="0"/>
+              <a:t>Important Information on Marking your Attendance on Inkpath</a:t>
+            </a:r>
+            <a:br>
+              <a:rPr lang="en-GB" sz="2800" u="sng" dirty="0"/>
+            </a:br>
+            <a:br>
+              <a:rPr lang="en-GB" sz="2800" u="sng" dirty="0"/>
+            </a:br>
+            <a:br>
+              <a:rPr lang="en-GB" sz="2800" dirty="0"/>
+            </a:br>
+            <a:r>
+              <a:rPr lang="en-GB" sz="2800" dirty="0"/>
+              <a:t>After this course you will receive an email from the Graduate School administration team which will provide you with a QR code and instructions to mark your attendance at this course on Inkpath. </a:t>
+            </a:r>
+            <a:br>
+              <a:rPr lang="en-GB" sz="2800" dirty="0"/>
+            </a:br>
+            <a:br>
+              <a:rPr lang="en-GB" sz="2800" dirty="0"/>
+            </a:br>
+            <a:r>
+              <a:rPr lang="en-GB" sz="2800" dirty="0"/>
+              <a:t>Please </a:t>
+            </a:r>
+            <a:r>
+              <a:rPr lang="en-GB" sz="2800" u="sng" dirty="0"/>
+              <a:t>do not</a:t>
+            </a:r>
+            <a:r>
+              <a:rPr lang="en-GB" sz="2800" dirty="0"/>
+              <a:t> mark your attendance until you have received an email from the Graduate School. </a:t>
+            </a:r>
+          </a:p>
+        </p:txBody>
+      </p:sp>
+      <p:sp>
+        <p:nvSpPr>
+          <p:cNvPr id="7" name="TextBox 6"/>
+          <p:cNvSpPr txBox="1"/>
           <p:nvPr/>
         </p:nvSpPr>
         <p:spPr>
           <a:xfrm>
-            <a:off x="401320" y="472966"/>
-            <a:ext cx="5778764" cy="961696"/>
+            <a:off x="552450" y="3214433"/>
+            <a:ext cx="2171700" cy="830997"/>
           </a:xfrm>
           <a:prstGeom prst="rect">
             <a:avLst/>
           </a:prstGeom>
-        </p:spPr>
-        <p:txBody>
-          <a:bodyPr anchor="b"/>
-          <a:lstStyle>
-            <a:lvl1pPr algn="l" defTabSz="457200" rtl="0" eaLnBrk="1" latinLnBrk="0" hangingPunct="1">
-              <a:lnSpc>
-                <a:spcPct val="90000"/>
-              </a:lnSpc>
-              <a:spcBef>
-                <a:spcPct val="0"/>
-              </a:spcBef>
-              <a:buNone/>
-              <a:defRPr sz="4000" b="1" i="0" kern="1200" baseline="0">
-                <a:solidFill>
-                  <a:schemeClr val="tx2"/>
-                </a:solidFill>
-                <a:latin typeface="+mj-lt"/>
-                <a:ea typeface="+mj-ea"/>
-                <a:cs typeface="MetaOT-Bold"/>
-              </a:defRPr>
-            </a:lvl1pPr>
-          </a:lstStyle>
-          <a:p>
-            <a:r>
-              <a:rPr lang="en-US" sz="3200" dirty="0">
-                <a:solidFill>
-                  <a:schemeClr val="accent3"/>
-                </a:solidFill>
-              </a:rPr>
-              <a:t>Expectations:  Covid-safe teaching environments</a:t>
-            </a:r>
-          </a:p>
-        </p:txBody>
-      </p:sp>
-      <p:sp>
-        <p:nvSpPr>
-          <p:cNvPr id="5" name="Subtitle 2"/>
-          <p:cNvSpPr>
-            <a:spLocks noGrp="1"/>
-          </p:cNvSpPr>
-          <p:nvPr>
-            <p:ph type="subTitle" idx="1"/>
-          </p:nvPr>
-        </p:nvSpPr>
-        <p:spPr>
-          <a:xfrm>
-            <a:off x="401320" y="1631731"/>
-            <a:ext cx="8490432" cy="4548352"/>
-          </a:xfrm>
-        </p:spPr>
-        <p:txBody>
-          <a:bodyPr lIns="91440" tIns="45720" rIns="91440" bIns="45720" anchor="t"/>
+          <a:noFill/>
+        </p:spPr>
+        <p:txBody>
+          <a:bodyPr wrap="square" rtlCol="0">
+            <a:spAutoFit/>
+          </a:bodyPr>
           <a:lstStyle/>
           <a:p>
-            <a:r>
-              <a:rPr lang="en-US" sz="2200" u="sng" dirty="0">
-                <a:ea typeface="+mj-lt"/>
-                <a:cs typeface="+mj-lt"/>
-              </a:rPr>
-              <a:t>Face coverings</a:t>
-            </a:r>
-          </a:p>
-          <a:p>
-            <a:pPr marL="457200" indent="-457200">
-              <a:buFont typeface="Arial" panose="020B0604020202020204" pitchFamily="34" charset="0"/>
-              <a:buChar char="•"/>
-            </a:pPr>
-            <a:r>
-              <a:rPr lang="en-GB" sz="2200" dirty="0">
-                <a:latin typeface="+mn-lt"/>
-                <a:ea typeface="Calibri" panose="020F0502020204030204" pitchFamily="34" charset="0"/>
-                <a:cs typeface="Times New Roman"/>
-              </a:rPr>
-              <a:t>You are expected to wear a face covering </a:t>
-            </a:r>
-            <a:endParaRPr lang="en-GB" sz="2200" dirty="0"/>
-          </a:p>
-          <a:p>
-            <a:pPr marL="457200" indent="-457200">
-              <a:buFont typeface="Arial" panose="020B0604020202020204" pitchFamily="34" charset="0"/>
-              <a:buChar char="•"/>
-            </a:pPr>
-            <a:r>
-              <a:rPr lang="en-US" sz="2200" dirty="0">
-                <a:ea typeface="+mj-lt"/>
-                <a:cs typeface="+mj-lt"/>
-              </a:rPr>
-              <a:t>Tutors will deliver their workshop 2 meters distance from </a:t>
-            </a:r>
-            <a:r>
-              <a:rPr lang="en-US" sz="2200">
-                <a:ea typeface="+mj-lt"/>
-                <a:cs typeface="+mj-lt"/>
-              </a:rPr>
-              <a:t>you </a:t>
-            </a:r>
-            <a:endParaRPr lang="en-US" sz="2200" dirty="0">
-              <a:ea typeface="+mj-lt"/>
-              <a:cs typeface="+mj-lt"/>
+            <a:endParaRPr lang="en-GB" sz="2400" dirty="0">
+              <a:solidFill>
+                <a:srgbClr val="002060"/>
+              </a:solidFill>
             </a:endParaRPr>
           </a:p>
           <a:p>
-            <a:endParaRPr lang="en-US" sz="2200" u="sng" dirty="0">
-              <a:latin typeface="+mn-lt"/>
-              <a:ea typeface="+mj-lt"/>
-              <a:cs typeface="+mj-lt"/>
+            <a:endParaRPr lang="en-GB" sz="2400" dirty="0">
+              <a:solidFill>
+                <a:srgbClr val="002060"/>
+              </a:solidFill>
             </a:endParaRPr>
-          </a:p>
-          <a:p>
-            <a:r>
-              <a:rPr lang="en-US" sz="2200" u="sng" dirty="0">
-                <a:latin typeface="+mn-lt"/>
-                <a:ea typeface="+mj-lt"/>
-                <a:cs typeface="+mj-lt"/>
-              </a:rPr>
-              <a:t>Hygiene</a:t>
-            </a:r>
-            <a:endParaRPr lang="en-GB" sz="2200" u="sng" dirty="0">
-              <a:latin typeface="+mn-lt"/>
-              <a:ea typeface="Calibri" panose="020F0502020204030204" pitchFamily="34" charset="0"/>
-              <a:cs typeface="Times New Roman"/>
-            </a:endParaRPr>
-          </a:p>
-          <a:p>
-            <a:pPr marL="457200" indent="-457200">
-              <a:buFont typeface="Arial" panose="020B0604020202020204" pitchFamily="34" charset="0"/>
-              <a:buChar char="•"/>
-            </a:pPr>
-            <a:r>
-              <a:rPr lang="en-US" sz="2200" dirty="0"/>
-              <a:t>Where hand </a:t>
-            </a:r>
-            <a:r>
-              <a:rPr lang="en-US" sz="2200" dirty="0" err="1"/>
-              <a:t>sanitiser</a:t>
-            </a:r>
-            <a:r>
-              <a:rPr lang="en-US" sz="2200" dirty="0"/>
-              <a:t> is available, please use it</a:t>
-            </a:r>
-          </a:p>
-          <a:p>
-            <a:pPr marL="457200" indent="-457200">
-              <a:buFont typeface="Arial" panose="020B0604020202020204" pitchFamily="34" charset="0"/>
-              <a:buChar char="•"/>
-            </a:pPr>
-            <a:r>
-              <a:rPr lang="en-US" sz="2200" dirty="0"/>
-              <a:t>Please wipe down any communal/shared course materials/equipment </a:t>
-            </a:r>
-          </a:p>
-          <a:p>
-            <a:pPr marL="457200" indent="-457200">
-              <a:buFont typeface="Arial" panose="020B0604020202020204" pitchFamily="34" charset="0"/>
-              <a:buChar char="•"/>
-            </a:pPr>
-            <a:endParaRPr lang="en-US" sz="2400" dirty="0"/>
           </a:p>
         </p:txBody>
       </p:sp>
     </p:spTree>
     <p:extLst>
       <p:ext uri="{BB962C8B-B14F-4D97-AF65-F5344CB8AC3E}">
-        <p14:creationId xmlns:p14="http://schemas.microsoft.com/office/powerpoint/2010/main" val="70908208"/>
+        <p14:creationId xmlns:p14="http://schemas.microsoft.com/office/powerpoint/2010/main" val="3686223621"/>
       </p:ext>
     </p:extLst>
   </p:cSld>
@@ -4202,8 +4124,8 @@
         </p:nvSpPr>
         <p:spPr>
           <a:xfrm>
-            <a:off x="401319" y="472966"/>
-            <a:ext cx="5558047" cy="930165"/>
+            <a:off x="401320" y="472966"/>
+            <a:ext cx="5778764" cy="961696"/>
           </a:xfrm>
           <a:prstGeom prst="rect">
             <a:avLst/>
@@ -4254,8 +4176,8 @@
         </p:nvSpPr>
         <p:spPr>
           <a:xfrm>
-            <a:off x="189186" y="1450427"/>
-            <a:ext cx="8797158" cy="4020208"/>
+            <a:off x="401320" y="1631731"/>
+            <a:ext cx="8490432" cy="4548352"/>
           </a:xfrm>
         </p:spPr>
         <p:txBody>
@@ -4263,66 +4185,115 @@
           <a:lstStyle/>
           <a:p>
             <a:r>
-              <a:rPr lang="en-US" sz="2200" u="sng" dirty="0"/>
-              <a:t>For the purpose of contact tracing</a:t>
-            </a:r>
-            <a:endParaRPr lang="en-US" sz="2200" dirty="0"/>
-          </a:p>
-          <a:p>
-            <a:endParaRPr lang="en-US" sz="2200" dirty="0"/>
-          </a:p>
-          <a:p>
-            <a:r>
-              <a:rPr lang="en-US" sz="2200" dirty="0"/>
-              <a:t>For our standard workshops:</a:t>
-            </a:r>
-          </a:p>
-          <a:p>
-            <a:pPr marL="342900" indent="-342900">
+              <a:rPr lang="en-US" sz="2200" u="sng" dirty="0">
+                <a:ea typeface="+mj-lt"/>
+                <a:cs typeface="+mj-lt"/>
+              </a:rPr>
+              <a:t>Face coverings</a:t>
+            </a:r>
+          </a:p>
+          <a:p>
+            <a:pPr marL="457200" indent="-457200">
               <a:buFont typeface="Arial" panose="020B0604020202020204" pitchFamily="34" charset="0"/>
               <a:buChar char="•"/>
             </a:pPr>
             <a:r>
-              <a:rPr lang="en-US" sz="2200" dirty="0"/>
-              <a:t>We will provide the CCT Hub with the complete list of attendees at this workshop</a:t>
-            </a:r>
-          </a:p>
-          <a:p>
-            <a:endParaRPr lang="en-US" sz="2200" dirty="0"/>
-          </a:p>
-          <a:p>
-            <a:r>
-              <a:rPr lang="en-US" sz="2200" dirty="0"/>
-              <a:t>Where our workshops are held in lecture theatres:</a:t>
-            </a:r>
-          </a:p>
-          <a:p>
-            <a:pPr marL="342900" indent="-342900">
+              <a:rPr lang="en-GB" sz="2200" dirty="0">
+                <a:latin typeface="+mn-lt"/>
+                <a:ea typeface="Calibri" panose="020F0502020204030204" pitchFamily="34" charset="0"/>
+                <a:cs typeface="Times New Roman"/>
+              </a:rPr>
+              <a:t>You are expected to wear a face covering </a:t>
+            </a:r>
+            <a:endParaRPr lang="en-GB" sz="2200" dirty="0"/>
+          </a:p>
+          <a:p>
+            <a:pPr marL="457200" indent="-457200">
               <a:buFont typeface="Arial" panose="020B0604020202020204" pitchFamily="34" charset="0"/>
               <a:buChar char="•"/>
             </a:pPr>
             <a:r>
+              <a:rPr lang="en-US" sz="2200" dirty="0">
+                <a:ea typeface="+mj-lt"/>
+                <a:cs typeface="+mj-lt"/>
+              </a:rPr>
+              <a:t>Tutors will deliver their workshop 2 meters distance from </a:t>
+            </a:r>
+            <a:r>
+              <a:rPr lang="en-US" sz="2200">
+                <a:ea typeface="+mj-lt"/>
+                <a:cs typeface="+mj-lt"/>
+              </a:rPr>
+              <a:t>you </a:t>
+            </a:r>
+            <a:endParaRPr lang="en-US" sz="2200" dirty="0">
+              <a:ea typeface="+mj-lt"/>
+              <a:cs typeface="+mj-lt"/>
+            </a:endParaRPr>
+          </a:p>
+          <a:p>
+            <a:endParaRPr lang="en-US" sz="2200" u="sng" dirty="0">
+              <a:latin typeface="+mn-lt"/>
+              <a:ea typeface="+mj-lt"/>
+              <a:cs typeface="+mj-lt"/>
+            </a:endParaRPr>
+          </a:p>
+          <a:p>
+            <a:r>
+              <a:rPr lang="en-US" sz="2200" u="sng" dirty="0">
+                <a:latin typeface="+mn-lt"/>
+                <a:ea typeface="+mj-lt"/>
+                <a:cs typeface="+mj-lt"/>
+              </a:rPr>
+              <a:t>Hygiene</a:t>
+            </a:r>
+            <a:endParaRPr lang="en-GB" sz="2200" u="sng" dirty="0">
+              <a:latin typeface="+mn-lt"/>
+              <a:ea typeface="Calibri" panose="020F0502020204030204" pitchFamily="34" charset="0"/>
+              <a:cs typeface="Times New Roman"/>
+            </a:endParaRPr>
+          </a:p>
+          <a:p>
+            <a:pPr marL="457200" indent="-457200">
+              <a:buFont typeface="Arial" panose="020B0604020202020204" pitchFamily="34" charset="0"/>
+              <a:buChar char="•"/>
+            </a:pPr>
+            <a:r>
               <a:rPr lang="en-US" sz="2200" dirty="0"/>
-              <a:t>You should keep a record of colleagues that you are sat in </a:t>
-            </a:r>
-            <a:r>
-              <a:rPr lang="en-US" sz="2200"/>
-              <a:t>close contact with </a:t>
+              <a:t>Where hand </a:t>
+            </a:r>
+            <a:r>
+              <a:rPr lang="en-US" sz="2200" dirty="0" err="1"/>
+              <a:t>sanitiser</a:t>
             </a:r>
             <a:r>
               <a:rPr lang="en-US" sz="2200" dirty="0"/>
-              <a:t>(within 2 meters)</a:t>
-            </a:r>
-          </a:p>
-          <a:p>
-            <a:endParaRPr lang="en-US" dirty="0"/>
+              <a:t> is available, please use it</a:t>
+            </a:r>
+          </a:p>
+          <a:p>
+            <a:pPr marL="457200" indent="-457200">
+              <a:buFont typeface="Arial" panose="020B0604020202020204" pitchFamily="34" charset="0"/>
+              <a:buChar char="•"/>
+            </a:pPr>
+            <a:r>
+              <a:rPr lang="en-US" sz="2200" dirty="0"/>
+              <a:t>Please wipe down any communal/shared course materials/equipment </a:t>
+            </a:r>
+          </a:p>
+          <a:p>
+            <a:pPr marL="457200" indent="-457200">
+              <a:buFont typeface="Arial" panose="020B0604020202020204" pitchFamily="34" charset="0"/>
+              <a:buChar char="•"/>
+            </a:pPr>
+            <a:endParaRPr lang="en-US" sz="2400" dirty="0"/>
           </a:p>
         </p:txBody>
       </p:sp>
     </p:spTree>
     <p:extLst>
       <p:ext uri="{BB962C8B-B14F-4D97-AF65-F5344CB8AC3E}">
-        <p14:creationId xmlns:p14="http://schemas.microsoft.com/office/powerpoint/2010/main" val="3238657636"/>
+        <p14:creationId xmlns:p14="http://schemas.microsoft.com/office/powerpoint/2010/main" val="70908208"/>
       </p:ext>
     </p:extLst>
   </p:cSld>
@@ -4351,155 +4322,141 @@
       </p:grpSpPr>
       <p:sp>
         <p:nvSpPr>
-          <p:cNvPr id="2" name="Title 1"/>
+          <p:cNvPr id="4" name="Title 1"/>
+          <p:cNvSpPr txBox="1">
+            <a:spLocks/>
+          </p:cNvSpPr>
+          <p:nvPr/>
+        </p:nvSpPr>
+        <p:spPr>
+          <a:xfrm>
+            <a:off x="401319" y="472966"/>
+            <a:ext cx="5558047" cy="930165"/>
+          </a:xfrm>
+          <a:prstGeom prst="rect">
+            <a:avLst/>
+          </a:prstGeom>
+        </p:spPr>
+        <p:txBody>
+          <a:bodyPr anchor="b"/>
+          <a:lstStyle>
+            <a:lvl1pPr algn="l" defTabSz="457200" rtl="0" eaLnBrk="1" latinLnBrk="0" hangingPunct="1">
+              <a:lnSpc>
+                <a:spcPct val="90000"/>
+              </a:lnSpc>
+              <a:spcBef>
+                <a:spcPct val="0"/>
+              </a:spcBef>
+              <a:buNone/>
+              <a:defRPr sz="4000" b="1" i="0" kern="1200" baseline="0">
+                <a:solidFill>
+                  <a:schemeClr val="tx2"/>
+                </a:solidFill>
+                <a:latin typeface="+mj-lt"/>
+                <a:ea typeface="+mj-ea"/>
+                <a:cs typeface="MetaOT-Bold"/>
+              </a:defRPr>
+            </a:lvl1pPr>
+          </a:lstStyle>
+          <a:p>
+            <a:r>
+              <a:rPr lang="en-US" sz="3200" dirty="0">
+                <a:solidFill>
+                  <a:schemeClr val="accent3"/>
+                </a:solidFill>
+              </a:rPr>
+              <a:t>Expectations:  Covid-safe teaching environments</a:t>
+            </a:r>
+          </a:p>
+        </p:txBody>
+      </p:sp>
+      <p:sp>
+        <p:nvSpPr>
+          <p:cNvPr id="5" name="Subtitle 2"/>
           <p:cNvSpPr>
             <a:spLocks noGrp="1"/>
           </p:cNvSpPr>
           <p:nvPr>
-            <p:ph type="title"/>
-          </p:nvPr>
-        </p:nvSpPr>
-        <p:spPr/>
-        <p:txBody>
-          <a:bodyPr/>
+            <p:ph type="subTitle" idx="1"/>
+          </p:nvPr>
+        </p:nvSpPr>
+        <p:spPr>
+          <a:xfrm>
+            <a:off x="189186" y="1450427"/>
+            <a:ext cx="8797158" cy="4020208"/>
+          </a:xfrm>
+        </p:spPr>
+        <p:txBody>
+          <a:bodyPr lIns="91440" tIns="45720" rIns="91440" bIns="45720" anchor="t"/>
           <a:lstStyle/>
           <a:p>
             <a:r>
-              <a:rPr lang="en-GB" sz="4000" dirty="0"/>
-              <a:t>Learning Outcomes</a:t>
-            </a:r>
-          </a:p>
-        </p:txBody>
-      </p:sp>
-      <p:sp>
-        <p:nvSpPr>
-          <p:cNvPr id="3" name="Content Placeholder 2"/>
-          <p:cNvSpPr>
-            <a:spLocks noGrp="1"/>
-          </p:cNvSpPr>
-          <p:nvPr>
-            <p:ph idx="1"/>
-          </p:nvPr>
-        </p:nvSpPr>
-        <p:spPr>
-          <a:xfrm>
-            <a:off x="457200" y="1600200"/>
-            <a:ext cx="8435280" cy="4876800"/>
-          </a:xfrm>
-        </p:spPr>
-        <p:txBody>
-          <a:bodyPr>
-            <a:normAutofit/>
-          </a:bodyPr>
-          <a:lstStyle/>
-          <a:p>
-            <a:pPr marL="514350" lvl="0" indent="-514350">
-              <a:lnSpc>
-                <a:spcPct val="107000"/>
-              </a:lnSpc>
-              <a:buAutoNum type="arabicPeriod"/>
+              <a:rPr lang="en-US" sz="2200" u="sng" dirty="0"/>
+              <a:t>For the purpose of contact tracing</a:t>
+            </a:r>
+            <a:endParaRPr lang="en-US" sz="2200" dirty="0"/>
+          </a:p>
+          <a:p>
+            <a:endParaRPr lang="en-US" sz="2200" dirty="0"/>
+          </a:p>
+          <a:p>
+            <a:r>
+              <a:rPr lang="en-US" sz="2200" dirty="0"/>
+              <a:t>For our standard workshops:</a:t>
+            </a:r>
+          </a:p>
+          <a:p>
+            <a:pPr marL="342900" indent="-342900">
+              <a:buFont typeface="Arial" panose="020B0604020202020204" pitchFamily="34" charset="0"/>
+              <a:buChar char="•"/>
             </a:pPr>
             <a:r>
-              <a:rPr lang="en-GB" sz="3000" b="1" dirty="0">
-                <a:latin typeface="Arial" panose="020B0604020202020204" pitchFamily="34" charset="0"/>
-                <a:cs typeface="Arial" panose="020B0604020202020204" pitchFamily="34" charset="0"/>
-              </a:rPr>
-              <a:t>Understand</a:t>
-            </a:r>
-            <a:r>
-              <a:rPr lang="en-GB" sz="3000" dirty="0">
-                <a:latin typeface="Arial" panose="020B0604020202020204" pitchFamily="34" charset="0"/>
-                <a:cs typeface="Arial" panose="020B0604020202020204" pitchFamily="34" charset="0"/>
-              </a:rPr>
-              <a:t> how to use example codes to create high-quality figures for your publications and thesis</a:t>
-            </a:r>
-          </a:p>
-          <a:p>
-            <a:pPr marL="514350" lvl="0" indent="-514350">
-              <a:lnSpc>
-                <a:spcPct val="107000"/>
-              </a:lnSpc>
-              <a:buAutoNum type="arabicPeriod"/>
+              <a:rPr lang="en-US" sz="2200" dirty="0"/>
+              <a:t>We will provide the CCT Hub with the complete list of attendees at this workshop</a:t>
+            </a:r>
+          </a:p>
+          <a:p>
+            <a:endParaRPr lang="en-US" sz="2200" dirty="0"/>
+          </a:p>
+          <a:p>
+            <a:r>
+              <a:rPr lang="en-US" sz="2200" dirty="0"/>
+              <a:t>Where our workshops are held in lecture theatres:</a:t>
+            </a:r>
+          </a:p>
+          <a:p>
+            <a:pPr marL="342900" indent="-342900">
+              <a:buFont typeface="Arial" panose="020B0604020202020204" pitchFamily="34" charset="0"/>
+              <a:buChar char="•"/>
             </a:pPr>
             <a:r>
-              <a:rPr lang="en-GB" sz="3000" b="1" dirty="0">
-                <a:latin typeface="Arial" panose="020B0604020202020204" pitchFamily="34" charset="0"/>
-                <a:cs typeface="Arial" panose="020B0604020202020204" pitchFamily="34" charset="0"/>
-              </a:rPr>
-              <a:t>Create</a:t>
-            </a:r>
-            <a:r>
-              <a:rPr lang="en-GB" sz="3000" dirty="0">
-                <a:latin typeface="Arial" panose="020B0604020202020204" pitchFamily="34" charset="0"/>
-                <a:cs typeface="Arial" panose="020B0604020202020204" pitchFamily="34" charset="0"/>
-              </a:rPr>
-              <a:t> and export a variety of plots using matplotlib</a:t>
-            </a:r>
-          </a:p>
-          <a:p>
-            <a:pPr marL="514350" lvl="0" indent="-514350">
-              <a:lnSpc>
-                <a:spcPct val="107000"/>
-              </a:lnSpc>
-              <a:buAutoNum type="arabicPeriod"/>
-            </a:pPr>
-            <a:r>
-              <a:rPr lang="en-GB" sz="3000" b="1" dirty="0">
-                <a:latin typeface="Arial" panose="020B0604020202020204" pitchFamily="34" charset="0"/>
-                <a:cs typeface="Arial" panose="020B0604020202020204" pitchFamily="34" charset="0"/>
-              </a:rPr>
-              <a:t>Represent</a:t>
-            </a:r>
-            <a:r>
-              <a:rPr lang="en-GB" sz="3000" dirty="0">
-                <a:latin typeface="Arial" panose="020B0604020202020204" pitchFamily="34" charset="0"/>
-                <a:cs typeface="Arial" panose="020B0604020202020204" pitchFamily="34" charset="0"/>
-              </a:rPr>
-              <a:t> multiple data series efficiently on a single plot</a:t>
-            </a:r>
-          </a:p>
-          <a:p>
-            <a:pPr marL="514350" lvl="0" indent="-514350">
-              <a:lnSpc>
-                <a:spcPct val="107000"/>
-              </a:lnSpc>
-              <a:buAutoNum type="arabicPeriod"/>
-            </a:pPr>
-            <a:r>
-              <a:rPr lang="en-GB" sz="3000" b="1" dirty="0">
-                <a:latin typeface="Arial" panose="020B0604020202020204" pitchFamily="34" charset="0"/>
-                <a:cs typeface="Arial" panose="020B0604020202020204" pitchFamily="34" charset="0"/>
-              </a:rPr>
-              <a:t>Customise</a:t>
-            </a:r>
-            <a:r>
-              <a:rPr lang="en-GB" sz="3000" dirty="0">
-                <a:latin typeface="Arial" panose="020B0604020202020204" pitchFamily="34" charset="0"/>
-                <a:cs typeface="Arial" panose="020B0604020202020204" pitchFamily="34" charset="0"/>
-              </a:rPr>
-              <a:t> the appearance of plots and generate subplots in one figure </a:t>
-            </a:r>
+              <a:rPr lang="en-US" sz="2200" dirty="0"/>
+              <a:t>You should keep a record of colleagues that you are sat in </a:t>
+            </a:r>
+            <a:r>
+              <a:rPr lang="en-US" sz="2200"/>
+              <a:t>close contact with </a:t>
+            </a:r>
+            <a:r>
+              <a:rPr lang="en-US" sz="2200" dirty="0"/>
+              <a:t>(within 2 meters)</a:t>
+            </a:r>
+          </a:p>
+          <a:p>
+            <a:endParaRPr lang="en-US" dirty="0"/>
           </a:p>
         </p:txBody>
       </p:sp>
     </p:spTree>
     <p:extLst>
       <p:ext uri="{BB962C8B-B14F-4D97-AF65-F5344CB8AC3E}">
-        <p14:creationId xmlns:p14="http://schemas.microsoft.com/office/powerpoint/2010/main" val="3248724752"/>
+        <p14:creationId xmlns:p14="http://schemas.microsoft.com/office/powerpoint/2010/main" val="3238657636"/>
       </p:ext>
     </p:extLst>
   </p:cSld>
   <p:clrMapOvr>
     <a:masterClrMapping/>
   </p:clrMapOvr>
-  <mc:AlternateContent xmlns:mc="http://schemas.openxmlformats.org/markup-compatibility/2006" xmlns:p14="http://schemas.microsoft.com/office/powerpoint/2010/main">
-    <mc:Choice Requires="p14">
-      <p:transition p14:dur="10"/>
-    </mc:Choice>
-    <mc:Fallback xmlns="">
-      <p:transition/>
-    </mc:Fallback>
-  </mc:AlternateContent>
 </p:sld>
 </file>
 
@@ -4537,7 +4494,7 @@
           <a:p>
             <a:r>
               <a:rPr lang="en-GB" sz="4000" dirty="0"/>
-              <a:t>Notebook Links</a:t>
+              <a:t>Learning Outcomes</a:t>
             </a:r>
           </a:p>
         </p:txBody>
@@ -4564,187 +4521,99 @@
           </a:bodyPr>
           <a:lstStyle/>
           <a:p>
-            <a:pPr algn="l">
-              <a:buFont typeface="Arial" panose="020B0604020202020204" pitchFamily="34" charset="0"/>
-              <a:buChar char="•"/>
+            <a:pPr marL="514350" lvl="0" indent="-514350">
+              <a:lnSpc>
+                <a:spcPct val="107000"/>
+              </a:lnSpc>
+              <a:buAutoNum type="arabicPeriod"/>
             </a:pPr>
             <a:r>
-              <a:rPr lang="en-GB" b="0" i="0" u="none" strike="noStrike" dirty="0">
-                <a:effectLst/>
-                <a:hlinkClick r:id="rId3">
-                  <a:extLst>
-                    <a:ext uri="{A12FA001-AC4F-418D-AE19-62706E023703}">
-                      <ahyp:hlinkClr xmlns:ahyp="http://schemas.microsoft.com/office/drawing/2018/hyperlinkcolor" val="tx"/>
-                    </a:ext>
-                  </a:extLst>
-                </a:hlinkClick>
+              <a:rPr lang="en-GB" sz="3000" b="1" dirty="0">
+                <a:latin typeface="Arial" panose="020B0604020202020204" pitchFamily="34" charset="0"/>
+                <a:cs typeface="Arial" panose="020B0604020202020204" pitchFamily="34" charset="0"/>
               </a:rPr>
-              <a:t>Overview and the Matplotlib Gallery</a:t>
-            </a:r>
-            <a:endParaRPr lang="en-GB" b="0" i="0" dirty="0">
-              <a:effectLst/>
-            </a:endParaRPr>
-          </a:p>
-          <a:p>
-            <a:pPr algn="l">
-              <a:buFont typeface="Arial" panose="020B0604020202020204" pitchFamily="34" charset="0"/>
-              <a:buChar char="•"/>
+              <a:t>Understand</a:t>
+            </a:r>
+            <a:r>
+              <a:rPr lang="en-GB" sz="3000" dirty="0">
+                <a:latin typeface="Arial" panose="020B0604020202020204" pitchFamily="34" charset="0"/>
+                <a:cs typeface="Arial" panose="020B0604020202020204" pitchFamily="34" charset="0"/>
+              </a:rPr>
+              <a:t> how to use example codes to create high-quality figures for your publications and thesis</a:t>
+            </a:r>
+          </a:p>
+          <a:p>
+            <a:pPr marL="514350" lvl="0" indent="-514350">
+              <a:lnSpc>
+                <a:spcPct val="107000"/>
+              </a:lnSpc>
+              <a:buAutoNum type="arabicPeriod"/>
             </a:pPr>
             <a:r>
-              <a:rPr lang="en-GB" b="0" i="0" u="none" strike="noStrike" dirty="0">
-                <a:effectLst/>
-                <a:hlinkClick r:id="rId4">
-                  <a:extLst>
-                    <a:ext uri="{A12FA001-AC4F-418D-AE19-62706E023703}">
-                      <ahyp:hlinkClr xmlns:ahyp="http://schemas.microsoft.com/office/drawing/2018/hyperlinkcolor" val="tx"/>
-                    </a:ext>
-                  </a:extLst>
-                </a:hlinkClick>
+              <a:rPr lang="en-GB" sz="3000" b="1" dirty="0">
+                <a:latin typeface="Arial" panose="020B0604020202020204" pitchFamily="34" charset="0"/>
+                <a:cs typeface="Arial" panose="020B0604020202020204" pitchFamily="34" charset="0"/>
               </a:rPr>
-              <a:t>Plot Types - Discrete Data</a:t>
-            </a:r>
-            <a:endParaRPr lang="en-GB" b="0" i="0" dirty="0">
-              <a:effectLst/>
-            </a:endParaRPr>
-          </a:p>
-          <a:p>
-            <a:pPr algn="l">
-              <a:buFont typeface="Arial" panose="020B0604020202020204" pitchFamily="34" charset="0"/>
-              <a:buChar char="•"/>
+              <a:t>Create</a:t>
+            </a:r>
+            <a:r>
+              <a:rPr lang="en-GB" sz="3000" dirty="0">
+                <a:latin typeface="Arial" panose="020B0604020202020204" pitchFamily="34" charset="0"/>
+                <a:cs typeface="Arial" panose="020B0604020202020204" pitchFamily="34" charset="0"/>
+              </a:rPr>
+              <a:t> and export a variety of plots using matplotlib</a:t>
+            </a:r>
+          </a:p>
+          <a:p>
+            <a:pPr marL="514350" lvl="0" indent="-514350">
+              <a:lnSpc>
+                <a:spcPct val="107000"/>
+              </a:lnSpc>
+              <a:buAutoNum type="arabicPeriod"/>
             </a:pPr>
             <a:r>
-              <a:rPr lang="en-GB" b="0" i="0" u="sng" dirty="0">
-                <a:effectLst/>
-                <a:hlinkClick r:id="rId5">
-                  <a:extLst>
-                    <a:ext uri="{A12FA001-AC4F-418D-AE19-62706E023703}">
-                      <ahyp:hlinkClr xmlns:ahyp="http://schemas.microsoft.com/office/drawing/2018/hyperlinkcolor" val="tx"/>
-                    </a:ext>
-                  </a:extLst>
-                </a:hlinkClick>
+              <a:rPr lang="en-GB" sz="3000" b="1" dirty="0">
+                <a:latin typeface="Arial" panose="020B0604020202020204" pitchFamily="34" charset="0"/>
+                <a:cs typeface="Arial" panose="020B0604020202020204" pitchFamily="34" charset="0"/>
               </a:rPr>
-              <a:t>Plot Types - Continuous Data</a:t>
-            </a:r>
-            <a:endParaRPr lang="en-GB" b="0" i="0" dirty="0">
-              <a:effectLst/>
-            </a:endParaRPr>
-          </a:p>
-          <a:p>
-            <a:pPr algn="l">
-              <a:buFont typeface="Arial" panose="020B0604020202020204" pitchFamily="34" charset="0"/>
-              <a:buChar char="•"/>
+              <a:t>Represent</a:t>
+            </a:r>
+            <a:r>
+              <a:rPr lang="en-GB" sz="3000" dirty="0">
+                <a:latin typeface="Arial" panose="020B0604020202020204" pitchFamily="34" charset="0"/>
+                <a:cs typeface="Arial" panose="020B0604020202020204" pitchFamily="34" charset="0"/>
+              </a:rPr>
+              <a:t> multiple data series efficiently on a single plot</a:t>
+            </a:r>
+          </a:p>
+          <a:p>
+            <a:pPr marL="514350" lvl="0" indent="-514350">
+              <a:lnSpc>
+                <a:spcPct val="107000"/>
+              </a:lnSpc>
+              <a:buAutoNum type="arabicPeriod"/>
             </a:pPr>
             <a:r>
-              <a:rPr lang="en-GB" b="0" i="0" u="none" strike="noStrike" dirty="0">
-                <a:effectLst/>
-                <a:hlinkClick r:id="rId6">
-                  <a:extLst>
-                    <a:ext uri="{A12FA001-AC4F-418D-AE19-62706E023703}">
-                      <ahyp:hlinkClr xmlns:ahyp="http://schemas.microsoft.com/office/drawing/2018/hyperlinkcolor" val="tx"/>
-                    </a:ext>
-                  </a:extLst>
-                </a:hlinkClick>
+              <a:rPr lang="en-GB" sz="3000" b="1" dirty="0">
+                <a:latin typeface="Arial" panose="020B0604020202020204" pitchFamily="34" charset="0"/>
+                <a:cs typeface="Arial" panose="020B0604020202020204" pitchFamily="34" charset="0"/>
               </a:rPr>
-              <a:t>Plotting Data with Two Dimensions</a:t>
-            </a:r>
-            <a:endParaRPr lang="en-GB" b="0" i="0" dirty="0">
-              <a:effectLst/>
-            </a:endParaRPr>
-          </a:p>
-          <a:p>
-            <a:pPr algn="l">
-              <a:buFont typeface="Arial" panose="020B0604020202020204" pitchFamily="34" charset="0"/>
-              <a:buChar char="•"/>
-            </a:pPr>
-            <a:r>
-              <a:rPr lang="en-GB" b="0" i="0" u="none" strike="noStrike" dirty="0">
-                <a:effectLst/>
-                <a:hlinkClick r:id="rId7">
-                  <a:extLst>
-                    <a:ext uri="{A12FA001-AC4F-418D-AE19-62706E023703}">
-                      <ahyp:hlinkClr xmlns:ahyp="http://schemas.microsoft.com/office/drawing/2018/hyperlinkcolor" val="tx"/>
-                    </a:ext>
-                  </a:extLst>
-                </a:hlinkClick>
+              <a:t>Customise</a:t>
+            </a:r>
+            <a:r>
+              <a:rPr lang="en-GB" sz="3000" dirty="0">
+                <a:latin typeface="Arial" panose="020B0604020202020204" pitchFamily="34" charset="0"/>
+                <a:cs typeface="Arial" panose="020B0604020202020204" pitchFamily="34" charset="0"/>
               </a:rPr>
-              <a:t>Customising Plots</a:t>
-            </a:r>
-            <a:endParaRPr lang="en-GB" b="0" i="0" dirty="0">
-              <a:effectLst/>
-            </a:endParaRPr>
-          </a:p>
-          <a:p>
-            <a:pPr algn="l">
-              <a:buFont typeface="Arial" panose="020B0604020202020204" pitchFamily="34" charset="0"/>
-              <a:buChar char="•"/>
-            </a:pPr>
-            <a:r>
-              <a:rPr lang="en-GB" b="0" i="0" u="none" strike="noStrike" dirty="0">
-                <a:effectLst/>
-                <a:hlinkClick r:id="rId8">
-                  <a:extLst>
-                    <a:ext uri="{A12FA001-AC4F-418D-AE19-62706E023703}">
-                      <ahyp:hlinkClr xmlns:ahyp="http://schemas.microsoft.com/office/drawing/2018/hyperlinkcolor" val="tx"/>
-                    </a:ext>
-                  </a:extLst>
-                </a:hlinkClick>
-              </a:rPr>
-              <a:t>Multiple Plots</a:t>
-            </a:r>
-            <a:endParaRPr lang="en-GB" b="0" i="0" dirty="0">
-              <a:effectLst/>
-            </a:endParaRPr>
-          </a:p>
-          <a:p>
-            <a:pPr algn="l">
-              <a:buFont typeface="Arial" panose="020B0604020202020204" pitchFamily="34" charset="0"/>
-              <a:buChar char="•"/>
-            </a:pPr>
-            <a:r>
-              <a:rPr lang="en-GB" b="0" i="0" u="none" strike="noStrike" dirty="0">
-                <a:effectLst/>
-                <a:hlinkClick r:id="rId9">
-                  <a:extLst>
-                    <a:ext uri="{A12FA001-AC4F-418D-AE19-62706E023703}">
-                      <ahyp:hlinkClr xmlns:ahyp="http://schemas.microsoft.com/office/drawing/2018/hyperlinkcolor" val="tx"/>
-                    </a:ext>
-                  </a:extLst>
-                </a:hlinkClick>
-              </a:rPr>
-              <a:t>Saving Plots</a:t>
-            </a:r>
-            <a:endParaRPr lang="en-GB" b="0" i="0" dirty="0">
-              <a:effectLst/>
-            </a:endParaRPr>
-          </a:p>
-          <a:p>
-            <a:pPr algn="l">
-              <a:buFont typeface="Arial" panose="020B0604020202020204" pitchFamily="34" charset="0"/>
-              <a:buChar char="•"/>
-            </a:pPr>
-            <a:r>
-              <a:rPr lang="en-GB" b="0" i="0" u="none" strike="noStrike" dirty="0">
-                <a:effectLst/>
-                <a:hlinkClick r:id="rId10">
-                  <a:extLst>
-                    <a:ext uri="{A12FA001-AC4F-418D-AE19-62706E023703}">
-                      <ahyp:hlinkClr xmlns:ahyp="http://schemas.microsoft.com/office/drawing/2018/hyperlinkcolor" val="tx"/>
-                    </a:ext>
-                  </a:extLst>
-                </a:hlinkClick>
-              </a:rPr>
-              <a:t>Projects</a:t>
-            </a:r>
-            <a:endParaRPr lang="en-GB" b="0" i="0" dirty="0">
-              <a:effectLst/>
-            </a:endParaRPr>
+              <a:t> the appearance of plots and generate subplots in one figure </a:t>
+            </a:r>
           </a:p>
         </p:txBody>
       </p:sp>
     </p:spTree>
     <p:extLst>
       <p:ext uri="{BB962C8B-B14F-4D97-AF65-F5344CB8AC3E}">
-        <p14:creationId xmlns:p14="http://schemas.microsoft.com/office/powerpoint/2010/main" val="4074605344"/>
+        <p14:creationId xmlns:p14="http://schemas.microsoft.com/office/powerpoint/2010/main" val="3248724752"/>
       </p:ext>
     </p:extLst>
   </p:cSld>
@@ -4796,6 +4665,265 @@
           <a:p>
             <a:r>
               <a:rPr lang="en-GB" sz="4000" dirty="0"/>
+              <a:t>Notebook Links</a:t>
+            </a:r>
+          </a:p>
+        </p:txBody>
+      </p:sp>
+      <p:sp>
+        <p:nvSpPr>
+          <p:cNvPr id="3" name="Content Placeholder 2"/>
+          <p:cNvSpPr>
+            <a:spLocks noGrp="1"/>
+          </p:cNvSpPr>
+          <p:nvPr>
+            <p:ph idx="1"/>
+          </p:nvPr>
+        </p:nvSpPr>
+        <p:spPr>
+          <a:xfrm>
+            <a:off x="457200" y="1600200"/>
+            <a:ext cx="8435280" cy="4876800"/>
+          </a:xfrm>
+        </p:spPr>
+        <p:txBody>
+          <a:bodyPr>
+            <a:normAutofit/>
+          </a:bodyPr>
+          <a:lstStyle/>
+          <a:p>
+            <a:pPr algn="l">
+              <a:buFont typeface="Arial" panose="020B0604020202020204" pitchFamily="34" charset="0"/>
+              <a:buChar char="•"/>
+            </a:pPr>
+            <a:r>
+              <a:rPr lang="en-GB" b="0" i="0" u="none" strike="noStrike" dirty="0">
+                <a:effectLst/>
+                <a:hlinkClick r:id="rId3">
+                  <a:extLst>
+                    <a:ext uri="{A12FA001-AC4F-418D-AE19-62706E023703}">
+                      <ahyp:hlinkClr xmlns:ahyp="http://schemas.microsoft.com/office/drawing/2018/hyperlinkcolor" val="tx"/>
+                    </a:ext>
+                  </a:extLst>
+                </a:hlinkClick>
+              </a:rPr>
+              <a:t>Overview and the Matplotlib Gallery</a:t>
+            </a:r>
+            <a:endParaRPr lang="en-GB" b="0" i="0" dirty="0">
+              <a:effectLst/>
+            </a:endParaRPr>
+          </a:p>
+          <a:p>
+            <a:pPr algn="l">
+              <a:buFont typeface="Arial" panose="020B0604020202020204" pitchFamily="34" charset="0"/>
+              <a:buChar char="•"/>
+            </a:pPr>
+            <a:r>
+              <a:rPr lang="en-GB" b="0" i="0" u="none" strike="noStrike" dirty="0">
+                <a:effectLst/>
+                <a:hlinkClick r:id="rId4">
+                  <a:extLst>
+                    <a:ext uri="{A12FA001-AC4F-418D-AE19-62706E023703}">
+                      <ahyp:hlinkClr xmlns:ahyp="http://schemas.microsoft.com/office/drawing/2018/hyperlinkcolor" val="tx"/>
+                    </a:ext>
+                  </a:extLst>
+                </a:hlinkClick>
+              </a:rPr>
+              <a:t>Plot Types - Discrete Data</a:t>
+            </a:r>
+            <a:endParaRPr lang="en-GB" b="0" i="0" dirty="0">
+              <a:effectLst/>
+            </a:endParaRPr>
+          </a:p>
+          <a:p>
+            <a:pPr algn="l">
+              <a:buFont typeface="Arial" panose="020B0604020202020204" pitchFamily="34" charset="0"/>
+              <a:buChar char="•"/>
+            </a:pPr>
+            <a:r>
+              <a:rPr lang="en-GB" b="0" i="0" u="sng" dirty="0">
+                <a:effectLst/>
+                <a:hlinkClick r:id="rId5">
+                  <a:extLst>
+                    <a:ext uri="{A12FA001-AC4F-418D-AE19-62706E023703}">
+                      <ahyp:hlinkClr xmlns:ahyp="http://schemas.microsoft.com/office/drawing/2018/hyperlinkcolor" val="tx"/>
+                    </a:ext>
+                  </a:extLst>
+                </a:hlinkClick>
+              </a:rPr>
+              <a:t>Plot Types - Continuous Data</a:t>
+            </a:r>
+            <a:endParaRPr lang="en-GB" b="0" i="0" dirty="0">
+              <a:effectLst/>
+            </a:endParaRPr>
+          </a:p>
+          <a:p>
+            <a:pPr algn="l">
+              <a:buFont typeface="Arial" panose="020B0604020202020204" pitchFamily="34" charset="0"/>
+              <a:buChar char="•"/>
+            </a:pPr>
+            <a:r>
+              <a:rPr lang="en-GB" b="0" i="0" u="none" strike="noStrike" dirty="0">
+                <a:effectLst/>
+                <a:hlinkClick r:id="rId6">
+                  <a:extLst>
+                    <a:ext uri="{A12FA001-AC4F-418D-AE19-62706E023703}">
+                      <ahyp:hlinkClr xmlns:ahyp="http://schemas.microsoft.com/office/drawing/2018/hyperlinkcolor" val="tx"/>
+                    </a:ext>
+                  </a:extLst>
+                </a:hlinkClick>
+              </a:rPr>
+              <a:t>Plotting Data with Two Dimensions</a:t>
+            </a:r>
+            <a:endParaRPr lang="en-GB" b="0" i="0" dirty="0">
+              <a:effectLst/>
+            </a:endParaRPr>
+          </a:p>
+          <a:p>
+            <a:pPr algn="l">
+              <a:buFont typeface="Arial" panose="020B0604020202020204" pitchFamily="34" charset="0"/>
+              <a:buChar char="•"/>
+            </a:pPr>
+            <a:r>
+              <a:rPr lang="en-GB" b="0" i="0" u="none" strike="noStrike" dirty="0">
+                <a:effectLst/>
+                <a:hlinkClick r:id="rId7">
+                  <a:extLst>
+                    <a:ext uri="{A12FA001-AC4F-418D-AE19-62706E023703}">
+                      <ahyp:hlinkClr xmlns:ahyp="http://schemas.microsoft.com/office/drawing/2018/hyperlinkcolor" val="tx"/>
+                    </a:ext>
+                  </a:extLst>
+                </a:hlinkClick>
+              </a:rPr>
+              <a:t>Customising Plots</a:t>
+            </a:r>
+            <a:endParaRPr lang="en-GB" b="0" i="0" dirty="0">
+              <a:effectLst/>
+            </a:endParaRPr>
+          </a:p>
+          <a:p>
+            <a:pPr algn="l">
+              <a:buFont typeface="Arial" panose="020B0604020202020204" pitchFamily="34" charset="0"/>
+              <a:buChar char="•"/>
+            </a:pPr>
+            <a:r>
+              <a:rPr lang="en-GB" b="0" i="0" u="none" strike="noStrike" dirty="0">
+                <a:effectLst/>
+                <a:hlinkClick r:id="rId8">
+                  <a:extLst>
+                    <a:ext uri="{A12FA001-AC4F-418D-AE19-62706E023703}">
+                      <ahyp:hlinkClr xmlns:ahyp="http://schemas.microsoft.com/office/drawing/2018/hyperlinkcolor" val="tx"/>
+                    </a:ext>
+                  </a:extLst>
+                </a:hlinkClick>
+              </a:rPr>
+              <a:t>Multiple Plots</a:t>
+            </a:r>
+            <a:endParaRPr lang="en-GB" b="0" i="0" dirty="0">
+              <a:effectLst/>
+            </a:endParaRPr>
+          </a:p>
+          <a:p>
+            <a:pPr algn="l">
+              <a:buFont typeface="Arial" panose="020B0604020202020204" pitchFamily="34" charset="0"/>
+              <a:buChar char="•"/>
+            </a:pPr>
+            <a:r>
+              <a:rPr lang="en-GB" b="0" i="0" u="none" strike="noStrike" dirty="0">
+                <a:effectLst/>
+                <a:hlinkClick r:id="rId9">
+                  <a:extLst>
+                    <a:ext uri="{A12FA001-AC4F-418D-AE19-62706E023703}">
+                      <ahyp:hlinkClr xmlns:ahyp="http://schemas.microsoft.com/office/drawing/2018/hyperlinkcolor" val="tx"/>
+                    </a:ext>
+                  </a:extLst>
+                </a:hlinkClick>
+              </a:rPr>
+              <a:t>Saving Plots</a:t>
+            </a:r>
+            <a:endParaRPr lang="en-GB" b="0" i="0" dirty="0">
+              <a:effectLst/>
+            </a:endParaRPr>
+          </a:p>
+          <a:p>
+            <a:pPr algn="l">
+              <a:buFont typeface="Arial" panose="020B0604020202020204" pitchFamily="34" charset="0"/>
+              <a:buChar char="•"/>
+            </a:pPr>
+            <a:r>
+              <a:rPr lang="en-GB" b="0" i="0" u="none" strike="noStrike" dirty="0">
+                <a:effectLst/>
+                <a:hlinkClick r:id="rId10">
+                  <a:extLst>
+                    <a:ext uri="{A12FA001-AC4F-418D-AE19-62706E023703}">
+                      <ahyp:hlinkClr xmlns:ahyp="http://schemas.microsoft.com/office/drawing/2018/hyperlinkcolor" val="tx"/>
+                    </a:ext>
+                  </a:extLst>
+                </a:hlinkClick>
+              </a:rPr>
+              <a:t>Projects</a:t>
+            </a:r>
+            <a:endParaRPr lang="en-GB" b="0" i="0" dirty="0">
+              <a:effectLst/>
+            </a:endParaRPr>
+          </a:p>
+        </p:txBody>
+      </p:sp>
+    </p:spTree>
+    <p:extLst>
+      <p:ext uri="{BB962C8B-B14F-4D97-AF65-F5344CB8AC3E}">
+        <p14:creationId xmlns:p14="http://schemas.microsoft.com/office/powerpoint/2010/main" val="4074605344"/>
+      </p:ext>
+    </p:extLst>
+  </p:cSld>
+  <p:clrMapOvr>
+    <a:masterClrMapping/>
+  </p:clrMapOvr>
+  <mc:AlternateContent xmlns:mc="http://schemas.openxmlformats.org/markup-compatibility/2006" xmlns:p14="http://schemas.microsoft.com/office/powerpoint/2010/main">
+    <mc:Choice Requires="p14">
+      <p:transition p14:dur="10"/>
+    </mc:Choice>
+    <mc:Fallback xmlns="">
+      <p:transition/>
+    </mc:Fallback>
+  </mc:AlternateContent>
+</p:sld>
+</file>
+
+<file path=ppt/slides/slide7.xml><?xml version="1.0" encoding="utf-8"?>
+<p:sld xmlns:a="http://schemas.openxmlformats.org/drawingml/2006/main" xmlns:r="http://schemas.openxmlformats.org/officeDocument/2006/relationships" xmlns:p="http://schemas.openxmlformats.org/presentationml/2006/main">
+  <p:cSld>
+    <p:spTree>
+      <p:nvGrpSpPr>
+        <p:cNvPr id="1" name=""/>
+        <p:cNvGrpSpPr/>
+        <p:nvPr/>
+      </p:nvGrpSpPr>
+      <p:grpSpPr>
+        <a:xfrm>
+          <a:off x="0" y="0"/>
+          <a:ext cx="0" cy="0"/>
+          <a:chOff x="0" y="0"/>
+          <a:chExt cx="0" cy="0"/>
+        </a:xfrm>
+      </p:grpSpPr>
+      <p:sp>
+        <p:nvSpPr>
+          <p:cNvPr id="2" name="Title 1"/>
+          <p:cNvSpPr>
+            <a:spLocks noGrp="1"/>
+          </p:cNvSpPr>
+          <p:nvPr>
+            <p:ph type="title"/>
+          </p:nvPr>
+        </p:nvSpPr>
+        <p:spPr/>
+        <p:txBody>
+          <a:bodyPr/>
+          <a:lstStyle/>
+          <a:p>
+            <a:r>
+              <a:rPr lang="en-GB" sz="4000" dirty="0"/>
               <a:t>Feedback</a:t>
             </a:r>
           </a:p>
@@ -4896,7 +5024,7 @@
 </p:sld>
 </file>
 
-<file path=ppt/slides/slide7.xml><?xml version="1.0" encoding="utf-8"?>
+<file path=ppt/slides/slide8.xml><?xml version="1.0" encoding="utf-8"?>
 <p:sld xmlns:a="http://schemas.openxmlformats.org/drawingml/2006/main" xmlns:r="http://schemas.openxmlformats.org/officeDocument/2006/relationships" xmlns:p="http://schemas.openxmlformats.org/presentationml/2006/main">
   <p:cSld>
     <p:spTree>

--- a/Plotting in Python with Matplotlib Slides.pptx
+++ b/Plotting in Python with Matplotlib Slides.pptx
@@ -404,7 +404,7 @@
           <a:p>
             <a:fld id="{88EB714B-C3CC-4216-88C1-02913905B1CF}" type="datetimeFigureOut">
               <a:rPr lang="en-GB" smtClean="0"/>
-              <a:t>12/10/2021</a:t>
+              <a:t>28/10/2021</a:t>
             </a:fld>
             <a:endParaRPr lang="en-GB"/>
           </a:p>
@@ -1785,7 +1785,7 @@
           <a:p>
             <a:fld id="{EB0080F8-EA1C-491D-963C-2C881B2F918F}" type="datetimeFigureOut">
               <a:rPr lang="en-GB" smtClean="0"/>
-              <a:t>12/10/2021</a:t>
+              <a:t>28/10/2021</a:t>
             </a:fld>
             <a:endParaRPr lang="en-GB"/>
           </a:p>
@@ -1935,7 +1935,7 @@
           <a:p>
             <a:fld id="{EB0080F8-EA1C-491D-963C-2C881B2F918F}" type="datetimeFigureOut">
               <a:rPr lang="en-GB" smtClean="0"/>
-              <a:t>12/10/2021</a:t>
+              <a:t>28/10/2021</a:t>
             </a:fld>
             <a:endParaRPr lang="en-GB"/>
           </a:p>
@@ -3468,7 +3468,7 @@
           <a:p>
             <a:fld id="{EB0080F8-EA1C-491D-963C-2C881B2F918F}" type="datetimeFigureOut">
               <a:rPr lang="en-GB" smtClean="0"/>
-              <a:t>12/10/2021</a:t>
+              <a:t>28/10/2021</a:t>
             </a:fld>
             <a:endParaRPr lang="en-GB"/>
           </a:p>
@@ -4001,7 +4001,7 @@
         <p:spPr>
           <a:xfrm>
             <a:off x="401319" y="1431416"/>
-            <a:ext cx="8388117" cy="4549506"/>
+            <a:ext cx="8388117" cy="2614014"/>
           </a:xfrm>
         </p:spPr>
         <p:txBody>
@@ -4024,25 +4024,7 @@
             </a:br>
             <a:r>
               <a:rPr lang="en-GB" sz="2800" dirty="0"/>
-              <a:t>After this course you will receive an email from the Graduate School administration team which will provide you with a QR code and instructions to mark your attendance at this course on Inkpath. </a:t>
-            </a:r>
-            <a:br>
-              <a:rPr lang="en-GB" sz="2800" dirty="0"/>
-            </a:br>
-            <a:br>
-              <a:rPr lang="en-GB" sz="2800" dirty="0"/>
-            </a:br>
-            <a:r>
-              <a:rPr lang="en-GB" sz="2800" dirty="0"/>
-              <a:t>Please </a:t>
-            </a:r>
-            <a:r>
-              <a:rPr lang="en-GB" sz="2800" u="sng" dirty="0"/>
-              <a:t>do not</a:t>
-            </a:r>
-            <a:r>
-              <a:rPr lang="en-GB" sz="2800" dirty="0"/>
-              <a:t> mark your attendance until you have received an email from the Graduate School. </a:t>
+              <a:t>Please do not mark your attendance until I show you the QR code at the end of the session.</a:t>
             </a:r>
           </a:p>
         </p:txBody>

--- a/Plotting in Python with Matplotlib Slides.pptx
+++ b/Plotting in Python with Matplotlib Slides.pptx
@@ -404,7 +404,7 @@
           <a:p>
             <a:fld id="{88EB714B-C3CC-4216-88C1-02913905B1CF}" type="datetimeFigureOut">
               <a:rPr lang="en-GB" smtClean="0"/>
-              <a:t>28/10/2021</a:t>
+              <a:t>19/11/2021</a:t>
             </a:fld>
             <a:endParaRPr lang="en-GB"/>
           </a:p>
@@ -1785,7 +1785,7 @@
           <a:p>
             <a:fld id="{EB0080F8-EA1C-491D-963C-2C881B2F918F}" type="datetimeFigureOut">
               <a:rPr lang="en-GB" smtClean="0"/>
-              <a:t>28/10/2021</a:t>
+              <a:t>19/11/2021</a:t>
             </a:fld>
             <a:endParaRPr lang="en-GB"/>
           </a:p>
@@ -1935,7 +1935,7 @@
           <a:p>
             <a:fld id="{EB0080F8-EA1C-491D-963C-2C881B2F918F}" type="datetimeFigureOut">
               <a:rPr lang="en-GB" smtClean="0"/>
-              <a:t>28/10/2021</a:t>
+              <a:t>19/11/2021</a:t>
             </a:fld>
             <a:endParaRPr lang="en-GB"/>
           </a:p>
@@ -3468,7 +3468,7 @@
           <a:p>
             <a:fld id="{EB0080F8-EA1C-491D-963C-2C881B2F918F}" type="datetimeFigureOut">
               <a:rPr lang="en-GB" smtClean="0"/>
-              <a:t>28/10/2021</a:t>
+              <a:t>19/11/2021</a:t>
             </a:fld>
             <a:endParaRPr lang="en-GB"/>
           </a:p>
@@ -4000,8 +4000,8 @@
         </p:nvSpPr>
         <p:spPr>
           <a:xfrm>
-            <a:off x="401319" y="1431416"/>
-            <a:ext cx="8388117" cy="2614014"/>
+            <a:off x="401319" y="1431415"/>
+            <a:ext cx="8388117" cy="4410091"/>
           </a:xfrm>
         </p:spPr>
         <p:txBody>
@@ -4019,13 +4019,28 @@
             <a:br>
               <a:rPr lang="en-GB" sz="2800" u="sng" dirty="0"/>
             </a:br>
+            <a:r>
+              <a:rPr lang="en-GB" sz="2800" dirty="0"/>
+              <a:t>I will show you a QR code at the end of the session allowing you to mark your attendance on Inkpath. Please do not mark your attendance until then.</a:t>
+            </a:r>
             <a:br>
               <a:rPr lang="en-GB" sz="2800" dirty="0"/>
             </a:br>
-            <a:r>
-              <a:rPr lang="en-GB" sz="2800" dirty="0"/>
-              <a:t>Please do not mark your attendance until I show you the QR code at the end of the session.</a:t>
-            </a:r>
+            <a:br>
+              <a:rPr lang="en-GB" sz="2800" dirty="0">
+                <a:latin typeface="Calibri" panose="020F0502020204030204" pitchFamily="34" charset="0"/>
+                <a:cs typeface="Calibri" panose="020F0502020204030204" pitchFamily="34" charset="0"/>
+              </a:rPr>
+            </a:br>
+            <a:r>
+              <a:rPr lang="en-GB" sz="2800" dirty="0">
+                <a:effectLst/>
+                <a:ea typeface="Times New Roman" panose="02020603050405020304" pitchFamily="18" charset="0"/>
+                <a:cs typeface="Calibri" panose="020F0502020204030204" pitchFamily="34" charset="0"/>
+              </a:rPr>
+              <a:t>If you are not a Postgraduate Research student and didn’t book via Inkpath, your attendance will be marked on a separate database.</a:t>
+            </a:r>
+            <a:endParaRPr lang="en-GB" sz="2800" dirty="0"/>
           </a:p>
         </p:txBody>
       </p:sp>

--- a/Plotting in Python with Matplotlib Slides.pptx
+++ b/Plotting in Python with Matplotlib Slides.pptx
@@ -13,8 +13,8 @@
   <p:sldIdLst>
     <p:sldId id="264" r:id="rId2"/>
     <p:sldId id="504" r:id="rId3"/>
-    <p:sldId id="258" r:id="rId4"/>
-    <p:sldId id="257" r:id="rId5"/>
+    <p:sldId id="505" r:id="rId4"/>
+    <p:sldId id="506" r:id="rId5"/>
     <p:sldId id="267" r:id="rId6"/>
     <p:sldId id="281" r:id="rId7"/>
     <p:sldId id="329" r:id="rId8"/>
@@ -124,8 +124,8 @@
           <p14:sldIdLst>
             <p14:sldId id="264"/>
             <p14:sldId id="504"/>
-            <p14:sldId id="258"/>
-            <p14:sldId id="257"/>
+            <p14:sldId id="505"/>
+            <p14:sldId id="506"/>
             <p14:sldId id="267"/>
             <p14:sldId id="281"/>
             <p14:sldId id="329"/>
@@ -404,7 +404,7 @@
           <a:p>
             <a:fld id="{88EB714B-C3CC-4216-88C1-02913905B1CF}" type="datetimeFigureOut">
               <a:rPr lang="en-GB" smtClean="0"/>
-              <a:t>19/11/2021</a:t>
+              <a:t>02/02/2022</a:t>
             </a:fld>
             <a:endParaRPr lang="en-GB"/>
           </a:p>
@@ -1785,7 +1785,7 @@
           <a:p>
             <a:fld id="{EB0080F8-EA1C-491D-963C-2C881B2F918F}" type="datetimeFigureOut">
               <a:rPr lang="en-GB" smtClean="0"/>
-              <a:t>19/11/2021</a:t>
+              <a:t>02/02/2022</a:t>
             </a:fld>
             <a:endParaRPr lang="en-GB"/>
           </a:p>
@@ -1935,7 +1935,7 @@
           <a:p>
             <a:fld id="{EB0080F8-EA1C-491D-963C-2C881B2F918F}" type="datetimeFigureOut">
               <a:rPr lang="en-GB" smtClean="0"/>
-              <a:t>19/11/2021</a:t>
+              <a:t>02/02/2022</a:t>
             </a:fld>
             <a:endParaRPr lang="en-GB"/>
           </a:p>
@@ -3468,7 +3468,7 @@
           <a:p>
             <a:fld id="{EB0080F8-EA1C-491D-963C-2C881B2F918F}" type="datetimeFigureOut">
               <a:rPr lang="en-GB" smtClean="0"/>
-              <a:t>19/11/2021</a:t>
+              <a:t>02/02/2022</a:t>
             </a:fld>
             <a:endParaRPr lang="en-GB"/>
           </a:p>
@@ -4151,7 +4151,7 @@
           </a:lstStyle>
           <a:p>
             <a:r>
-              <a:rPr lang="en-US" sz="3200" dirty="0">
+              <a:rPr lang="en-US" sz="3200">
                 <a:solidFill>
                   <a:schemeClr val="accent3"/>
                 </a:solidFill>
@@ -4182,7 +4182,7 @@
           <a:lstStyle/>
           <a:p>
             <a:r>
-              <a:rPr lang="en-US" sz="2200" u="sng" dirty="0">
+              <a:rPr lang="en-US" sz="2200" u="sng">
                 <a:ea typeface="+mj-lt"/>
                 <a:cs typeface="+mj-lt"/>
               </a:rPr>
@@ -4195,14 +4195,14 @@
               <a:buChar char="•"/>
             </a:pPr>
             <a:r>
-              <a:rPr lang="en-GB" sz="2200" dirty="0">
+              <a:rPr lang="en-GB" sz="2200">
                 <a:latin typeface="+mn-lt"/>
                 <a:ea typeface="Calibri" panose="020F0502020204030204" pitchFamily="34" charset="0"/>
                 <a:cs typeface="Times New Roman"/>
               </a:rPr>
               <a:t>You are expected to wear a face covering </a:t>
             </a:r>
-            <a:endParaRPr lang="en-GB" sz="2200" dirty="0"/>
+            <a:endParaRPr lang="en-GB" sz="2200"/>
           </a:p>
           <a:p>
             <a:pPr marL="457200" indent="-457200">
@@ -4210,26 +4210,15 @@
               <a:buChar char="•"/>
             </a:pPr>
             <a:r>
-              <a:rPr lang="en-US" sz="2200" dirty="0">
-                <a:ea typeface="+mj-lt"/>
-                <a:cs typeface="+mj-lt"/>
-              </a:rPr>
-              <a:t>Tutors will deliver their workshop 2 meters distance from </a:t>
-            </a:r>
-            <a:r>
               <a:rPr lang="en-US" sz="2200">
                 <a:ea typeface="+mj-lt"/>
                 <a:cs typeface="+mj-lt"/>
               </a:rPr>
-              <a:t>you </a:t>
-            </a:r>
-            <a:endParaRPr lang="en-US" sz="2200" dirty="0">
-              <a:ea typeface="+mj-lt"/>
-              <a:cs typeface="+mj-lt"/>
-            </a:endParaRPr>
-          </a:p>
-          <a:p>
-            <a:endParaRPr lang="en-US" sz="2200" u="sng" dirty="0">
+              <a:t>Tutors will deliver their workshop 2 meters distance from you </a:t>
+            </a:r>
+          </a:p>
+          <a:p>
+            <a:endParaRPr lang="en-US" sz="2200" u="sng">
               <a:latin typeface="+mn-lt"/>
               <a:ea typeface="+mj-lt"/>
               <a:cs typeface="+mj-lt"/>
@@ -4237,14 +4226,14 @@
           </a:p>
           <a:p>
             <a:r>
-              <a:rPr lang="en-US" sz="2200" u="sng" dirty="0">
+              <a:rPr lang="en-US" sz="2200" u="sng">
                 <a:latin typeface="+mn-lt"/>
                 <a:ea typeface="+mj-lt"/>
                 <a:cs typeface="+mj-lt"/>
               </a:rPr>
               <a:t>Hygiene</a:t>
             </a:r>
-            <a:endParaRPr lang="en-GB" sz="2200" u="sng" dirty="0">
+            <a:endParaRPr lang="en-GB" sz="2200" u="sng">
               <a:latin typeface="+mn-lt"/>
               <a:ea typeface="Calibri" panose="020F0502020204030204" pitchFamily="34" charset="0"/>
               <a:cs typeface="Times New Roman"/>
@@ -4256,15 +4245,15 @@
               <a:buChar char="•"/>
             </a:pPr>
             <a:r>
-              <a:rPr lang="en-US" sz="2200" dirty="0"/>
+              <a:rPr lang="en-US" sz="2200"/>
               <a:t>Where hand </a:t>
             </a:r>
             <a:r>
-              <a:rPr lang="en-US" sz="2200" dirty="0" err="1"/>
+              <a:rPr lang="en-US" sz="2200" err="1"/>
               <a:t>sanitiser</a:t>
             </a:r>
             <a:r>
-              <a:rPr lang="en-US" sz="2200" dirty="0"/>
+              <a:rPr lang="en-US" sz="2200"/>
               <a:t> is available, please use it</a:t>
             </a:r>
           </a:p>
@@ -4274,7 +4263,7 @@
               <a:buChar char="•"/>
             </a:pPr>
             <a:r>
-              <a:rPr lang="en-US" sz="2200" dirty="0"/>
+              <a:rPr lang="en-US" sz="2200"/>
               <a:t>Please wipe down any communal/shared course materials/equipment </a:t>
             </a:r>
           </a:p>
@@ -4283,14 +4272,14 @@
               <a:buFont typeface="Arial" panose="020B0604020202020204" pitchFamily="34" charset="0"/>
               <a:buChar char="•"/>
             </a:pPr>
-            <a:endParaRPr lang="en-US" sz="2400" dirty="0"/>
+            <a:endParaRPr lang="en-US" sz="2400"/>
           </a:p>
         </p:txBody>
       </p:sp>
     </p:spTree>
     <p:extLst>
       <p:ext uri="{BB962C8B-B14F-4D97-AF65-F5344CB8AC3E}">
-        <p14:creationId xmlns:p14="http://schemas.microsoft.com/office/powerpoint/2010/main" val="70908208"/>
+        <p14:creationId xmlns:p14="http://schemas.microsoft.com/office/powerpoint/2010/main" val="1850767715"/>
       </p:ext>
     </p:extLst>
   </p:cSld>
@@ -4357,7 +4346,7 @@
           </a:lstStyle>
           <a:p>
             <a:r>
-              <a:rPr lang="en-US" sz="3200" dirty="0">
+              <a:rPr lang="en-US" sz="3200">
                 <a:solidFill>
                   <a:schemeClr val="accent3"/>
                 </a:solidFill>
@@ -4388,17 +4377,17 @@
           <a:lstStyle/>
           <a:p>
             <a:r>
-              <a:rPr lang="en-US" sz="2200" u="sng" dirty="0"/>
+              <a:rPr lang="en-US" sz="2200" u="sng"/>
               <a:t>For the purpose of contact tracing</a:t>
             </a:r>
-            <a:endParaRPr lang="en-US" sz="2200" dirty="0"/>
-          </a:p>
-          <a:p>
-            <a:endParaRPr lang="en-US" sz="2200" dirty="0"/>
-          </a:p>
-          <a:p>
-            <a:r>
-              <a:rPr lang="en-US" sz="2200" dirty="0"/>
+            <a:endParaRPr lang="en-US" sz="2200"/>
+          </a:p>
+          <a:p>
+            <a:endParaRPr lang="en-US" sz="2200"/>
+          </a:p>
+          <a:p>
+            <a:r>
+              <a:rPr lang="en-US" sz="2200"/>
               <a:t>For our standard workshops:</a:t>
             </a:r>
           </a:p>
@@ -4408,16 +4397,16 @@
               <a:buChar char="•"/>
             </a:pPr>
             <a:r>
-              <a:rPr lang="en-US" sz="2200" dirty="0"/>
+              <a:rPr lang="en-US" sz="2200"/>
               <a:t>We will provide the CCT Hub with the complete list of attendees at this workshop</a:t>
             </a:r>
           </a:p>
           <a:p>
-            <a:endParaRPr lang="en-US" sz="2200" dirty="0"/>
-          </a:p>
-          <a:p>
-            <a:r>
-              <a:rPr lang="en-US" sz="2200" dirty="0"/>
+            <a:endParaRPr lang="en-US" sz="2200"/>
+          </a:p>
+          <a:p>
+            <a:r>
+              <a:rPr lang="en-US" sz="2200"/>
               <a:t>Where our workshops are held in lecture theatres:</a:t>
             </a:r>
           </a:p>
@@ -4427,27 +4416,19 @@
               <a:buChar char="•"/>
             </a:pPr>
             <a:r>
-              <a:rPr lang="en-US" sz="2200" dirty="0"/>
-              <a:t>You should keep a record of colleagues that you are sat in </a:t>
-            </a:r>
-            <a:r>
               <a:rPr lang="en-US" sz="2200"/>
-              <a:t>close contact with </a:t>
-            </a:r>
-            <a:r>
-              <a:rPr lang="en-US" sz="2200" dirty="0"/>
-              <a:t>(within 2 meters)</a:t>
-            </a:r>
-          </a:p>
-          <a:p>
-            <a:endParaRPr lang="en-US" dirty="0"/>
+              <a:t>You should keep a record of colleagues that you are sat in close contact with (within 2 meters)</a:t>
+            </a:r>
+          </a:p>
+          <a:p>
+            <a:endParaRPr lang="en-US"/>
           </a:p>
         </p:txBody>
       </p:sp>
     </p:spTree>
     <p:extLst>
       <p:ext uri="{BB962C8B-B14F-4D97-AF65-F5344CB8AC3E}">
-        <p14:creationId xmlns:p14="http://schemas.microsoft.com/office/powerpoint/2010/main" val="3238657636"/>
+        <p14:creationId xmlns:p14="http://schemas.microsoft.com/office/powerpoint/2010/main" val="893783802"/>
       </p:ext>
     </p:extLst>
   </p:cSld>

--- a/Plotting in Python with Matplotlib Slides.pptx
+++ b/Plotting in Python with Matplotlib Slides.pptx
@@ -5,20 +5,19 @@
     <p:sldMasterId id="2147483648" r:id="rId1"/>
   </p:sldMasterIdLst>
   <p:notesMasterIdLst>
-    <p:notesMasterId r:id="rId10"/>
+    <p:notesMasterId r:id="rId9"/>
   </p:notesMasterIdLst>
   <p:handoutMasterIdLst>
-    <p:handoutMasterId r:id="rId11"/>
+    <p:handoutMasterId r:id="rId10"/>
   </p:handoutMasterIdLst>
   <p:sldIdLst>
     <p:sldId id="264" r:id="rId2"/>
     <p:sldId id="504" r:id="rId3"/>
-    <p:sldId id="505" r:id="rId4"/>
-    <p:sldId id="506" r:id="rId5"/>
-    <p:sldId id="267" r:id="rId6"/>
-    <p:sldId id="281" r:id="rId7"/>
-    <p:sldId id="329" r:id="rId8"/>
-    <p:sldId id="280" r:id="rId9"/>
+    <p:sldId id="258" r:id="rId4"/>
+    <p:sldId id="267" r:id="rId5"/>
+    <p:sldId id="281" r:id="rId6"/>
+    <p:sldId id="329" r:id="rId7"/>
+    <p:sldId id="280" r:id="rId8"/>
   </p:sldIdLst>
   <p:sldSz cx="9144000" cy="6858000" type="screen4x3"/>
   <p:notesSz cx="7099300" cy="10234613"/>
@@ -124,8 +123,7 @@
           <p14:sldIdLst>
             <p14:sldId id="264"/>
             <p14:sldId id="504"/>
-            <p14:sldId id="505"/>
-            <p14:sldId id="506"/>
+            <p14:sldId id="258"/>
             <p14:sldId id="267"/>
             <p14:sldId id="281"/>
             <p14:sldId id="329"/>
@@ -404,7 +402,7 @@
           <a:p>
             <a:fld id="{88EB714B-C3CC-4216-88C1-02913905B1CF}" type="datetimeFigureOut">
               <a:rPr lang="en-GB" smtClean="0"/>
-              <a:t>02/02/2022</a:t>
+              <a:t>08/03/2022</a:t>
             </a:fld>
             <a:endParaRPr lang="en-GB"/>
           </a:p>
@@ -988,7 +986,7 @@
           <a:p>
             <a:fld id="{6A641EC8-C9F8-4A58-A1A7-F7D817526EEC}" type="slidenum">
               <a:rPr lang="en-GB" smtClean="0"/>
-              <a:t>5</a:t>
+              <a:t>4</a:t>
             </a:fld>
             <a:endParaRPr lang="en-GB"/>
           </a:p>
@@ -1072,7 +1070,7 @@
           <a:p>
             <a:fld id="{6A641EC8-C9F8-4A58-A1A7-F7D817526EEC}" type="slidenum">
               <a:rPr lang="en-GB" smtClean="0"/>
-              <a:t>6</a:t>
+              <a:t>5</a:t>
             </a:fld>
             <a:endParaRPr lang="en-GB"/>
           </a:p>
@@ -1156,7 +1154,7 @@
           <a:p>
             <a:fld id="{6A641EC8-C9F8-4A58-A1A7-F7D817526EEC}" type="slidenum">
               <a:rPr lang="en-GB" smtClean="0"/>
-              <a:t>7</a:t>
+              <a:t>6</a:t>
             </a:fld>
             <a:endParaRPr lang="en-GB"/>
           </a:p>
@@ -1352,7 +1350,7 @@
                   <a:spcPct val="0"/>
                 </a:spcBef>
               </a:pPr>
-              <a:t>8</a:t>
+              <a:t>7</a:t>
             </a:fld>
             <a:endParaRPr lang="en-US" altLang="en-US"/>
           </a:p>
@@ -1785,7 +1783,7 @@
           <a:p>
             <a:fld id="{EB0080F8-EA1C-491D-963C-2C881B2F918F}" type="datetimeFigureOut">
               <a:rPr lang="en-GB" smtClean="0"/>
-              <a:t>02/02/2022</a:t>
+              <a:t>08/03/2022</a:t>
             </a:fld>
             <a:endParaRPr lang="en-GB"/>
           </a:p>
@@ -1935,7 +1933,7 @@
           <a:p>
             <a:fld id="{EB0080F8-EA1C-491D-963C-2C881B2F918F}" type="datetimeFigureOut">
               <a:rPr lang="en-GB" smtClean="0"/>
-              <a:t>02/02/2022</a:t>
+              <a:t>08/03/2022</a:t>
             </a:fld>
             <a:endParaRPr lang="en-GB"/>
           </a:p>
@@ -3468,7 +3466,7 @@
           <a:p>
             <a:fld id="{EB0080F8-EA1C-491D-963C-2C881B2F918F}" type="datetimeFigureOut">
               <a:rPr lang="en-GB" smtClean="0"/>
-              <a:t>02/02/2022</a:t>
+              <a:t>08/03/2022</a:t>
             </a:fld>
             <a:endParaRPr lang="en-GB"/>
           </a:p>
@@ -4183,6 +4181,9 @@
           <a:p>
             <a:r>
               <a:rPr lang="en-US" sz="2200" u="sng">
+                <a:solidFill>
+                  <a:schemeClr val="tx1"/>
+                </a:solidFill>
                 <a:ea typeface="+mj-lt"/>
                 <a:cs typeface="+mj-lt"/>
               </a:rPr>
@@ -4195,31 +4196,21 @@
               <a:buChar char="•"/>
             </a:pPr>
             <a:r>
-              <a:rPr lang="en-GB" sz="2200">
+              <a:rPr lang="en-GB" sz="2200" b="0" i="0">
+                <a:solidFill>
+                  <a:schemeClr val="tx1"/>
+                </a:solidFill>
+                <a:effectLst/>
                 <a:latin typeface="+mn-lt"/>
-                <a:ea typeface="Calibri" panose="020F0502020204030204" pitchFamily="34" charset="0"/>
-                <a:cs typeface="Times New Roman"/>
               </a:rPr>
-              <a:t>You are expected to wear a face covering </a:t>
-            </a:r>
-            <a:endParaRPr lang="en-GB" sz="2200"/>
-          </a:p>
-          <a:p>
-            <a:pPr marL="457200" indent="-457200">
-              <a:buFont typeface="Arial" panose="020B0604020202020204" pitchFamily="34" charset="0"/>
-              <a:buChar char="•"/>
-            </a:pPr>
-            <a:r>
-              <a:rPr lang="en-US" sz="2200">
-                <a:ea typeface="+mj-lt"/>
-                <a:cs typeface="+mj-lt"/>
-              </a:rPr>
-              <a:t>Tutors will deliver their workshop 2 meters distance from you </a:t>
+              <a:t>While infection rates remain high, we encourage all members of our community to continue wearing face coverings in most indoor settings on campus, including Graduate School workshops</a:t>
             </a:r>
           </a:p>
           <a:p>
             <a:endParaRPr lang="en-US" sz="2200" u="sng">
-              <a:latin typeface="+mn-lt"/>
+              <a:solidFill>
+                <a:schemeClr val="tx1"/>
+              </a:solidFill>
               <a:ea typeface="+mj-lt"/>
               <a:cs typeface="+mj-lt"/>
             </a:endParaRPr>
@@ -4227,6 +4218,9 @@
           <a:p>
             <a:r>
               <a:rPr lang="en-US" sz="2200" u="sng">
+                <a:solidFill>
+                  <a:schemeClr val="tx1"/>
+                </a:solidFill>
                 <a:latin typeface="+mn-lt"/>
                 <a:ea typeface="+mj-lt"/>
                 <a:cs typeface="+mj-lt"/>
@@ -4234,6 +4228,9 @@
               <a:t>Hygiene</a:t>
             </a:r>
             <a:endParaRPr lang="en-GB" sz="2200" u="sng">
+              <a:solidFill>
+                <a:schemeClr val="tx1"/>
+              </a:solidFill>
               <a:latin typeface="+mn-lt"/>
               <a:ea typeface="Calibri" panose="020F0502020204030204" pitchFamily="34" charset="0"/>
               <a:cs typeface="Times New Roman"/>
@@ -4245,33 +4242,31 @@
               <a:buChar char="•"/>
             </a:pPr>
             <a:r>
-              <a:rPr lang="en-US" sz="2200"/>
+              <a:rPr lang="en-US" sz="2200">
+                <a:solidFill>
+                  <a:schemeClr val="tx1"/>
+                </a:solidFill>
+              </a:rPr>
               <a:t>Where hand </a:t>
             </a:r>
             <a:r>
-              <a:rPr lang="en-US" sz="2200" err="1"/>
+              <a:rPr lang="en-US" sz="2200" err="1">
+                <a:solidFill>
+                  <a:schemeClr val="tx1"/>
+                </a:solidFill>
+              </a:rPr>
               <a:t>sanitiser</a:t>
             </a:r>
             <a:r>
-              <a:rPr lang="en-US" sz="2200"/>
+              <a:rPr lang="en-US" sz="2200">
+                <a:solidFill>
+                  <a:schemeClr val="tx1"/>
+                </a:solidFill>
+              </a:rPr>
               <a:t> is available, please use it</a:t>
             </a:r>
           </a:p>
           <a:p>
-            <a:pPr marL="457200" indent="-457200">
-              <a:buFont typeface="Arial" panose="020B0604020202020204" pitchFamily="34" charset="0"/>
-              <a:buChar char="•"/>
-            </a:pPr>
-            <a:r>
-              <a:rPr lang="en-US" sz="2200"/>
-              <a:t>Please wipe down any communal/shared course materials/equipment </a:t>
-            </a:r>
-          </a:p>
-          <a:p>
-            <a:pPr marL="457200" indent="-457200">
-              <a:buFont typeface="Arial" panose="020B0604020202020204" pitchFamily="34" charset="0"/>
-              <a:buChar char="•"/>
-            </a:pPr>
             <a:endParaRPr lang="en-US" sz="2400"/>
           </a:p>
         </p:txBody>
@@ -4279,7 +4274,7 @@
     </p:spTree>
     <p:extLst>
       <p:ext uri="{BB962C8B-B14F-4D97-AF65-F5344CB8AC3E}">
-        <p14:creationId xmlns:p14="http://schemas.microsoft.com/office/powerpoint/2010/main" val="1850767715"/>
+        <p14:creationId xmlns:p14="http://schemas.microsoft.com/office/powerpoint/2010/main" val="70908208"/>
       </p:ext>
     </p:extLst>
   </p:cSld>
@@ -4308,133 +4303,155 @@
       </p:grpSpPr>
       <p:sp>
         <p:nvSpPr>
-          <p:cNvPr id="4" name="Title 1"/>
-          <p:cNvSpPr txBox="1">
-            <a:spLocks/>
-          </p:cNvSpPr>
-          <p:nvPr/>
+          <p:cNvPr id="2" name="Title 1"/>
+          <p:cNvSpPr>
+            <a:spLocks noGrp="1"/>
+          </p:cNvSpPr>
+          <p:nvPr>
+            <p:ph type="title"/>
+          </p:nvPr>
+        </p:nvSpPr>
+        <p:spPr/>
+        <p:txBody>
+          <a:bodyPr/>
+          <a:lstStyle/>
+          <a:p>
+            <a:r>
+              <a:rPr lang="en-GB" sz="4000" dirty="0"/>
+              <a:t>Learning Outcomes</a:t>
+            </a:r>
+          </a:p>
+        </p:txBody>
+      </p:sp>
+      <p:sp>
+        <p:nvSpPr>
+          <p:cNvPr id="3" name="Content Placeholder 2"/>
+          <p:cNvSpPr>
+            <a:spLocks noGrp="1"/>
+          </p:cNvSpPr>
+          <p:nvPr>
+            <p:ph idx="1"/>
+          </p:nvPr>
         </p:nvSpPr>
         <p:spPr>
           <a:xfrm>
-            <a:off x="401319" y="472966"/>
-            <a:ext cx="5558047" cy="930165"/>
+            <a:off x="457200" y="1600200"/>
+            <a:ext cx="8435280" cy="4876800"/>
           </a:xfrm>
-          <a:prstGeom prst="rect">
-            <a:avLst/>
-          </a:prstGeom>
-        </p:spPr>
-        <p:txBody>
-          <a:bodyPr anchor="b"/>
-          <a:lstStyle>
-            <a:lvl1pPr algn="l" defTabSz="457200" rtl="0" eaLnBrk="1" latinLnBrk="0" hangingPunct="1">
+        </p:spPr>
+        <p:txBody>
+          <a:bodyPr>
+            <a:normAutofit/>
+          </a:bodyPr>
+          <a:lstStyle/>
+          <a:p>
+            <a:pPr marL="514350" lvl="0" indent="-514350">
               <a:lnSpc>
-                <a:spcPct val="90000"/>
+                <a:spcPct val="107000"/>
               </a:lnSpc>
-              <a:spcBef>
-                <a:spcPct val="0"/>
-              </a:spcBef>
-              <a:buNone/>
-              <a:defRPr sz="4000" b="1" i="0" kern="1200" baseline="0">
-                <a:solidFill>
-                  <a:schemeClr val="tx2"/>
-                </a:solidFill>
-                <a:latin typeface="+mj-lt"/>
-                <a:ea typeface="+mj-ea"/>
-                <a:cs typeface="MetaOT-Bold"/>
-              </a:defRPr>
-            </a:lvl1pPr>
-          </a:lstStyle>
-          <a:p>
-            <a:r>
-              <a:rPr lang="en-US" sz="3200">
-                <a:solidFill>
-                  <a:schemeClr val="accent3"/>
-                </a:solidFill>
+              <a:buAutoNum type="arabicPeriod"/>
+            </a:pPr>
+            <a:r>
+              <a:rPr lang="en-GB" sz="3000" b="1" dirty="0">
+                <a:latin typeface="Arial" panose="020B0604020202020204" pitchFamily="34" charset="0"/>
+                <a:cs typeface="Arial" panose="020B0604020202020204" pitchFamily="34" charset="0"/>
               </a:rPr>
-              <a:t>Expectations:  Covid-safe teaching environments</a:t>
-            </a:r>
-          </a:p>
-        </p:txBody>
-      </p:sp>
-      <p:sp>
-        <p:nvSpPr>
-          <p:cNvPr id="5" name="Subtitle 2"/>
-          <p:cNvSpPr>
-            <a:spLocks noGrp="1"/>
-          </p:cNvSpPr>
-          <p:nvPr>
-            <p:ph type="subTitle" idx="1"/>
-          </p:nvPr>
-        </p:nvSpPr>
-        <p:spPr>
-          <a:xfrm>
-            <a:off x="189186" y="1450427"/>
-            <a:ext cx="8797158" cy="4020208"/>
-          </a:xfrm>
-        </p:spPr>
-        <p:txBody>
-          <a:bodyPr lIns="91440" tIns="45720" rIns="91440" bIns="45720" anchor="t"/>
-          <a:lstStyle/>
-          <a:p>
-            <a:r>
-              <a:rPr lang="en-US" sz="2200" u="sng"/>
-              <a:t>For the purpose of contact tracing</a:t>
-            </a:r>
-            <a:endParaRPr lang="en-US" sz="2200"/>
-          </a:p>
-          <a:p>
-            <a:endParaRPr lang="en-US" sz="2200"/>
-          </a:p>
-          <a:p>
-            <a:r>
-              <a:rPr lang="en-US" sz="2200"/>
-              <a:t>For our standard workshops:</a:t>
-            </a:r>
-          </a:p>
-          <a:p>
-            <a:pPr marL="342900" indent="-342900">
-              <a:buFont typeface="Arial" panose="020B0604020202020204" pitchFamily="34" charset="0"/>
-              <a:buChar char="•"/>
+              <a:t>Understand</a:t>
+            </a:r>
+            <a:r>
+              <a:rPr lang="en-GB" sz="3000" dirty="0">
+                <a:latin typeface="Arial" panose="020B0604020202020204" pitchFamily="34" charset="0"/>
+                <a:cs typeface="Arial" panose="020B0604020202020204" pitchFamily="34" charset="0"/>
+              </a:rPr>
+              <a:t> how to use example codes to create high-quality figures for your publications and thesis</a:t>
+            </a:r>
+          </a:p>
+          <a:p>
+            <a:pPr marL="514350" lvl="0" indent="-514350">
+              <a:lnSpc>
+                <a:spcPct val="107000"/>
+              </a:lnSpc>
+              <a:buAutoNum type="arabicPeriod"/>
             </a:pPr>
             <a:r>
-              <a:rPr lang="en-US" sz="2200"/>
-              <a:t>We will provide the CCT Hub with the complete list of attendees at this workshop</a:t>
-            </a:r>
-          </a:p>
-          <a:p>
-            <a:endParaRPr lang="en-US" sz="2200"/>
-          </a:p>
-          <a:p>
-            <a:r>
-              <a:rPr lang="en-US" sz="2200"/>
-              <a:t>Where our workshops are held in lecture theatres:</a:t>
-            </a:r>
-          </a:p>
-          <a:p>
-            <a:pPr marL="342900" indent="-342900">
-              <a:buFont typeface="Arial" panose="020B0604020202020204" pitchFamily="34" charset="0"/>
-              <a:buChar char="•"/>
+              <a:rPr lang="en-GB" sz="3000" b="1" dirty="0">
+                <a:latin typeface="Arial" panose="020B0604020202020204" pitchFamily="34" charset="0"/>
+                <a:cs typeface="Arial" panose="020B0604020202020204" pitchFamily="34" charset="0"/>
+              </a:rPr>
+              <a:t>Create</a:t>
+            </a:r>
+            <a:r>
+              <a:rPr lang="en-GB" sz="3000" dirty="0">
+                <a:latin typeface="Arial" panose="020B0604020202020204" pitchFamily="34" charset="0"/>
+                <a:cs typeface="Arial" panose="020B0604020202020204" pitchFamily="34" charset="0"/>
+              </a:rPr>
+              <a:t> and export a variety of plots using matplotlib</a:t>
+            </a:r>
+          </a:p>
+          <a:p>
+            <a:pPr marL="514350" lvl="0" indent="-514350">
+              <a:lnSpc>
+                <a:spcPct val="107000"/>
+              </a:lnSpc>
+              <a:buAutoNum type="arabicPeriod"/>
             </a:pPr>
             <a:r>
-              <a:rPr lang="en-US" sz="2200"/>
-              <a:t>You should keep a record of colleagues that you are sat in close contact with (within 2 meters)</a:t>
-            </a:r>
-          </a:p>
-          <a:p>
-            <a:endParaRPr lang="en-US"/>
+              <a:rPr lang="en-GB" sz="3000" b="1" dirty="0">
+                <a:latin typeface="Arial" panose="020B0604020202020204" pitchFamily="34" charset="0"/>
+                <a:cs typeface="Arial" panose="020B0604020202020204" pitchFamily="34" charset="0"/>
+              </a:rPr>
+              <a:t>Represent</a:t>
+            </a:r>
+            <a:r>
+              <a:rPr lang="en-GB" sz="3000" dirty="0">
+                <a:latin typeface="Arial" panose="020B0604020202020204" pitchFamily="34" charset="0"/>
+                <a:cs typeface="Arial" panose="020B0604020202020204" pitchFamily="34" charset="0"/>
+              </a:rPr>
+              <a:t> multiple data series efficiently on a single plot</a:t>
+            </a:r>
+          </a:p>
+          <a:p>
+            <a:pPr marL="514350" lvl="0" indent="-514350">
+              <a:lnSpc>
+                <a:spcPct val="107000"/>
+              </a:lnSpc>
+              <a:buAutoNum type="arabicPeriod"/>
+            </a:pPr>
+            <a:r>
+              <a:rPr lang="en-GB" sz="3000" b="1" dirty="0">
+                <a:latin typeface="Arial" panose="020B0604020202020204" pitchFamily="34" charset="0"/>
+                <a:cs typeface="Arial" panose="020B0604020202020204" pitchFamily="34" charset="0"/>
+              </a:rPr>
+              <a:t>Customise</a:t>
+            </a:r>
+            <a:r>
+              <a:rPr lang="en-GB" sz="3000" dirty="0">
+                <a:latin typeface="Arial" panose="020B0604020202020204" pitchFamily="34" charset="0"/>
+                <a:cs typeface="Arial" panose="020B0604020202020204" pitchFamily="34" charset="0"/>
+              </a:rPr>
+              <a:t> the appearance of plots and generate subplots in one figure </a:t>
+            </a:r>
           </a:p>
         </p:txBody>
       </p:sp>
     </p:spTree>
     <p:extLst>
       <p:ext uri="{BB962C8B-B14F-4D97-AF65-F5344CB8AC3E}">
-        <p14:creationId xmlns:p14="http://schemas.microsoft.com/office/powerpoint/2010/main" val="893783802"/>
+        <p14:creationId xmlns:p14="http://schemas.microsoft.com/office/powerpoint/2010/main" val="3248724752"/>
       </p:ext>
     </p:extLst>
   </p:cSld>
   <p:clrMapOvr>
     <a:masterClrMapping/>
   </p:clrMapOvr>
+  <mc:AlternateContent xmlns:mc="http://schemas.openxmlformats.org/markup-compatibility/2006" xmlns:p14="http://schemas.microsoft.com/office/powerpoint/2010/main">
+    <mc:Choice Requires="p14">
+      <p:transition p14:dur="10"/>
+    </mc:Choice>
+    <mc:Fallback xmlns="">
+      <p:transition/>
+    </mc:Fallback>
+  </mc:AlternateContent>
 </p:sld>
 </file>
 
@@ -4472,7 +4489,7 @@
           <a:p>
             <a:r>
               <a:rPr lang="en-GB" sz="4000" dirty="0"/>
-              <a:t>Learning Outcomes</a:t>
+              <a:t>Notebook Links</a:t>
             </a:r>
           </a:p>
         </p:txBody>
@@ -4499,99 +4516,187 @@
           </a:bodyPr>
           <a:lstStyle/>
           <a:p>
-            <a:pPr marL="514350" lvl="0" indent="-514350">
-              <a:lnSpc>
-                <a:spcPct val="107000"/>
-              </a:lnSpc>
-              <a:buAutoNum type="arabicPeriod"/>
+            <a:pPr algn="l">
+              <a:buFont typeface="Arial" panose="020B0604020202020204" pitchFamily="34" charset="0"/>
+              <a:buChar char="•"/>
             </a:pPr>
             <a:r>
-              <a:rPr lang="en-GB" sz="3000" b="1" dirty="0">
-                <a:latin typeface="Arial" panose="020B0604020202020204" pitchFamily="34" charset="0"/>
-                <a:cs typeface="Arial" panose="020B0604020202020204" pitchFamily="34" charset="0"/>
+              <a:rPr lang="en-GB" b="0" i="0" u="none" strike="noStrike" dirty="0">
+                <a:effectLst/>
+                <a:hlinkClick r:id="rId3">
+                  <a:extLst>
+                    <a:ext uri="{A12FA001-AC4F-418D-AE19-62706E023703}">
+                      <ahyp:hlinkClr xmlns:ahyp="http://schemas.microsoft.com/office/drawing/2018/hyperlinkcolor" val="tx"/>
+                    </a:ext>
+                  </a:extLst>
+                </a:hlinkClick>
               </a:rPr>
-              <a:t>Understand</a:t>
-            </a:r>
-            <a:r>
-              <a:rPr lang="en-GB" sz="3000" dirty="0">
-                <a:latin typeface="Arial" panose="020B0604020202020204" pitchFamily="34" charset="0"/>
-                <a:cs typeface="Arial" panose="020B0604020202020204" pitchFamily="34" charset="0"/>
+              <a:t>Overview and the Matplotlib Gallery</a:t>
+            </a:r>
+            <a:endParaRPr lang="en-GB" b="0" i="0" dirty="0">
+              <a:effectLst/>
+            </a:endParaRPr>
+          </a:p>
+          <a:p>
+            <a:pPr algn="l">
+              <a:buFont typeface="Arial" panose="020B0604020202020204" pitchFamily="34" charset="0"/>
+              <a:buChar char="•"/>
+            </a:pPr>
+            <a:r>
+              <a:rPr lang="en-GB" b="0" i="0" u="none" strike="noStrike" dirty="0">
+                <a:effectLst/>
+                <a:hlinkClick r:id="rId4">
+                  <a:extLst>
+                    <a:ext uri="{A12FA001-AC4F-418D-AE19-62706E023703}">
+                      <ahyp:hlinkClr xmlns:ahyp="http://schemas.microsoft.com/office/drawing/2018/hyperlinkcolor" val="tx"/>
+                    </a:ext>
+                  </a:extLst>
+                </a:hlinkClick>
               </a:rPr>
-              <a:t> how to use example codes to create high-quality figures for your publications and thesis</a:t>
-            </a:r>
-          </a:p>
-          <a:p>
-            <a:pPr marL="514350" lvl="0" indent="-514350">
-              <a:lnSpc>
-                <a:spcPct val="107000"/>
-              </a:lnSpc>
-              <a:buAutoNum type="arabicPeriod"/>
+              <a:t>Plot Types - Discrete Data</a:t>
+            </a:r>
+            <a:endParaRPr lang="en-GB" b="0" i="0" dirty="0">
+              <a:effectLst/>
+            </a:endParaRPr>
+          </a:p>
+          <a:p>
+            <a:pPr algn="l">
+              <a:buFont typeface="Arial" panose="020B0604020202020204" pitchFamily="34" charset="0"/>
+              <a:buChar char="•"/>
             </a:pPr>
             <a:r>
-              <a:rPr lang="en-GB" sz="3000" b="1" dirty="0">
-                <a:latin typeface="Arial" panose="020B0604020202020204" pitchFamily="34" charset="0"/>
-                <a:cs typeface="Arial" panose="020B0604020202020204" pitchFamily="34" charset="0"/>
+              <a:rPr lang="en-GB" b="0" i="0" u="sng" dirty="0">
+                <a:effectLst/>
+                <a:hlinkClick r:id="rId5">
+                  <a:extLst>
+                    <a:ext uri="{A12FA001-AC4F-418D-AE19-62706E023703}">
+                      <ahyp:hlinkClr xmlns:ahyp="http://schemas.microsoft.com/office/drawing/2018/hyperlinkcolor" val="tx"/>
+                    </a:ext>
+                  </a:extLst>
+                </a:hlinkClick>
               </a:rPr>
-              <a:t>Create</a:t>
-            </a:r>
-            <a:r>
-              <a:rPr lang="en-GB" sz="3000" dirty="0">
-                <a:latin typeface="Arial" panose="020B0604020202020204" pitchFamily="34" charset="0"/>
-                <a:cs typeface="Arial" panose="020B0604020202020204" pitchFamily="34" charset="0"/>
+              <a:t>Plot Types - Continuous Data</a:t>
+            </a:r>
+            <a:endParaRPr lang="en-GB" b="0" i="0" dirty="0">
+              <a:effectLst/>
+            </a:endParaRPr>
+          </a:p>
+          <a:p>
+            <a:pPr algn="l">
+              <a:buFont typeface="Arial" panose="020B0604020202020204" pitchFamily="34" charset="0"/>
+              <a:buChar char="•"/>
+            </a:pPr>
+            <a:r>
+              <a:rPr lang="en-GB" b="0" i="0" u="none" strike="noStrike" dirty="0">
+                <a:effectLst/>
+                <a:hlinkClick r:id="rId6">
+                  <a:extLst>
+                    <a:ext uri="{A12FA001-AC4F-418D-AE19-62706E023703}">
+                      <ahyp:hlinkClr xmlns:ahyp="http://schemas.microsoft.com/office/drawing/2018/hyperlinkcolor" val="tx"/>
+                    </a:ext>
+                  </a:extLst>
+                </a:hlinkClick>
               </a:rPr>
-              <a:t> and export a variety of plots using matplotlib</a:t>
-            </a:r>
-          </a:p>
-          <a:p>
-            <a:pPr marL="514350" lvl="0" indent="-514350">
-              <a:lnSpc>
-                <a:spcPct val="107000"/>
-              </a:lnSpc>
-              <a:buAutoNum type="arabicPeriod"/>
+              <a:t>Plotting Data with Two Dimensions</a:t>
+            </a:r>
+            <a:endParaRPr lang="en-GB" b="0" i="0" dirty="0">
+              <a:effectLst/>
+            </a:endParaRPr>
+          </a:p>
+          <a:p>
+            <a:pPr algn="l">
+              <a:buFont typeface="Arial" panose="020B0604020202020204" pitchFamily="34" charset="0"/>
+              <a:buChar char="•"/>
             </a:pPr>
             <a:r>
-              <a:rPr lang="en-GB" sz="3000" b="1" dirty="0">
-                <a:latin typeface="Arial" panose="020B0604020202020204" pitchFamily="34" charset="0"/>
-                <a:cs typeface="Arial" panose="020B0604020202020204" pitchFamily="34" charset="0"/>
+              <a:rPr lang="en-GB" b="0" i="0" u="none" strike="noStrike" dirty="0">
+                <a:effectLst/>
+                <a:hlinkClick r:id="rId7">
+                  <a:extLst>
+                    <a:ext uri="{A12FA001-AC4F-418D-AE19-62706E023703}">
+                      <ahyp:hlinkClr xmlns:ahyp="http://schemas.microsoft.com/office/drawing/2018/hyperlinkcolor" val="tx"/>
+                    </a:ext>
+                  </a:extLst>
+                </a:hlinkClick>
               </a:rPr>
-              <a:t>Represent</a:t>
-            </a:r>
-            <a:r>
-              <a:rPr lang="en-GB" sz="3000" dirty="0">
-                <a:latin typeface="Arial" panose="020B0604020202020204" pitchFamily="34" charset="0"/>
-                <a:cs typeface="Arial" panose="020B0604020202020204" pitchFamily="34" charset="0"/>
+              <a:t>Customising Plots</a:t>
+            </a:r>
+            <a:endParaRPr lang="en-GB" b="0" i="0" dirty="0">
+              <a:effectLst/>
+            </a:endParaRPr>
+          </a:p>
+          <a:p>
+            <a:pPr algn="l">
+              <a:buFont typeface="Arial" panose="020B0604020202020204" pitchFamily="34" charset="0"/>
+              <a:buChar char="•"/>
+            </a:pPr>
+            <a:r>
+              <a:rPr lang="en-GB" b="0" i="0" u="none" strike="noStrike" dirty="0">
+                <a:effectLst/>
+                <a:hlinkClick r:id="rId8">
+                  <a:extLst>
+                    <a:ext uri="{A12FA001-AC4F-418D-AE19-62706E023703}">
+                      <ahyp:hlinkClr xmlns:ahyp="http://schemas.microsoft.com/office/drawing/2018/hyperlinkcolor" val="tx"/>
+                    </a:ext>
+                  </a:extLst>
+                </a:hlinkClick>
               </a:rPr>
-              <a:t> multiple data series efficiently on a single plot</a:t>
-            </a:r>
-          </a:p>
-          <a:p>
-            <a:pPr marL="514350" lvl="0" indent="-514350">
-              <a:lnSpc>
-                <a:spcPct val="107000"/>
-              </a:lnSpc>
-              <a:buAutoNum type="arabicPeriod"/>
+              <a:t>Multiple Plots</a:t>
+            </a:r>
+            <a:endParaRPr lang="en-GB" b="0" i="0" dirty="0">
+              <a:effectLst/>
+            </a:endParaRPr>
+          </a:p>
+          <a:p>
+            <a:pPr algn="l">
+              <a:buFont typeface="Arial" panose="020B0604020202020204" pitchFamily="34" charset="0"/>
+              <a:buChar char="•"/>
             </a:pPr>
             <a:r>
-              <a:rPr lang="en-GB" sz="3000" b="1" dirty="0">
-                <a:latin typeface="Arial" panose="020B0604020202020204" pitchFamily="34" charset="0"/>
-                <a:cs typeface="Arial" panose="020B0604020202020204" pitchFamily="34" charset="0"/>
+              <a:rPr lang="en-GB" b="0" i="0" u="none" strike="noStrike" dirty="0">
+                <a:effectLst/>
+                <a:hlinkClick r:id="rId9">
+                  <a:extLst>
+                    <a:ext uri="{A12FA001-AC4F-418D-AE19-62706E023703}">
+                      <ahyp:hlinkClr xmlns:ahyp="http://schemas.microsoft.com/office/drawing/2018/hyperlinkcolor" val="tx"/>
+                    </a:ext>
+                  </a:extLst>
+                </a:hlinkClick>
               </a:rPr>
-              <a:t>Customise</a:t>
-            </a:r>
-            <a:r>
-              <a:rPr lang="en-GB" sz="3000" dirty="0">
-                <a:latin typeface="Arial" panose="020B0604020202020204" pitchFamily="34" charset="0"/>
-                <a:cs typeface="Arial" panose="020B0604020202020204" pitchFamily="34" charset="0"/>
+              <a:t>Saving Plots</a:t>
+            </a:r>
+            <a:endParaRPr lang="en-GB" b="0" i="0" dirty="0">
+              <a:effectLst/>
+            </a:endParaRPr>
+          </a:p>
+          <a:p>
+            <a:pPr algn="l">
+              <a:buFont typeface="Arial" panose="020B0604020202020204" pitchFamily="34" charset="0"/>
+              <a:buChar char="•"/>
+            </a:pPr>
+            <a:r>
+              <a:rPr lang="en-GB" b="0" i="0" u="none" strike="noStrike" dirty="0">
+                <a:effectLst/>
+                <a:hlinkClick r:id="rId10">
+                  <a:extLst>
+                    <a:ext uri="{A12FA001-AC4F-418D-AE19-62706E023703}">
+                      <ahyp:hlinkClr xmlns:ahyp="http://schemas.microsoft.com/office/drawing/2018/hyperlinkcolor" val="tx"/>
+                    </a:ext>
+                  </a:extLst>
+                </a:hlinkClick>
               </a:rPr>
-              <a:t> the appearance of plots and generate subplots in one figure </a:t>
-            </a:r>
+              <a:t>Projects</a:t>
+            </a:r>
+            <a:endParaRPr lang="en-GB" b="0" i="0" dirty="0">
+              <a:effectLst/>
+            </a:endParaRPr>
           </a:p>
         </p:txBody>
       </p:sp>
     </p:spTree>
     <p:extLst>
       <p:ext uri="{BB962C8B-B14F-4D97-AF65-F5344CB8AC3E}">
-        <p14:creationId xmlns:p14="http://schemas.microsoft.com/office/powerpoint/2010/main" val="3248724752"/>
+        <p14:creationId xmlns:p14="http://schemas.microsoft.com/office/powerpoint/2010/main" val="4074605344"/>
       </p:ext>
     </p:extLst>
   </p:cSld>
@@ -4643,265 +4748,6 @@
           <a:p>
             <a:r>
               <a:rPr lang="en-GB" sz="4000" dirty="0"/>
-              <a:t>Notebook Links</a:t>
-            </a:r>
-          </a:p>
-        </p:txBody>
-      </p:sp>
-      <p:sp>
-        <p:nvSpPr>
-          <p:cNvPr id="3" name="Content Placeholder 2"/>
-          <p:cNvSpPr>
-            <a:spLocks noGrp="1"/>
-          </p:cNvSpPr>
-          <p:nvPr>
-            <p:ph idx="1"/>
-          </p:nvPr>
-        </p:nvSpPr>
-        <p:spPr>
-          <a:xfrm>
-            <a:off x="457200" y="1600200"/>
-            <a:ext cx="8435280" cy="4876800"/>
-          </a:xfrm>
-        </p:spPr>
-        <p:txBody>
-          <a:bodyPr>
-            <a:normAutofit/>
-          </a:bodyPr>
-          <a:lstStyle/>
-          <a:p>
-            <a:pPr algn="l">
-              <a:buFont typeface="Arial" panose="020B0604020202020204" pitchFamily="34" charset="0"/>
-              <a:buChar char="•"/>
-            </a:pPr>
-            <a:r>
-              <a:rPr lang="en-GB" b="0" i="0" u="none" strike="noStrike" dirty="0">
-                <a:effectLst/>
-                <a:hlinkClick r:id="rId3">
-                  <a:extLst>
-                    <a:ext uri="{A12FA001-AC4F-418D-AE19-62706E023703}">
-                      <ahyp:hlinkClr xmlns:ahyp="http://schemas.microsoft.com/office/drawing/2018/hyperlinkcolor" val="tx"/>
-                    </a:ext>
-                  </a:extLst>
-                </a:hlinkClick>
-              </a:rPr>
-              <a:t>Overview and the Matplotlib Gallery</a:t>
-            </a:r>
-            <a:endParaRPr lang="en-GB" b="0" i="0" dirty="0">
-              <a:effectLst/>
-            </a:endParaRPr>
-          </a:p>
-          <a:p>
-            <a:pPr algn="l">
-              <a:buFont typeface="Arial" panose="020B0604020202020204" pitchFamily="34" charset="0"/>
-              <a:buChar char="•"/>
-            </a:pPr>
-            <a:r>
-              <a:rPr lang="en-GB" b="0" i="0" u="none" strike="noStrike" dirty="0">
-                <a:effectLst/>
-                <a:hlinkClick r:id="rId4">
-                  <a:extLst>
-                    <a:ext uri="{A12FA001-AC4F-418D-AE19-62706E023703}">
-                      <ahyp:hlinkClr xmlns:ahyp="http://schemas.microsoft.com/office/drawing/2018/hyperlinkcolor" val="tx"/>
-                    </a:ext>
-                  </a:extLst>
-                </a:hlinkClick>
-              </a:rPr>
-              <a:t>Plot Types - Discrete Data</a:t>
-            </a:r>
-            <a:endParaRPr lang="en-GB" b="0" i="0" dirty="0">
-              <a:effectLst/>
-            </a:endParaRPr>
-          </a:p>
-          <a:p>
-            <a:pPr algn="l">
-              <a:buFont typeface="Arial" panose="020B0604020202020204" pitchFamily="34" charset="0"/>
-              <a:buChar char="•"/>
-            </a:pPr>
-            <a:r>
-              <a:rPr lang="en-GB" b="0" i="0" u="sng" dirty="0">
-                <a:effectLst/>
-                <a:hlinkClick r:id="rId5">
-                  <a:extLst>
-                    <a:ext uri="{A12FA001-AC4F-418D-AE19-62706E023703}">
-                      <ahyp:hlinkClr xmlns:ahyp="http://schemas.microsoft.com/office/drawing/2018/hyperlinkcolor" val="tx"/>
-                    </a:ext>
-                  </a:extLst>
-                </a:hlinkClick>
-              </a:rPr>
-              <a:t>Plot Types - Continuous Data</a:t>
-            </a:r>
-            <a:endParaRPr lang="en-GB" b="0" i="0" dirty="0">
-              <a:effectLst/>
-            </a:endParaRPr>
-          </a:p>
-          <a:p>
-            <a:pPr algn="l">
-              <a:buFont typeface="Arial" panose="020B0604020202020204" pitchFamily="34" charset="0"/>
-              <a:buChar char="•"/>
-            </a:pPr>
-            <a:r>
-              <a:rPr lang="en-GB" b="0" i="0" u="none" strike="noStrike" dirty="0">
-                <a:effectLst/>
-                <a:hlinkClick r:id="rId6">
-                  <a:extLst>
-                    <a:ext uri="{A12FA001-AC4F-418D-AE19-62706E023703}">
-                      <ahyp:hlinkClr xmlns:ahyp="http://schemas.microsoft.com/office/drawing/2018/hyperlinkcolor" val="tx"/>
-                    </a:ext>
-                  </a:extLst>
-                </a:hlinkClick>
-              </a:rPr>
-              <a:t>Plotting Data with Two Dimensions</a:t>
-            </a:r>
-            <a:endParaRPr lang="en-GB" b="0" i="0" dirty="0">
-              <a:effectLst/>
-            </a:endParaRPr>
-          </a:p>
-          <a:p>
-            <a:pPr algn="l">
-              <a:buFont typeface="Arial" panose="020B0604020202020204" pitchFamily="34" charset="0"/>
-              <a:buChar char="•"/>
-            </a:pPr>
-            <a:r>
-              <a:rPr lang="en-GB" b="0" i="0" u="none" strike="noStrike" dirty="0">
-                <a:effectLst/>
-                <a:hlinkClick r:id="rId7">
-                  <a:extLst>
-                    <a:ext uri="{A12FA001-AC4F-418D-AE19-62706E023703}">
-                      <ahyp:hlinkClr xmlns:ahyp="http://schemas.microsoft.com/office/drawing/2018/hyperlinkcolor" val="tx"/>
-                    </a:ext>
-                  </a:extLst>
-                </a:hlinkClick>
-              </a:rPr>
-              <a:t>Customising Plots</a:t>
-            </a:r>
-            <a:endParaRPr lang="en-GB" b="0" i="0" dirty="0">
-              <a:effectLst/>
-            </a:endParaRPr>
-          </a:p>
-          <a:p>
-            <a:pPr algn="l">
-              <a:buFont typeface="Arial" panose="020B0604020202020204" pitchFamily="34" charset="0"/>
-              <a:buChar char="•"/>
-            </a:pPr>
-            <a:r>
-              <a:rPr lang="en-GB" b="0" i="0" u="none" strike="noStrike" dirty="0">
-                <a:effectLst/>
-                <a:hlinkClick r:id="rId8">
-                  <a:extLst>
-                    <a:ext uri="{A12FA001-AC4F-418D-AE19-62706E023703}">
-                      <ahyp:hlinkClr xmlns:ahyp="http://schemas.microsoft.com/office/drawing/2018/hyperlinkcolor" val="tx"/>
-                    </a:ext>
-                  </a:extLst>
-                </a:hlinkClick>
-              </a:rPr>
-              <a:t>Multiple Plots</a:t>
-            </a:r>
-            <a:endParaRPr lang="en-GB" b="0" i="0" dirty="0">
-              <a:effectLst/>
-            </a:endParaRPr>
-          </a:p>
-          <a:p>
-            <a:pPr algn="l">
-              <a:buFont typeface="Arial" panose="020B0604020202020204" pitchFamily="34" charset="0"/>
-              <a:buChar char="•"/>
-            </a:pPr>
-            <a:r>
-              <a:rPr lang="en-GB" b="0" i="0" u="none" strike="noStrike" dirty="0">
-                <a:effectLst/>
-                <a:hlinkClick r:id="rId9">
-                  <a:extLst>
-                    <a:ext uri="{A12FA001-AC4F-418D-AE19-62706E023703}">
-                      <ahyp:hlinkClr xmlns:ahyp="http://schemas.microsoft.com/office/drawing/2018/hyperlinkcolor" val="tx"/>
-                    </a:ext>
-                  </a:extLst>
-                </a:hlinkClick>
-              </a:rPr>
-              <a:t>Saving Plots</a:t>
-            </a:r>
-            <a:endParaRPr lang="en-GB" b="0" i="0" dirty="0">
-              <a:effectLst/>
-            </a:endParaRPr>
-          </a:p>
-          <a:p>
-            <a:pPr algn="l">
-              <a:buFont typeface="Arial" panose="020B0604020202020204" pitchFamily="34" charset="0"/>
-              <a:buChar char="•"/>
-            </a:pPr>
-            <a:r>
-              <a:rPr lang="en-GB" b="0" i="0" u="none" strike="noStrike" dirty="0">
-                <a:effectLst/>
-                <a:hlinkClick r:id="rId10">
-                  <a:extLst>
-                    <a:ext uri="{A12FA001-AC4F-418D-AE19-62706E023703}">
-                      <ahyp:hlinkClr xmlns:ahyp="http://schemas.microsoft.com/office/drawing/2018/hyperlinkcolor" val="tx"/>
-                    </a:ext>
-                  </a:extLst>
-                </a:hlinkClick>
-              </a:rPr>
-              <a:t>Projects</a:t>
-            </a:r>
-            <a:endParaRPr lang="en-GB" b="0" i="0" dirty="0">
-              <a:effectLst/>
-            </a:endParaRPr>
-          </a:p>
-        </p:txBody>
-      </p:sp>
-    </p:spTree>
-    <p:extLst>
-      <p:ext uri="{BB962C8B-B14F-4D97-AF65-F5344CB8AC3E}">
-        <p14:creationId xmlns:p14="http://schemas.microsoft.com/office/powerpoint/2010/main" val="4074605344"/>
-      </p:ext>
-    </p:extLst>
-  </p:cSld>
-  <p:clrMapOvr>
-    <a:masterClrMapping/>
-  </p:clrMapOvr>
-  <mc:AlternateContent xmlns:mc="http://schemas.openxmlformats.org/markup-compatibility/2006" xmlns:p14="http://schemas.microsoft.com/office/powerpoint/2010/main">
-    <mc:Choice Requires="p14">
-      <p:transition p14:dur="10"/>
-    </mc:Choice>
-    <mc:Fallback xmlns="">
-      <p:transition/>
-    </mc:Fallback>
-  </mc:AlternateContent>
-</p:sld>
-</file>
-
-<file path=ppt/slides/slide7.xml><?xml version="1.0" encoding="utf-8"?>
-<p:sld xmlns:a="http://schemas.openxmlformats.org/drawingml/2006/main" xmlns:r="http://schemas.openxmlformats.org/officeDocument/2006/relationships" xmlns:p="http://schemas.openxmlformats.org/presentationml/2006/main">
-  <p:cSld>
-    <p:spTree>
-      <p:nvGrpSpPr>
-        <p:cNvPr id="1" name=""/>
-        <p:cNvGrpSpPr/>
-        <p:nvPr/>
-      </p:nvGrpSpPr>
-      <p:grpSpPr>
-        <a:xfrm>
-          <a:off x="0" y="0"/>
-          <a:ext cx="0" cy="0"/>
-          <a:chOff x="0" y="0"/>
-          <a:chExt cx="0" cy="0"/>
-        </a:xfrm>
-      </p:grpSpPr>
-      <p:sp>
-        <p:nvSpPr>
-          <p:cNvPr id="2" name="Title 1"/>
-          <p:cNvSpPr>
-            <a:spLocks noGrp="1"/>
-          </p:cNvSpPr>
-          <p:nvPr>
-            <p:ph type="title"/>
-          </p:nvPr>
-        </p:nvSpPr>
-        <p:spPr/>
-        <p:txBody>
-          <a:bodyPr/>
-          <a:lstStyle/>
-          <a:p>
-            <a:r>
-              <a:rPr lang="en-GB" sz="4000" dirty="0"/>
               <a:t>Feedback</a:t>
             </a:r>
           </a:p>
@@ -5002,7 +4848,7 @@
 </p:sld>
 </file>
 
-<file path=ppt/slides/slide8.xml><?xml version="1.0" encoding="utf-8"?>
+<file path=ppt/slides/slide7.xml><?xml version="1.0" encoding="utf-8"?>
 <p:sld xmlns:a="http://schemas.openxmlformats.org/drawingml/2006/main" xmlns:r="http://schemas.openxmlformats.org/officeDocument/2006/relationships" xmlns:p="http://schemas.openxmlformats.org/presentationml/2006/main">
   <p:cSld>
     <p:spTree>

--- a/Plotting in Python with Matplotlib Slides.pptx
+++ b/Plotting in Python with Matplotlib Slides.pptx
@@ -13,7 +13,7 @@
   <p:sldIdLst>
     <p:sldId id="264" r:id="rId2"/>
     <p:sldId id="504" r:id="rId3"/>
-    <p:sldId id="258" r:id="rId4"/>
+    <p:sldId id="538" r:id="rId4"/>
     <p:sldId id="267" r:id="rId5"/>
     <p:sldId id="281" r:id="rId6"/>
     <p:sldId id="329" r:id="rId7"/>
@@ -123,7 +123,7 @@
           <p14:sldIdLst>
             <p14:sldId id="264"/>
             <p14:sldId id="504"/>
-            <p14:sldId id="258"/>
+            <p14:sldId id="538"/>
             <p14:sldId id="267"/>
             <p14:sldId id="281"/>
             <p14:sldId id="329"/>
@@ -402,7 +402,7 @@
           <a:p>
             <a:fld id="{88EB714B-C3CC-4216-88C1-02913905B1CF}" type="datetimeFigureOut">
               <a:rPr lang="en-GB" smtClean="0"/>
-              <a:t>08/03/2022</a:t>
+              <a:t>08/04/2022</a:t>
             </a:fld>
             <a:endParaRPr lang="en-GB"/>
           </a:p>
@@ -1783,7 +1783,7 @@
           <a:p>
             <a:fld id="{EB0080F8-EA1C-491D-963C-2C881B2F918F}" type="datetimeFigureOut">
               <a:rPr lang="en-GB" smtClean="0"/>
-              <a:t>08/03/2022</a:t>
+              <a:t>08/04/2022</a:t>
             </a:fld>
             <a:endParaRPr lang="en-GB"/>
           </a:p>
@@ -1933,7 +1933,7 @@
           <a:p>
             <a:fld id="{EB0080F8-EA1C-491D-963C-2C881B2F918F}" type="datetimeFigureOut">
               <a:rPr lang="en-GB" smtClean="0"/>
-              <a:t>08/03/2022</a:t>
+              <a:t>08/04/2022</a:t>
             </a:fld>
             <a:endParaRPr lang="en-GB"/>
           </a:p>
@@ -3466,7 +3466,7 @@
           <a:p>
             <a:fld id="{EB0080F8-EA1C-491D-963C-2C881B2F918F}" type="datetimeFigureOut">
               <a:rPr lang="en-GB" smtClean="0"/>
-              <a:t>08/03/2022</a:t>
+              <a:t>08/04/2022</a:t>
             </a:fld>
             <a:endParaRPr lang="en-GB"/>
           </a:p>
@@ -4149,7 +4149,7 @@
           </a:lstStyle>
           <a:p>
             <a:r>
-              <a:rPr lang="en-US" sz="3200">
+              <a:rPr lang="en-US" sz="3200" dirty="0">
                 <a:solidFill>
                   <a:schemeClr val="accent3"/>
                 </a:solidFill>
@@ -4179,102 +4179,137 @@
           <a:bodyPr lIns="91440" tIns="45720" rIns="91440" bIns="45720" anchor="t"/>
           <a:lstStyle/>
           <a:p>
-            <a:r>
-              <a:rPr lang="en-US" sz="2200" u="sng">
-                <a:solidFill>
-                  <a:schemeClr val="tx1"/>
-                </a:solidFill>
-                <a:ea typeface="+mj-lt"/>
-                <a:cs typeface="+mj-lt"/>
-              </a:rPr>
-              <a:t>Face coverings</a:t>
-            </a:r>
-          </a:p>
-          <a:p>
-            <a:pPr marL="457200" indent="-457200">
+            <a:pPr marL="285750" indent="-285750">
               <a:buFont typeface="Arial" panose="020B0604020202020204" pitchFamily="34" charset="0"/>
               <a:buChar char="•"/>
             </a:pPr>
             <a:r>
-              <a:rPr lang="en-GB" sz="2200" b="0" i="0">
+              <a:rPr lang="en-GB" sz="2400" dirty="0">
                 <a:solidFill>
                   <a:schemeClr val="tx1"/>
                 </a:solidFill>
-                <a:effectLst/>
-                <a:latin typeface="+mn-lt"/>
+                <a:latin typeface="Arial" panose="020B0604020202020204" pitchFamily="34" charset="0"/>
+                <a:ea typeface="MS PGothic" panose="020B0600070205080204" pitchFamily="34" charset="-128"/>
               </a:rPr>
-              <a:t>While infection rates remain high, we encourage all members of our community to continue wearing face coverings in most indoor settings on campus, including Graduate School workshops</a:t>
-            </a:r>
-          </a:p>
-          <a:p>
-            <a:endParaRPr lang="en-US" sz="2200" u="sng">
+              <a:t>You are encouraged to wear a face covering indoors, especially in crowded, enclosed spaces, unless you are exempt.  This includes </a:t>
+            </a:r>
+            <a:r>
+              <a:rPr lang="en-GB" sz="2400" b="1" dirty="0">
+                <a:solidFill>
+                  <a:schemeClr val="tx1"/>
+                </a:solidFill>
+                <a:latin typeface="Arial" panose="020B0604020202020204" pitchFamily="34" charset="0"/>
+                <a:ea typeface="MS PGothic" panose="020B0600070205080204" pitchFamily="34" charset="-128"/>
+              </a:rPr>
+              <a:t>for Graduate School workshops</a:t>
+            </a:r>
+          </a:p>
+          <a:p>
+            <a:endParaRPr lang="en-US" sz="2400" dirty="0">
               <a:solidFill>
                 <a:schemeClr val="tx1"/>
               </a:solidFill>
-              <a:ea typeface="+mj-lt"/>
-              <a:cs typeface="+mj-lt"/>
             </a:endParaRPr>
           </a:p>
           <a:p>
-            <a:r>
-              <a:rPr lang="en-US" sz="2200" u="sng">
+            <a:pPr marL="285750" indent="-285750">
+              <a:buFont typeface="Arial" panose="020B0604020202020204" pitchFamily="34" charset="0"/>
+              <a:buChar char="•"/>
+            </a:pPr>
+            <a:r>
+              <a:rPr lang="en-GB" sz="2400" dirty="0">
                 <a:solidFill>
                   <a:schemeClr val="tx1"/>
                 </a:solidFill>
-                <a:latin typeface="+mn-lt"/>
-                <a:ea typeface="+mj-lt"/>
-                <a:cs typeface="+mj-lt"/>
+                <a:effectLst/>
+                <a:latin typeface="Arial" panose="020B0604020202020204" pitchFamily="34" charset="0"/>
+                <a:ea typeface="MS PGothic" panose="020B0600070205080204" pitchFamily="34" charset="-128"/>
               </a:rPr>
-              <a:t>Hygiene</a:t>
-            </a:r>
-            <a:endParaRPr lang="en-GB" sz="2200" u="sng">
+              <a:t>Cover your coughs and sneezes to reduce the spread of particles </a:t>
+            </a:r>
+          </a:p>
+          <a:p>
+            <a:endParaRPr lang="en-GB" sz="2400" dirty="0">
               <a:solidFill>
                 <a:schemeClr val="tx1"/>
               </a:solidFill>
-              <a:latin typeface="+mn-lt"/>
-              <a:ea typeface="Calibri" panose="020F0502020204030204" pitchFamily="34" charset="0"/>
-              <a:cs typeface="Times New Roman"/>
+              <a:effectLst/>
+              <a:latin typeface="Arial" panose="020B0604020202020204" pitchFamily="34" charset="0"/>
+              <a:ea typeface="MS PGothic" panose="020B0600070205080204" pitchFamily="34" charset="-128"/>
             </a:endParaRPr>
           </a:p>
           <a:p>
-            <a:pPr marL="457200" indent="-457200">
+            <a:pPr marL="285750" indent="-285750">
               <a:buFont typeface="Arial" panose="020B0604020202020204" pitchFamily="34" charset="0"/>
               <a:buChar char="•"/>
             </a:pPr>
             <a:r>
-              <a:rPr lang="en-US" sz="2200">
+              <a:rPr lang="en-GB" sz="2400" dirty="0">
                 <a:solidFill>
                   <a:schemeClr val="tx1"/>
                 </a:solidFill>
+                <a:latin typeface="Arial" panose="020B0604020202020204" pitchFamily="34" charset="0"/>
+                <a:ea typeface="MS PGothic" panose="020B0600070205080204" pitchFamily="34" charset="-128"/>
               </a:rPr>
-              <a:t>Where hand </a:t>
-            </a:r>
-            <a:r>
-              <a:rPr lang="en-US" sz="2200" err="1">
+              <a:t>R</a:t>
+            </a:r>
+            <a:r>
+              <a:rPr lang="en-GB" sz="2400" dirty="0">
                 <a:solidFill>
                   <a:schemeClr val="tx1"/>
                 </a:solidFill>
+                <a:effectLst/>
+                <a:latin typeface="Arial" panose="020B0604020202020204" pitchFamily="34" charset="0"/>
+                <a:ea typeface="MS PGothic" panose="020B0600070205080204" pitchFamily="34" charset="-128"/>
               </a:rPr>
-              <a:t>sanitiser</a:t>
-            </a:r>
-            <a:r>
-              <a:rPr lang="en-US" sz="2200">
+              <a:t>espect people’s wishes for extra space </a:t>
+            </a:r>
+          </a:p>
+          <a:p>
+            <a:endParaRPr lang="en-GB" sz="2400" dirty="0">
+              <a:solidFill>
+                <a:schemeClr val="tx1"/>
+              </a:solidFill>
+              <a:latin typeface="Arial" panose="020B0604020202020204" pitchFamily="34" charset="0"/>
+              <a:ea typeface="MS PGothic" panose="020B0600070205080204" pitchFamily="34" charset="-128"/>
+            </a:endParaRPr>
+          </a:p>
+          <a:p>
+            <a:pPr marL="285750" indent="-285750">
+              <a:buFont typeface="Arial" panose="020B0604020202020204" pitchFamily="34" charset="0"/>
+              <a:buChar char="•"/>
+            </a:pPr>
+            <a:r>
+              <a:rPr lang="en-GB" sz="2400" dirty="0">
                 <a:solidFill>
                   <a:schemeClr val="tx1"/>
                 </a:solidFill>
+                <a:effectLst/>
+                <a:latin typeface="Arial" panose="020B0604020202020204" pitchFamily="34" charset="0"/>
+                <a:ea typeface="MS PGothic" panose="020B0600070205080204" pitchFamily="34" charset="-128"/>
               </a:rPr>
-              <a:t> is available, please use it</a:t>
-            </a:r>
-          </a:p>
-          <a:p>
-            <a:endParaRPr lang="en-US" sz="2400"/>
+              <a:t>Use hand sanitiser where it is available to you</a:t>
+            </a:r>
+          </a:p>
+          <a:p>
+            <a:r>
+              <a:rPr lang="en-GB" sz="2400" dirty="0">
+                <a:solidFill>
+                  <a:schemeClr val="tx1"/>
+                </a:solidFill>
+                <a:effectLst/>
+                <a:latin typeface="Arial" panose="020B0604020202020204" pitchFamily="34" charset="0"/>
+                <a:ea typeface="MS PGothic" panose="020B0600070205080204" pitchFamily="34" charset="-128"/>
+              </a:rPr>
+              <a:t> </a:t>
+            </a:r>
           </a:p>
         </p:txBody>
       </p:sp>
     </p:spTree>
     <p:extLst>
       <p:ext uri="{BB962C8B-B14F-4D97-AF65-F5344CB8AC3E}">
-        <p14:creationId xmlns:p14="http://schemas.microsoft.com/office/powerpoint/2010/main" val="70908208"/>
+        <p14:creationId xmlns:p14="http://schemas.microsoft.com/office/powerpoint/2010/main" val="2596273163"/>
       </p:ext>
     </p:extLst>
   </p:cSld>

--- a/Plotting in Python with Matplotlib Slides.pptx
+++ b/Plotting in Python with Matplotlib Slides.pptx
@@ -5,19 +5,18 @@
     <p:sldMasterId id="2147483648" r:id="rId1"/>
   </p:sldMasterIdLst>
   <p:notesMasterIdLst>
-    <p:notesMasterId r:id="rId9"/>
+    <p:notesMasterId r:id="rId8"/>
   </p:notesMasterIdLst>
   <p:handoutMasterIdLst>
-    <p:handoutMasterId r:id="rId10"/>
+    <p:handoutMasterId r:id="rId9"/>
   </p:handoutMasterIdLst>
   <p:sldIdLst>
     <p:sldId id="264" r:id="rId2"/>
     <p:sldId id="504" r:id="rId3"/>
-    <p:sldId id="538" r:id="rId4"/>
-    <p:sldId id="267" r:id="rId5"/>
-    <p:sldId id="281" r:id="rId6"/>
-    <p:sldId id="329" r:id="rId7"/>
-    <p:sldId id="280" r:id="rId8"/>
+    <p:sldId id="267" r:id="rId4"/>
+    <p:sldId id="281" r:id="rId5"/>
+    <p:sldId id="329" r:id="rId6"/>
+    <p:sldId id="280" r:id="rId7"/>
   </p:sldIdLst>
   <p:sldSz cx="9144000" cy="6858000" type="screen4x3"/>
   <p:notesSz cx="7099300" cy="10234613"/>
@@ -123,7 +122,6 @@
           <p14:sldIdLst>
             <p14:sldId id="264"/>
             <p14:sldId id="504"/>
-            <p14:sldId id="538"/>
             <p14:sldId id="267"/>
             <p14:sldId id="281"/>
             <p14:sldId id="329"/>
@@ -402,7 +400,7 @@
           <a:p>
             <a:fld id="{88EB714B-C3CC-4216-88C1-02913905B1CF}" type="datetimeFigureOut">
               <a:rPr lang="en-GB" smtClean="0"/>
-              <a:t>08/04/2022</a:t>
+              <a:t>20/05/2022</a:t>
             </a:fld>
             <a:endParaRPr lang="en-GB"/>
           </a:p>
@@ -986,7 +984,7 @@
           <a:p>
             <a:fld id="{6A641EC8-C9F8-4A58-A1A7-F7D817526EEC}" type="slidenum">
               <a:rPr lang="en-GB" smtClean="0"/>
-              <a:t>4</a:t>
+              <a:t>3</a:t>
             </a:fld>
             <a:endParaRPr lang="en-GB"/>
           </a:p>
@@ -1070,7 +1068,7 @@
           <a:p>
             <a:fld id="{6A641EC8-C9F8-4A58-A1A7-F7D817526EEC}" type="slidenum">
               <a:rPr lang="en-GB" smtClean="0"/>
-              <a:t>5</a:t>
+              <a:t>4</a:t>
             </a:fld>
             <a:endParaRPr lang="en-GB"/>
           </a:p>
@@ -1154,7 +1152,7 @@
           <a:p>
             <a:fld id="{6A641EC8-C9F8-4A58-A1A7-F7D817526EEC}" type="slidenum">
               <a:rPr lang="en-GB" smtClean="0"/>
-              <a:t>6</a:t>
+              <a:t>5</a:t>
             </a:fld>
             <a:endParaRPr lang="en-GB"/>
           </a:p>
@@ -1350,7 +1348,7 @@
                   <a:spcPct val="0"/>
                 </a:spcBef>
               </a:pPr>
-              <a:t>7</a:t>
+              <a:t>6</a:t>
             </a:fld>
             <a:endParaRPr lang="en-US" altLang="en-US"/>
           </a:p>
@@ -1783,7 +1781,7 @@
           <a:p>
             <a:fld id="{EB0080F8-EA1C-491D-963C-2C881B2F918F}" type="datetimeFigureOut">
               <a:rPr lang="en-GB" smtClean="0"/>
-              <a:t>08/04/2022</a:t>
+              <a:t>20/05/2022</a:t>
             </a:fld>
             <a:endParaRPr lang="en-GB"/>
           </a:p>
@@ -1933,7 +1931,7 @@
           <a:p>
             <a:fld id="{EB0080F8-EA1C-491D-963C-2C881B2F918F}" type="datetimeFigureOut">
               <a:rPr lang="en-GB" smtClean="0"/>
-              <a:t>08/04/2022</a:t>
+              <a:t>20/05/2022</a:t>
             </a:fld>
             <a:endParaRPr lang="en-GB"/>
           </a:p>
@@ -3466,7 +3464,7 @@
           <a:p>
             <a:fld id="{EB0080F8-EA1C-491D-963C-2C881B2F918F}" type="datetimeFigureOut">
               <a:rPr lang="en-GB" smtClean="0"/>
-              <a:t>08/04/2022</a:t>
+              <a:t>20/05/2022</a:t>
             </a:fld>
             <a:endParaRPr lang="en-GB"/>
           </a:p>
@@ -4111,197 +4109,133 @@
       </p:grpSpPr>
       <p:sp>
         <p:nvSpPr>
-          <p:cNvPr id="4" name="Title 1"/>
-          <p:cNvSpPr txBox="1">
-            <a:spLocks/>
-          </p:cNvSpPr>
-          <p:nvPr/>
+          <p:cNvPr id="2" name="Title 1"/>
+          <p:cNvSpPr>
+            <a:spLocks noGrp="1"/>
+          </p:cNvSpPr>
+          <p:nvPr>
+            <p:ph type="title"/>
+          </p:nvPr>
+        </p:nvSpPr>
+        <p:spPr/>
+        <p:txBody>
+          <a:bodyPr/>
+          <a:lstStyle/>
+          <a:p>
+            <a:r>
+              <a:rPr lang="en-GB" sz="4000" dirty="0"/>
+              <a:t>Learning Outcomes</a:t>
+            </a:r>
+          </a:p>
+        </p:txBody>
+      </p:sp>
+      <p:sp>
+        <p:nvSpPr>
+          <p:cNvPr id="3" name="Content Placeholder 2"/>
+          <p:cNvSpPr>
+            <a:spLocks noGrp="1"/>
+          </p:cNvSpPr>
+          <p:nvPr>
+            <p:ph idx="1"/>
+          </p:nvPr>
         </p:nvSpPr>
         <p:spPr>
           <a:xfrm>
-            <a:off x="401320" y="472966"/>
-            <a:ext cx="5778764" cy="961696"/>
+            <a:off x="457200" y="1600200"/>
+            <a:ext cx="8435280" cy="4876800"/>
           </a:xfrm>
-          <a:prstGeom prst="rect">
-            <a:avLst/>
-          </a:prstGeom>
-        </p:spPr>
-        <p:txBody>
-          <a:bodyPr anchor="b"/>
-          <a:lstStyle>
-            <a:lvl1pPr algn="l" defTabSz="457200" rtl="0" eaLnBrk="1" latinLnBrk="0" hangingPunct="1">
+        </p:spPr>
+        <p:txBody>
+          <a:bodyPr>
+            <a:normAutofit/>
+          </a:bodyPr>
+          <a:lstStyle/>
+          <a:p>
+            <a:pPr marL="514350" lvl="0" indent="-514350">
               <a:lnSpc>
-                <a:spcPct val="90000"/>
+                <a:spcPct val="107000"/>
               </a:lnSpc>
-              <a:spcBef>
-                <a:spcPct val="0"/>
-              </a:spcBef>
-              <a:buNone/>
-              <a:defRPr sz="4000" b="1" i="0" kern="1200" baseline="0">
-                <a:solidFill>
-                  <a:schemeClr val="tx2"/>
-                </a:solidFill>
-                <a:latin typeface="+mj-lt"/>
-                <a:ea typeface="+mj-ea"/>
-                <a:cs typeface="MetaOT-Bold"/>
-              </a:defRPr>
-            </a:lvl1pPr>
-          </a:lstStyle>
-          <a:p>
-            <a:r>
-              <a:rPr lang="en-US" sz="3200" dirty="0">
-                <a:solidFill>
-                  <a:schemeClr val="accent3"/>
-                </a:solidFill>
+              <a:buAutoNum type="arabicPeriod"/>
+            </a:pPr>
+            <a:r>
+              <a:rPr lang="en-GB" sz="3000" b="1" dirty="0">
+                <a:latin typeface="Arial" panose="020B0604020202020204" pitchFamily="34" charset="0"/>
+                <a:cs typeface="Arial" panose="020B0604020202020204" pitchFamily="34" charset="0"/>
               </a:rPr>
-              <a:t>Expectations:  Covid-safe teaching environments</a:t>
-            </a:r>
-          </a:p>
-        </p:txBody>
-      </p:sp>
-      <p:sp>
-        <p:nvSpPr>
-          <p:cNvPr id="5" name="Subtitle 2"/>
-          <p:cNvSpPr>
-            <a:spLocks noGrp="1"/>
-          </p:cNvSpPr>
-          <p:nvPr>
-            <p:ph type="subTitle" idx="1"/>
-          </p:nvPr>
-        </p:nvSpPr>
-        <p:spPr>
-          <a:xfrm>
-            <a:off x="401320" y="1631731"/>
-            <a:ext cx="8490432" cy="4548352"/>
-          </a:xfrm>
-        </p:spPr>
-        <p:txBody>
-          <a:bodyPr lIns="91440" tIns="45720" rIns="91440" bIns="45720" anchor="t"/>
-          <a:lstStyle/>
-          <a:p>
-            <a:pPr marL="285750" indent="-285750">
-              <a:buFont typeface="Arial" panose="020B0604020202020204" pitchFamily="34" charset="0"/>
-              <a:buChar char="•"/>
+              <a:t>Understand</a:t>
+            </a:r>
+            <a:r>
+              <a:rPr lang="en-GB" sz="3000" dirty="0">
+                <a:latin typeface="Arial" panose="020B0604020202020204" pitchFamily="34" charset="0"/>
+                <a:cs typeface="Arial" panose="020B0604020202020204" pitchFamily="34" charset="0"/>
+              </a:rPr>
+              <a:t> how to use example codes to create high-quality figures for your publications and thesis</a:t>
+            </a:r>
+          </a:p>
+          <a:p>
+            <a:pPr marL="514350" lvl="0" indent="-514350">
+              <a:lnSpc>
+                <a:spcPct val="107000"/>
+              </a:lnSpc>
+              <a:buAutoNum type="arabicPeriod"/>
             </a:pPr>
             <a:r>
-              <a:rPr lang="en-GB" sz="2400" dirty="0">
-                <a:solidFill>
-                  <a:schemeClr val="tx1"/>
-                </a:solidFill>
+              <a:rPr lang="en-GB" sz="3000" b="1" dirty="0">
                 <a:latin typeface="Arial" panose="020B0604020202020204" pitchFamily="34" charset="0"/>
-                <a:ea typeface="MS PGothic" panose="020B0600070205080204" pitchFamily="34" charset="-128"/>
+                <a:cs typeface="Arial" panose="020B0604020202020204" pitchFamily="34" charset="0"/>
               </a:rPr>
-              <a:t>You are encouraged to wear a face covering indoors, especially in crowded, enclosed spaces, unless you are exempt.  This includes </a:t>
-            </a:r>
-            <a:r>
-              <a:rPr lang="en-GB" sz="2400" b="1" dirty="0">
-                <a:solidFill>
-                  <a:schemeClr val="tx1"/>
-                </a:solidFill>
+              <a:t>Create</a:t>
+            </a:r>
+            <a:r>
+              <a:rPr lang="en-GB" sz="3000" dirty="0">
                 <a:latin typeface="Arial" panose="020B0604020202020204" pitchFamily="34" charset="0"/>
-                <a:ea typeface="MS PGothic" panose="020B0600070205080204" pitchFamily="34" charset="-128"/>
+                <a:cs typeface="Arial" panose="020B0604020202020204" pitchFamily="34" charset="0"/>
               </a:rPr>
-              <a:t>for Graduate School workshops</a:t>
-            </a:r>
-          </a:p>
-          <a:p>
-            <a:endParaRPr lang="en-US" sz="2400" dirty="0">
-              <a:solidFill>
-                <a:schemeClr val="tx1"/>
-              </a:solidFill>
-            </a:endParaRPr>
-          </a:p>
-          <a:p>
-            <a:pPr marL="285750" indent="-285750">
-              <a:buFont typeface="Arial" panose="020B0604020202020204" pitchFamily="34" charset="0"/>
-              <a:buChar char="•"/>
+              <a:t> and export a variety of plots using matplotlib</a:t>
+            </a:r>
+          </a:p>
+          <a:p>
+            <a:pPr marL="514350" lvl="0" indent="-514350">
+              <a:lnSpc>
+                <a:spcPct val="107000"/>
+              </a:lnSpc>
+              <a:buAutoNum type="arabicPeriod"/>
             </a:pPr>
             <a:r>
-              <a:rPr lang="en-GB" sz="2400" dirty="0">
-                <a:solidFill>
-                  <a:schemeClr val="tx1"/>
-                </a:solidFill>
-                <a:effectLst/>
+              <a:rPr lang="en-GB" sz="3000" b="1" dirty="0">
                 <a:latin typeface="Arial" panose="020B0604020202020204" pitchFamily="34" charset="0"/>
-                <a:ea typeface="MS PGothic" panose="020B0600070205080204" pitchFamily="34" charset="-128"/>
+                <a:cs typeface="Arial" panose="020B0604020202020204" pitchFamily="34" charset="0"/>
               </a:rPr>
-              <a:t>Cover your coughs and sneezes to reduce the spread of particles </a:t>
-            </a:r>
-          </a:p>
-          <a:p>
-            <a:endParaRPr lang="en-GB" sz="2400" dirty="0">
-              <a:solidFill>
-                <a:schemeClr val="tx1"/>
-              </a:solidFill>
-              <a:effectLst/>
-              <a:latin typeface="Arial" panose="020B0604020202020204" pitchFamily="34" charset="0"/>
-              <a:ea typeface="MS PGothic" panose="020B0600070205080204" pitchFamily="34" charset="-128"/>
-            </a:endParaRPr>
-          </a:p>
-          <a:p>
-            <a:pPr marL="285750" indent="-285750">
-              <a:buFont typeface="Arial" panose="020B0604020202020204" pitchFamily="34" charset="0"/>
-              <a:buChar char="•"/>
+              <a:t>Represent</a:t>
+            </a:r>
+            <a:r>
+              <a:rPr lang="en-GB" sz="3000" dirty="0">
+                <a:latin typeface="Arial" panose="020B0604020202020204" pitchFamily="34" charset="0"/>
+                <a:cs typeface="Arial" panose="020B0604020202020204" pitchFamily="34" charset="0"/>
+              </a:rPr>
+              <a:t> multiple data series efficiently on a single plot</a:t>
+            </a:r>
+          </a:p>
+          <a:p>
+            <a:pPr marL="514350" lvl="0" indent="-514350">
+              <a:lnSpc>
+                <a:spcPct val="107000"/>
+              </a:lnSpc>
+              <a:buAutoNum type="arabicPeriod"/>
             </a:pPr>
             <a:r>
-              <a:rPr lang="en-GB" sz="2400" dirty="0">
-                <a:solidFill>
-                  <a:schemeClr val="tx1"/>
-                </a:solidFill>
+              <a:rPr lang="en-GB" sz="3000" b="1" dirty="0">
                 <a:latin typeface="Arial" panose="020B0604020202020204" pitchFamily="34" charset="0"/>
-                <a:ea typeface="MS PGothic" panose="020B0600070205080204" pitchFamily="34" charset="-128"/>
+                <a:cs typeface="Arial" panose="020B0604020202020204" pitchFamily="34" charset="0"/>
               </a:rPr>
-              <a:t>R</a:t>
-            </a:r>
-            <a:r>
-              <a:rPr lang="en-GB" sz="2400" dirty="0">
-                <a:solidFill>
-                  <a:schemeClr val="tx1"/>
-                </a:solidFill>
-                <a:effectLst/>
+              <a:t>Customise</a:t>
+            </a:r>
+            <a:r>
+              <a:rPr lang="en-GB" sz="3000" dirty="0">
                 <a:latin typeface="Arial" panose="020B0604020202020204" pitchFamily="34" charset="0"/>
-                <a:ea typeface="MS PGothic" panose="020B0600070205080204" pitchFamily="34" charset="-128"/>
+                <a:cs typeface="Arial" panose="020B0604020202020204" pitchFamily="34" charset="0"/>
               </a:rPr>
-              <a:t>espect people’s wishes for extra space </a:t>
-            </a:r>
-          </a:p>
-          <a:p>
-            <a:endParaRPr lang="en-GB" sz="2400" dirty="0">
-              <a:solidFill>
-                <a:schemeClr val="tx1"/>
-              </a:solidFill>
-              <a:latin typeface="Arial" panose="020B0604020202020204" pitchFamily="34" charset="0"/>
-              <a:ea typeface="MS PGothic" panose="020B0600070205080204" pitchFamily="34" charset="-128"/>
-            </a:endParaRPr>
-          </a:p>
-          <a:p>
-            <a:pPr marL="285750" indent="-285750">
-              <a:buFont typeface="Arial" panose="020B0604020202020204" pitchFamily="34" charset="0"/>
-              <a:buChar char="•"/>
-            </a:pPr>
-            <a:r>
-              <a:rPr lang="en-GB" sz="2400" dirty="0">
-                <a:solidFill>
-                  <a:schemeClr val="tx1"/>
-                </a:solidFill>
-                <a:effectLst/>
-                <a:latin typeface="Arial" panose="020B0604020202020204" pitchFamily="34" charset="0"/>
-                <a:ea typeface="MS PGothic" panose="020B0600070205080204" pitchFamily="34" charset="-128"/>
-              </a:rPr>
-              <a:t>Use hand sanitiser where it is available to you</a:t>
-            </a:r>
-          </a:p>
-          <a:p>
-            <a:r>
-              <a:rPr lang="en-GB" sz="2400" dirty="0">
-                <a:solidFill>
-                  <a:schemeClr val="tx1"/>
-                </a:solidFill>
-                <a:effectLst/>
-                <a:latin typeface="Arial" panose="020B0604020202020204" pitchFamily="34" charset="0"/>
-                <a:ea typeface="MS PGothic" panose="020B0600070205080204" pitchFamily="34" charset="-128"/>
-              </a:rPr>
-              <a:t> </a:t>
+              <a:t> the appearance of plots and generate subplots in one figure </a:t>
             </a:r>
           </a:p>
         </p:txBody>
@@ -4309,13 +4243,21 @@
     </p:spTree>
     <p:extLst>
       <p:ext uri="{BB962C8B-B14F-4D97-AF65-F5344CB8AC3E}">
-        <p14:creationId xmlns:p14="http://schemas.microsoft.com/office/powerpoint/2010/main" val="2596273163"/>
+        <p14:creationId xmlns:p14="http://schemas.microsoft.com/office/powerpoint/2010/main" val="3248724752"/>
       </p:ext>
     </p:extLst>
   </p:cSld>
   <p:clrMapOvr>
     <a:masterClrMapping/>
   </p:clrMapOvr>
+  <mc:AlternateContent xmlns:mc="http://schemas.openxmlformats.org/markup-compatibility/2006" xmlns:p14="http://schemas.microsoft.com/office/powerpoint/2010/main">
+    <mc:Choice Requires="p14">
+      <p:transition p14:dur="10"/>
+    </mc:Choice>
+    <mc:Fallback xmlns="">
+      <p:transition/>
+    </mc:Fallback>
+  </mc:AlternateContent>
 </p:sld>
 </file>
 
@@ -4353,7 +4295,7 @@
           <a:p>
             <a:r>
               <a:rPr lang="en-GB" sz="4000" dirty="0"/>
-              <a:t>Learning Outcomes</a:t>
+              <a:t>Notebook Links</a:t>
             </a:r>
           </a:p>
         </p:txBody>
@@ -4380,99 +4322,187 @@
           </a:bodyPr>
           <a:lstStyle/>
           <a:p>
-            <a:pPr marL="514350" lvl="0" indent="-514350">
-              <a:lnSpc>
-                <a:spcPct val="107000"/>
-              </a:lnSpc>
-              <a:buAutoNum type="arabicPeriod"/>
+            <a:pPr algn="l">
+              <a:buFont typeface="Arial" panose="020B0604020202020204" pitchFamily="34" charset="0"/>
+              <a:buChar char="•"/>
             </a:pPr>
             <a:r>
-              <a:rPr lang="en-GB" sz="3000" b="1" dirty="0">
-                <a:latin typeface="Arial" panose="020B0604020202020204" pitchFamily="34" charset="0"/>
-                <a:cs typeface="Arial" panose="020B0604020202020204" pitchFamily="34" charset="0"/>
+              <a:rPr lang="en-GB" b="0" i="0" u="none" strike="noStrike" dirty="0">
+                <a:effectLst/>
+                <a:hlinkClick r:id="rId3">
+                  <a:extLst>
+                    <a:ext uri="{A12FA001-AC4F-418D-AE19-62706E023703}">
+                      <ahyp:hlinkClr xmlns:ahyp="http://schemas.microsoft.com/office/drawing/2018/hyperlinkcolor" val="tx"/>
+                    </a:ext>
+                  </a:extLst>
+                </a:hlinkClick>
               </a:rPr>
-              <a:t>Understand</a:t>
-            </a:r>
-            <a:r>
-              <a:rPr lang="en-GB" sz="3000" dirty="0">
-                <a:latin typeface="Arial" panose="020B0604020202020204" pitchFamily="34" charset="0"/>
-                <a:cs typeface="Arial" panose="020B0604020202020204" pitchFamily="34" charset="0"/>
+              <a:t>Overview and the Matplotlib Gallery</a:t>
+            </a:r>
+            <a:endParaRPr lang="en-GB" b="0" i="0" dirty="0">
+              <a:effectLst/>
+            </a:endParaRPr>
+          </a:p>
+          <a:p>
+            <a:pPr algn="l">
+              <a:buFont typeface="Arial" panose="020B0604020202020204" pitchFamily="34" charset="0"/>
+              <a:buChar char="•"/>
+            </a:pPr>
+            <a:r>
+              <a:rPr lang="en-GB" b="0" i="0" u="none" strike="noStrike" dirty="0">
+                <a:effectLst/>
+                <a:hlinkClick r:id="rId4">
+                  <a:extLst>
+                    <a:ext uri="{A12FA001-AC4F-418D-AE19-62706E023703}">
+                      <ahyp:hlinkClr xmlns:ahyp="http://schemas.microsoft.com/office/drawing/2018/hyperlinkcolor" val="tx"/>
+                    </a:ext>
+                  </a:extLst>
+                </a:hlinkClick>
               </a:rPr>
-              <a:t> how to use example codes to create high-quality figures for your publications and thesis</a:t>
-            </a:r>
-          </a:p>
-          <a:p>
-            <a:pPr marL="514350" lvl="0" indent="-514350">
-              <a:lnSpc>
-                <a:spcPct val="107000"/>
-              </a:lnSpc>
-              <a:buAutoNum type="arabicPeriod"/>
+              <a:t>Plot Types - Discrete Data</a:t>
+            </a:r>
+            <a:endParaRPr lang="en-GB" b="0" i="0" dirty="0">
+              <a:effectLst/>
+            </a:endParaRPr>
+          </a:p>
+          <a:p>
+            <a:pPr algn="l">
+              <a:buFont typeface="Arial" panose="020B0604020202020204" pitchFamily="34" charset="0"/>
+              <a:buChar char="•"/>
             </a:pPr>
             <a:r>
-              <a:rPr lang="en-GB" sz="3000" b="1" dirty="0">
-                <a:latin typeface="Arial" panose="020B0604020202020204" pitchFamily="34" charset="0"/>
-                <a:cs typeface="Arial" panose="020B0604020202020204" pitchFamily="34" charset="0"/>
+              <a:rPr lang="en-GB" b="0" i="0" u="sng" dirty="0">
+                <a:effectLst/>
+                <a:hlinkClick r:id="rId5">
+                  <a:extLst>
+                    <a:ext uri="{A12FA001-AC4F-418D-AE19-62706E023703}">
+                      <ahyp:hlinkClr xmlns:ahyp="http://schemas.microsoft.com/office/drawing/2018/hyperlinkcolor" val="tx"/>
+                    </a:ext>
+                  </a:extLst>
+                </a:hlinkClick>
               </a:rPr>
-              <a:t>Create</a:t>
-            </a:r>
-            <a:r>
-              <a:rPr lang="en-GB" sz="3000" dirty="0">
-                <a:latin typeface="Arial" panose="020B0604020202020204" pitchFamily="34" charset="0"/>
-                <a:cs typeface="Arial" panose="020B0604020202020204" pitchFamily="34" charset="0"/>
+              <a:t>Plot Types - Continuous Data</a:t>
+            </a:r>
+            <a:endParaRPr lang="en-GB" b="0" i="0" dirty="0">
+              <a:effectLst/>
+            </a:endParaRPr>
+          </a:p>
+          <a:p>
+            <a:pPr algn="l">
+              <a:buFont typeface="Arial" panose="020B0604020202020204" pitchFamily="34" charset="0"/>
+              <a:buChar char="•"/>
+            </a:pPr>
+            <a:r>
+              <a:rPr lang="en-GB" b="0" i="0" u="none" strike="noStrike" dirty="0">
+                <a:effectLst/>
+                <a:hlinkClick r:id="rId6">
+                  <a:extLst>
+                    <a:ext uri="{A12FA001-AC4F-418D-AE19-62706E023703}">
+                      <ahyp:hlinkClr xmlns:ahyp="http://schemas.microsoft.com/office/drawing/2018/hyperlinkcolor" val="tx"/>
+                    </a:ext>
+                  </a:extLst>
+                </a:hlinkClick>
               </a:rPr>
-              <a:t> and export a variety of plots using matplotlib</a:t>
-            </a:r>
-          </a:p>
-          <a:p>
-            <a:pPr marL="514350" lvl="0" indent="-514350">
-              <a:lnSpc>
-                <a:spcPct val="107000"/>
-              </a:lnSpc>
-              <a:buAutoNum type="arabicPeriod"/>
+              <a:t>Plotting Data with Two Dimensions</a:t>
+            </a:r>
+            <a:endParaRPr lang="en-GB" b="0" i="0" dirty="0">
+              <a:effectLst/>
+            </a:endParaRPr>
+          </a:p>
+          <a:p>
+            <a:pPr algn="l">
+              <a:buFont typeface="Arial" panose="020B0604020202020204" pitchFamily="34" charset="0"/>
+              <a:buChar char="•"/>
             </a:pPr>
             <a:r>
-              <a:rPr lang="en-GB" sz="3000" b="1" dirty="0">
-                <a:latin typeface="Arial" panose="020B0604020202020204" pitchFamily="34" charset="0"/>
-                <a:cs typeface="Arial" panose="020B0604020202020204" pitchFamily="34" charset="0"/>
+              <a:rPr lang="en-GB" b="0" i="0" u="none" strike="noStrike" dirty="0">
+                <a:effectLst/>
+                <a:hlinkClick r:id="rId7">
+                  <a:extLst>
+                    <a:ext uri="{A12FA001-AC4F-418D-AE19-62706E023703}">
+                      <ahyp:hlinkClr xmlns:ahyp="http://schemas.microsoft.com/office/drawing/2018/hyperlinkcolor" val="tx"/>
+                    </a:ext>
+                  </a:extLst>
+                </a:hlinkClick>
               </a:rPr>
-              <a:t>Represent</a:t>
-            </a:r>
-            <a:r>
-              <a:rPr lang="en-GB" sz="3000" dirty="0">
-                <a:latin typeface="Arial" panose="020B0604020202020204" pitchFamily="34" charset="0"/>
-                <a:cs typeface="Arial" panose="020B0604020202020204" pitchFamily="34" charset="0"/>
+              <a:t>Customising Plots</a:t>
+            </a:r>
+            <a:endParaRPr lang="en-GB" b="0" i="0" dirty="0">
+              <a:effectLst/>
+            </a:endParaRPr>
+          </a:p>
+          <a:p>
+            <a:pPr algn="l">
+              <a:buFont typeface="Arial" panose="020B0604020202020204" pitchFamily="34" charset="0"/>
+              <a:buChar char="•"/>
+            </a:pPr>
+            <a:r>
+              <a:rPr lang="en-GB" b="0" i="0" u="none" strike="noStrike" dirty="0">
+                <a:effectLst/>
+                <a:hlinkClick r:id="rId8">
+                  <a:extLst>
+                    <a:ext uri="{A12FA001-AC4F-418D-AE19-62706E023703}">
+                      <ahyp:hlinkClr xmlns:ahyp="http://schemas.microsoft.com/office/drawing/2018/hyperlinkcolor" val="tx"/>
+                    </a:ext>
+                  </a:extLst>
+                </a:hlinkClick>
               </a:rPr>
-              <a:t> multiple data series efficiently on a single plot</a:t>
-            </a:r>
-          </a:p>
-          <a:p>
-            <a:pPr marL="514350" lvl="0" indent="-514350">
-              <a:lnSpc>
-                <a:spcPct val="107000"/>
-              </a:lnSpc>
-              <a:buAutoNum type="arabicPeriod"/>
+              <a:t>Multiple Plots</a:t>
+            </a:r>
+            <a:endParaRPr lang="en-GB" b="0" i="0" dirty="0">
+              <a:effectLst/>
+            </a:endParaRPr>
+          </a:p>
+          <a:p>
+            <a:pPr algn="l">
+              <a:buFont typeface="Arial" panose="020B0604020202020204" pitchFamily="34" charset="0"/>
+              <a:buChar char="•"/>
             </a:pPr>
             <a:r>
-              <a:rPr lang="en-GB" sz="3000" b="1" dirty="0">
-                <a:latin typeface="Arial" panose="020B0604020202020204" pitchFamily="34" charset="0"/>
-                <a:cs typeface="Arial" panose="020B0604020202020204" pitchFamily="34" charset="0"/>
+              <a:rPr lang="en-GB" b="0" i="0" u="none" strike="noStrike" dirty="0">
+                <a:effectLst/>
+                <a:hlinkClick r:id="rId9">
+                  <a:extLst>
+                    <a:ext uri="{A12FA001-AC4F-418D-AE19-62706E023703}">
+                      <ahyp:hlinkClr xmlns:ahyp="http://schemas.microsoft.com/office/drawing/2018/hyperlinkcolor" val="tx"/>
+                    </a:ext>
+                  </a:extLst>
+                </a:hlinkClick>
               </a:rPr>
-              <a:t>Customise</a:t>
-            </a:r>
-            <a:r>
-              <a:rPr lang="en-GB" sz="3000" dirty="0">
-                <a:latin typeface="Arial" panose="020B0604020202020204" pitchFamily="34" charset="0"/>
-                <a:cs typeface="Arial" panose="020B0604020202020204" pitchFamily="34" charset="0"/>
+              <a:t>Saving Plots</a:t>
+            </a:r>
+            <a:endParaRPr lang="en-GB" b="0" i="0" dirty="0">
+              <a:effectLst/>
+            </a:endParaRPr>
+          </a:p>
+          <a:p>
+            <a:pPr algn="l">
+              <a:buFont typeface="Arial" panose="020B0604020202020204" pitchFamily="34" charset="0"/>
+              <a:buChar char="•"/>
+            </a:pPr>
+            <a:r>
+              <a:rPr lang="en-GB" b="0" i="0" u="none" strike="noStrike" dirty="0">
+                <a:effectLst/>
+                <a:hlinkClick r:id="rId10">
+                  <a:extLst>
+                    <a:ext uri="{A12FA001-AC4F-418D-AE19-62706E023703}">
+                      <ahyp:hlinkClr xmlns:ahyp="http://schemas.microsoft.com/office/drawing/2018/hyperlinkcolor" val="tx"/>
+                    </a:ext>
+                  </a:extLst>
+                </a:hlinkClick>
               </a:rPr>
-              <a:t> the appearance of plots and generate subplots in one figure </a:t>
-            </a:r>
+              <a:t>Projects</a:t>
+            </a:r>
+            <a:endParaRPr lang="en-GB" b="0" i="0" dirty="0">
+              <a:effectLst/>
+            </a:endParaRPr>
           </a:p>
         </p:txBody>
       </p:sp>
     </p:spTree>
     <p:extLst>
       <p:ext uri="{BB962C8B-B14F-4D97-AF65-F5344CB8AC3E}">
-        <p14:creationId xmlns:p14="http://schemas.microsoft.com/office/powerpoint/2010/main" val="3248724752"/>
+        <p14:creationId xmlns:p14="http://schemas.microsoft.com/office/powerpoint/2010/main" val="4074605344"/>
       </p:ext>
     </p:extLst>
   </p:cSld>
@@ -4524,265 +4554,6 @@
           <a:p>
             <a:r>
               <a:rPr lang="en-GB" sz="4000" dirty="0"/>
-              <a:t>Notebook Links</a:t>
-            </a:r>
-          </a:p>
-        </p:txBody>
-      </p:sp>
-      <p:sp>
-        <p:nvSpPr>
-          <p:cNvPr id="3" name="Content Placeholder 2"/>
-          <p:cNvSpPr>
-            <a:spLocks noGrp="1"/>
-          </p:cNvSpPr>
-          <p:nvPr>
-            <p:ph idx="1"/>
-          </p:nvPr>
-        </p:nvSpPr>
-        <p:spPr>
-          <a:xfrm>
-            <a:off x="457200" y="1600200"/>
-            <a:ext cx="8435280" cy="4876800"/>
-          </a:xfrm>
-        </p:spPr>
-        <p:txBody>
-          <a:bodyPr>
-            <a:normAutofit/>
-          </a:bodyPr>
-          <a:lstStyle/>
-          <a:p>
-            <a:pPr algn="l">
-              <a:buFont typeface="Arial" panose="020B0604020202020204" pitchFamily="34" charset="0"/>
-              <a:buChar char="•"/>
-            </a:pPr>
-            <a:r>
-              <a:rPr lang="en-GB" b="0" i="0" u="none" strike="noStrike" dirty="0">
-                <a:effectLst/>
-                <a:hlinkClick r:id="rId3">
-                  <a:extLst>
-                    <a:ext uri="{A12FA001-AC4F-418D-AE19-62706E023703}">
-                      <ahyp:hlinkClr xmlns:ahyp="http://schemas.microsoft.com/office/drawing/2018/hyperlinkcolor" val="tx"/>
-                    </a:ext>
-                  </a:extLst>
-                </a:hlinkClick>
-              </a:rPr>
-              <a:t>Overview and the Matplotlib Gallery</a:t>
-            </a:r>
-            <a:endParaRPr lang="en-GB" b="0" i="0" dirty="0">
-              <a:effectLst/>
-            </a:endParaRPr>
-          </a:p>
-          <a:p>
-            <a:pPr algn="l">
-              <a:buFont typeface="Arial" panose="020B0604020202020204" pitchFamily="34" charset="0"/>
-              <a:buChar char="•"/>
-            </a:pPr>
-            <a:r>
-              <a:rPr lang="en-GB" b="0" i="0" u="none" strike="noStrike" dirty="0">
-                <a:effectLst/>
-                <a:hlinkClick r:id="rId4">
-                  <a:extLst>
-                    <a:ext uri="{A12FA001-AC4F-418D-AE19-62706E023703}">
-                      <ahyp:hlinkClr xmlns:ahyp="http://schemas.microsoft.com/office/drawing/2018/hyperlinkcolor" val="tx"/>
-                    </a:ext>
-                  </a:extLst>
-                </a:hlinkClick>
-              </a:rPr>
-              <a:t>Plot Types - Discrete Data</a:t>
-            </a:r>
-            <a:endParaRPr lang="en-GB" b="0" i="0" dirty="0">
-              <a:effectLst/>
-            </a:endParaRPr>
-          </a:p>
-          <a:p>
-            <a:pPr algn="l">
-              <a:buFont typeface="Arial" panose="020B0604020202020204" pitchFamily="34" charset="0"/>
-              <a:buChar char="•"/>
-            </a:pPr>
-            <a:r>
-              <a:rPr lang="en-GB" b="0" i="0" u="sng" dirty="0">
-                <a:effectLst/>
-                <a:hlinkClick r:id="rId5">
-                  <a:extLst>
-                    <a:ext uri="{A12FA001-AC4F-418D-AE19-62706E023703}">
-                      <ahyp:hlinkClr xmlns:ahyp="http://schemas.microsoft.com/office/drawing/2018/hyperlinkcolor" val="tx"/>
-                    </a:ext>
-                  </a:extLst>
-                </a:hlinkClick>
-              </a:rPr>
-              <a:t>Plot Types - Continuous Data</a:t>
-            </a:r>
-            <a:endParaRPr lang="en-GB" b="0" i="0" dirty="0">
-              <a:effectLst/>
-            </a:endParaRPr>
-          </a:p>
-          <a:p>
-            <a:pPr algn="l">
-              <a:buFont typeface="Arial" panose="020B0604020202020204" pitchFamily="34" charset="0"/>
-              <a:buChar char="•"/>
-            </a:pPr>
-            <a:r>
-              <a:rPr lang="en-GB" b="0" i="0" u="none" strike="noStrike" dirty="0">
-                <a:effectLst/>
-                <a:hlinkClick r:id="rId6">
-                  <a:extLst>
-                    <a:ext uri="{A12FA001-AC4F-418D-AE19-62706E023703}">
-                      <ahyp:hlinkClr xmlns:ahyp="http://schemas.microsoft.com/office/drawing/2018/hyperlinkcolor" val="tx"/>
-                    </a:ext>
-                  </a:extLst>
-                </a:hlinkClick>
-              </a:rPr>
-              <a:t>Plotting Data with Two Dimensions</a:t>
-            </a:r>
-            <a:endParaRPr lang="en-GB" b="0" i="0" dirty="0">
-              <a:effectLst/>
-            </a:endParaRPr>
-          </a:p>
-          <a:p>
-            <a:pPr algn="l">
-              <a:buFont typeface="Arial" panose="020B0604020202020204" pitchFamily="34" charset="0"/>
-              <a:buChar char="•"/>
-            </a:pPr>
-            <a:r>
-              <a:rPr lang="en-GB" b="0" i="0" u="none" strike="noStrike" dirty="0">
-                <a:effectLst/>
-                <a:hlinkClick r:id="rId7">
-                  <a:extLst>
-                    <a:ext uri="{A12FA001-AC4F-418D-AE19-62706E023703}">
-                      <ahyp:hlinkClr xmlns:ahyp="http://schemas.microsoft.com/office/drawing/2018/hyperlinkcolor" val="tx"/>
-                    </a:ext>
-                  </a:extLst>
-                </a:hlinkClick>
-              </a:rPr>
-              <a:t>Customising Plots</a:t>
-            </a:r>
-            <a:endParaRPr lang="en-GB" b="0" i="0" dirty="0">
-              <a:effectLst/>
-            </a:endParaRPr>
-          </a:p>
-          <a:p>
-            <a:pPr algn="l">
-              <a:buFont typeface="Arial" panose="020B0604020202020204" pitchFamily="34" charset="0"/>
-              <a:buChar char="•"/>
-            </a:pPr>
-            <a:r>
-              <a:rPr lang="en-GB" b="0" i="0" u="none" strike="noStrike" dirty="0">
-                <a:effectLst/>
-                <a:hlinkClick r:id="rId8">
-                  <a:extLst>
-                    <a:ext uri="{A12FA001-AC4F-418D-AE19-62706E023703}">
-                      <ahyp:hlinkClr xmlns:ahyp="http://schemas.microsoft.com/office/drawing/2018/hyperlinkcolor" val="tx"/>
-                    </a:ext>
-                  </a:extLst>
-                </a:hlinkClick>
-              </a:rPr>
-              <a:t>Multiple Plots</a:t>
-            </a:r>
-            <a:endParaRPr lang="en-GB" b="0" i="0" dirty="0">
-              <a:effectLst/>
-            </a:endParaRPr>
-          </a:p>
-          <a:p>
-            <a:pPr algn="l">
-              <a:buFont typeface="Arial" panose="020B0604020202020204" pitchFamily="34" charset="0"/>
-              <a:buChar char="•"/>
-            </a:pPr>
-            <a:r>
-              <a:rPr lang="en-GB" b="0" i="0" u="none" strike="noStrike" dirty="0">
-                <a:effectLst/>
-                <a:hlinkClick r:id="rId9">
-                  <a:extLst>
-                    <a:ext uri="{A12FA001-AC4F-418D-AE19-62706E023703}">
-                      <ahyp:hlinkClr xmlns:ahyp="http://schemas.microsoft.com/office/drawing/2018/hyperlinkcolor" val="tx"/>
-                    </a:ext>
-                  </a:extLst>
-                </a:hlinkClick>
-              </a:rPr>
-              <a:t>Saving Plots</a:t>
-            </a:r>
-            <a:endParaRPr lang="en-GB" b="0" i="0" dirty="0">
-              <a:effectLst/>
-            </a:endParaRPr>
-          </a:p>
-          <a:p>
-            <a:pPr algn="l">
-              <a:buFont typeface="Arial" panose="020B0604020202020204" pitchFamily="34" charset="0"/>
-              <a:buChar char="•"/>
-            </a:pPr>
-            <a:r>
-              <a:rPr lang="en-GB" b="0" i="0" u="none" strike="noStrike" dirty="0">
-                <a:effectLst/>
-                <a:hlinkClick r:id="rId10">
-                  <a:extLst>
-                    <a:ext uri="{A12FA001-AC4F-418D-AE19-62706E023703}">
-                      <ahyp:hlinkClr xmlns:ahyp="http://schemas.microsoft.com/office/drawing/2018/hyperlinkcolor" val="tx"/>
-                    </a:ext>
-                  </a:extLst>
-                </a:hlinkClick>
-              </a:rPr>
-              <a:t>Projects</a:t>
-            </a:r>
-            <a:endParaRPr lang="en-GB" b="0" i="0" dirty="0">
-              <a:effectLst/>
-            </a:endParaRPr>
-          </a:p>
-        </p:txBody>
-      </p:sp>
-    </p:spTree>
-    <p:extLst>
-      <p:ext uri="{BB962C8B-B14F-4D97-AF65-F5344CB8AC3E}">
-        <p14:creationId xmlns:p14="http://schemas.microsoft.com/office/powerpoint/2010/main" val="4074605344"/>
-      </p:ext>
-    </p:extLst>
-  </p:cSld>
-  <p:clrMapOvr>
-    <a:masterClrMapping/>
-  </p:clrMapOvr>
-  <mc:AlternateContent xmlns:mc="http://schemas.openxmlformats.org/markup-compatibility/2006" xmlns:p14="http://schemas.microsoft.com/office/powerpoint/2010/main">
-    <mc:Choice Requires="p14">
-      <p:transition p14:dur="10"/>
-    </mc:Choice>
-    <mc:Fallback xmlns="">
-      <p:transition/>
-    </mc:Fallback>
-  </mc:AlternateContent>
-</p:sld>
-</file>
-
-<file path=ppt/slides/slide6.xml><?xml version="1.0" encoding="utf-8"?>
-<p:sld xmlns:a="http://schemas.openxmlformats.org/drawingml/2006/main" xmlns:r="http://schemas.openxmlformats.org/officeDocument/2006/relationships" xmlns:p="http://schemas.openxmlformats.org/presentationml/2006/main">
-  <p:cSld>
-    <p:spTree>
-      <p:nvGrpSpPr>
-        <p:cNvPr id="1" name=""/>
-        <p:cNvGrpSpPr/>
-        <p:nvPr/>
-      </p:nvGrpSpPr>
-      <p:grpSpPr>
-        <a:xfrm>
-          <a:off x="0" y="0"/>
-          <a:ext cx="0" cy="0"/>
-          <a:chOff x="0" y="0"/>
-          <a:chExt cx="0" cy="0"/>
-        </a:xfrm>
-      </p:grpSpPr>
-      <p:sp>
-        <p:nvSpPr>
-          <p:cNvPr id="2" name="Title 1"/>
-          <p:cNvSpPr>
-            <a:spLocks noGrp="1"/>
-          </p:cNvSpPr>
-          <p:nvPr>
-            <p:ph type="title"/>
-          </p:nvPr>
-        </p:nvSpPr>
-        <p:spPr/>
-        <p:txBody>
-          <a:bodyPr/>
-          <a:lstStyle/>
-          <a:p>
-            <a:r>
-              <a:rPr lang="en-GB" sz="4000" dirty="0"/>
               <a:t>Feedback</a:t>
             </a:r>
           </a:p>
@@ -4883,7 +4654,7 @@
 </p:sld>
 </file>
 
-<file path=ppt/slides/slide7.xml><?xml version="1.0" encoding="utf-8"?>
+<file path=ppt/slides/slide6.xml><?xml version="1.0" encoding="utf-8"?>
 <p:sld xmlns:a="http://schemas.openxmlformats.org/drawingml/2006/main" xmlns:r="http://schemas.openxmlformats.org/officeDocument/2006/relationships" xmlns:p="http://schemas.openxmlformats.org/presentationml/2006/main">
   <p:cSld>
     <p:spTree>

--- a/Plotting in Python with Matplotlib Slides.pptx
+++ b/Plotting in Python with Matplotlib Slides.pptx
@@ -15,7 +15,7 @@
     <p:sldId id="504" r:id="rId3"/>
     <p:sldId id="267" r:id="rId4"/>
     <p:sldId id="281" r:id="rId5"/>
-    <p:sldId id="329" r:id="rId6"/>
+    <p:sldId id="335" r:id="rId6"/>
     <p:sldId id="280" r:id="rId7"/>
   </p:sldIdLst>
   <p:sldSz cx="9144000" cy="6858000" type="screen4x3"/>
@@ -124,7 +124,7 @@
             <p14:sldId id="504"/>
             <p14:sldId id="267"/>
             <p14:sldId id="281"/>
-            <p14:sldId id="329"/>
+            <p14:sldId id="335"/>
             <p14:sldId id="280"/>
           </p14:sldIdLst>
         </p14:section>
@@ -149,6 +149,65 @@
     </p:ext>
   </p:extLst>
 </p:presentation>
+</file>
+
+<file path=ppt/revisionInfo.xml><?xml version="1.0" encoding="utf-8"?>
+<p1510:revInfo xmlns:a="http://schemas.openxmlformats.org/drawingml/2006/main" xmlns:r="http://schemas.openxmlformats.org/officeDocument/2006/relationships" xmlns:p1510="http://schemas.microsoft.com/office/powerpoint/2015/10/main">
+  <p1510:revLst>
+    <p1510:client id="{E74DD557-1D5A-4EE4-9399-44021D14664C}" v="3" dt="2022-10-10T15:27:09.569"/>
+  </p1510:revLst>
+</p1510:revInfo>
+</file>
+
+<file path=ppt/changesInfos/changesInfo1.xml><?xml version="1.0" encoding="utf-8"?>
+<pc:chgInfo xmlns:a="http://schemas.openxmlformats.org/drawingml/2006/main" xmlns:r="http://schemas.openxmlformats.org/officeDocument/2006/relationships" xmlns:ac="http://schemas.microsoft.com/office/drawing/2013/main/command" xmlns:pc="http://schemas.microsoft.com/office/powerpoint/2013/main/command">
+  <pc:docChgLst>
+    <pc:chgData name="Cooling, Chris" userId="6dcf99c9-2ba5-410a-8445-0893a3d1421f" providerId="ADAL" clId="{E74DD557-1D5A-4EE4-9399-44021D14664C}"/>
+    <pc:docChg chg="custSel addSld delSld modSld modSection">
+      <pc:chgData name="Cooling, Chris" userId="6dcf99c9-2ba5-410a-8445-0893a3d1421f" providerId="ADAL" clId="{E74DD557-1D5A-4EE4-9399-44021D14664C}" dt="2022-10-10T15:28:13.386" v="422" actId="20577"/>
+      <pc:docMkLst>
+        <pc:docMk/>
+      </pc:docMkLst>
+      <pc:sldChg chg="modSp mod">
+        <pc:chgData name="Cooling, Chris" userId="6dcf99c9-2ba5-410a-8445-0893a3d1421f" providerId="ADAL" clId="{E74DD557-1D5A-4EE4-9399-44021D14664C}" dt="2022-10-10T15:28:13.386" v="422" actId="20577"/>
+        <pc:sldMkLst>
+          <pc:docMk/>
+          <pc:sldMk cId="4074605344" sldId="281"/>
+        </pc:sldMkLst>
+        <pc:spChg chg="mod">
+          <ac:chgData name="Cooling, Chris" userId="6dcf99c9-2ba5-410a-8445-0893a3d1421f" providerId="ADAL" clId="{E74DD557-1D5A-4EE4-9399-44021D14664C}" dt="2022-10-10T15:25:48.721" v="47" actId="20577"/>
+          <ac:spMkLst>
+            <pc:docMk/>
+            <pc:sldMk cId="4074605344" sldId="281"/>
+            <ac:spMk id="2" creationId="{00000000-0000-0000-0000-000000000000}"/>
+          </ac:spMkLst>
+        </pc:spChg>
+        <pc:spChg chg="mod">
+          <ac:chgData name="Cooling, Chris" userId="6dcf99c9-2ba5-410a-8445-0893a3d1421f" providerId="ADAL" clId="{E74DD557-1D5A-4EE4-9399-44021D14664C}" dt="2022-10-10T15:28:13.386" v="422" actId="20577"/>
+          <ac:spMkLst>
+            <pc:docMk/>
+            <pc:sldMk cId="4074605344" sldId="281"/>
+            <ac:spMk id="3" creationId="{00000000-0000-0000-0000-000000000000}"/>
+          </ac:spMkLst>
+        </pc:spChg>
+      </pc:sldChg>
+      <pc:sldChg chg="del">
+        <pc:chgData name="Cooling, Chris" userId="6dcf99c9-2ba5-410a-8445-0893a3d1421f" providerId="ADAL" clId="{E74DD557-1D5A-4EE4-9399-44021D14664C}" dt="2022-10-10T15:24:53.635" v="0" actId="47"/>
+        <pc:sldMkLst>
+          <pc:docMk/>
+          <pc:sldMk cId="2122788927" sldId="329"/>
+        </pc:sldMkLst>
+      </pc:sldChg>
+      <pc:sldChg chg="add">
+        <pc:chgData name="Cooling, Chris" userId="6dcf99c9-2ba5-410a-8445-0893a3d1421f" providerId="ADAL" clId="{E74DD557-1D5A-4EE4-9399-44021D14664C}" dt="2022-10-10T15:24:55.729" v="1"/>
+        <pc:sldMkLst>
+          <pc:docMk/>
+          <pc:sldMk cId="466020703" sldId="335"/>
+        </pc:sldMkLst>
+      </pc:sldChg>
+    </pc:docChg>
+  </pc:docChgLst>
+</pc:chgInfo>
 </file>
 
 <file path=ppt/handoutMasters/handoutMaster1.xml><?xml version="1.0" encoding="utf-8"?>
@@ -400,7 +459,7 @@
           <a:p>
             <a:fld id="{88EB714B-C3CC-4216-88C1-02913905B1CF}" type="datetimeFigureOut">
               <a:rPr lang="en-GB" smtClean="0"/>
-              <a:t>20/05/2022</a:t>
+              <a:t>10/10/2022</a:t>
             </a:fld>
             <a:endParaRPr lang="en-GB"/>
           </a:p>
@@ -1781,7 +1840,7 @@
           <a:p>
             <a:fld id="{EB0080F8-EA1C-491D-963C-2C881B2F918F}" type="datetimeFigureOut">
               <a:rPr lang="en-GB" smtClean="0"/>
-              <a:t>20/05/2022</a:t>
+              <a:t>10/10/2022</a:t>
             </a:fld>
             <a:endParaRPr lang="en-GB"/>
           </a:p>
@@ -1931,7 +1990,7 @@
           <a:p>
             <a:fld id="{EB0080F8-EA1C-491D-963C-2C881B2F918F}" type="datetimeFigureOut">
               <a:rPr lang="en-GB" smtClean="0"/>
-              <a:t>20/05/2022</a:t>
+              <a:t>10/10/2022</a:t>
             </a:fld>
             <a:endParaRPr lang="en-GB"/>
           </a:p>
@@ -3464,7 +3523,7 @@
           <a:p>
             <a:fld id="{EB0080F8-EA1C-491D-963C-2C881B2F918F}" type="datetimeFigureOut">
               <a:rPr lang="en-GB" smtClean="0"/>
-              <a:t>20/05/2022</a:t>
+              <a:t>10/10/2022</a:t>
             </a:fld>
             <a:endParaRPr lang="en-GB"/>
           </a:p>
@@ -4295,7 +4354,7 @@
           <a:p>
             <a:r>
               <a:rPr lang="en-GB" sz="4000" dirty="0"/>
-              <a:t>Notebook Links</a:t>
+              <a:t>Course Materials</a:t>
             </a:r>
           </a:p>
         </p:txBody>
@@ -4329,17 +4388,17 @@
             <a:r>
               <a:rPr lang="en-GB" b="0" i="0" u="none" strike="noStrike" dirty="0">
                 <a:effectLst/>
-                <a:hlinkClick r:id="rId3">
-                  <a:extLst>
-                    <a:ext uri="{A12FA001-AC4F-418D-AE19-62706E023703}">
-                      <ahyp:hlinkClr xmlns:ahyp="http://schemas.microsoft.com/office/drawing/2018/hyperlinkcolor" val="tx"/>
-                    </a:ext>
-                  </a:extLst>
-                </a:hlinkClick>
               </a:rPr>
-              <a:t>Overview and the Matplotlib Gallery</a:t>
-            </a:r>
-            <a:endParaRPr lang="en-GB" b="0" i="0" dirty="0">
+              <a:t>The course materials are stored in a </a:t>
+            </a:r>
+            <a:r>
+              <a:rPr lang="en-GB" b="0" i="0" u="none" strike="noStrike" dirty="0">
+                <a:effectLst/>
+                <a:hlinkClick r:id="rId3"/>
+              </a:rPr>
+              <a:t>GitHub repository</a:t>
+            </a:r>
+            <a:endParaRPr lang="en-GB" b="0" i="0" u="none" strike="noStrike" dirty="0">
               <a:effectLst/>
             </a:endParaRPr>
           </a:p>
@@ -4349,21 +4408,16 @@
               <a:buChar char="•"/>
             </a:pPr>
             <a:r>
-              <a:rPr lang="en-GB" b="0" i="0" u="none" strike="noStrike" dirty="0">
-                <a:effectLst/>
-                <a:hlinkClick r:id="rId4">
-                  <a:extLst>
-                    <a:ext uri="{A12FA001-AC4F-418D-AE19-62706E023703}">
-                      <ahyp:hlinkClr xmlns:ahyp="http://schemas.microsoft.com/office/drawing/2018/hyperlinkcolor" val="tx"/>
-                    </a:ext>
-                  </a:extLst>
-                </a:hlinkClick>
+              <a:rPr lang="en-GB" dirty="0"/>
+              <a:t>Instructions for using the materials are found in the </a:t>
+            </a:r>
+            <a:r>
+              <a:rPr lang="en-GB" dirty="0">
+                <a:hlinkClick r:id="rId4"/>
               </a:rPr>
-              <a:t>Plot Types - Discrete Data</a:t>
-            </a:r>
-            <a:endParaRPr lang="en-GB" b="0" i="0" dirty="0">
-              <a:effectLst/>
-            </a:endParaRPr>
+              <a:t>readme</a:t>
+            </a:r>
+            <a:endParaRPr lang="en-GB" dirty="0"/>
           </a:p>
           <a:p>
             <a:pPr algn="l">
@@ -4371,21 +4425,17 @@
               <a:buChar char="•"/>
             </a:pPr>
             <a:r>
-              <a:rPr lang="en-GB" b="0" i="0" u="sng" dirty="0">
-                <a:effectLst/>
-                <a:hlinkClick r:id="rId5">
-                  <a:extLst>
-                    <a:ext uri="{A12FA001-AC4F-418D-AE19-62706E023703}">
-                      <ahyp:hlinkClr xmlns:ahyp="http://schemas.microsoft.com/office/drawing/2018/hyperlinkcolor" val="tx"/>
-                    </a:ext>
-                  </a:extLst>
-                </a:hlinkClick>
-              </a:rPr>
-              <a:t>Plot Types - Continuous Data</a:t>
-            </a:r>
-            <a:endParaRPr lang="en-GB" b="0" i="0" dirty="0">
-              <a:effectLst/>
-            </a:endParaRPr>
+              <a:rPr lang="en-GB" dirty="0"/>
+              <a:t>Links to open the course notebooks in </a:t>
+            </a:r>
+            <a:r>
+              <a:rPr lang="en-GB" dirty="0" err="1"/>
+              <a:t>Colab</a:t>
+            </a:r>
+            <a:r>
+              <a:rPr lang="en-GB" dirty="0"/>
+              <a:t> are at the bottom of the readme</a:t>
+            </a:r>
           </a:p>
           <a:p>
             <a:pPr algn="l">
@@ -4393,21 +4443,15 @@
               <a:buChar char="•"/>
             </a:pPr>
             <a:r>
-              <a:rPr lang="en-GB" b="0" i="0" u="none" strike="noStrike" dirty="0">
+              <a:rPr lang="en-GB" b="0" i="0" dirty="0">
                 <a:effectLst/>
-                <a:hlinkClick r:id="rId6">
-                  <a:extLst>
-                    <a:ext uri="{A12FA001-AC4F-418D-AE19-62706E023703}">
-                      <ahyp:hlinkClr xmlns:ahyp="http://schemas.microsoft.com/office/drawing/2018/hyperlinkcolor" val="tx"/>
-                    </a:ext>
-                  </a:extLst>
-                </a:hlinkClick>
               </a:rPr>
-              <a:t>Plotting Data with Two Dimensions</a:t>
-            </a:r>
-            <a:endParaRPr lang="en-GB" b="0" i="0" dirty="0">
-              <a:effectLst/>
-            </a:endParaRPr>
+              <a:t>The materials can also be </a:t>
+            </a:r>
+            <a:r>
+              <a:rPr lang="en-GB" dirty="0"/>
+              <a:t>downloaded and run locally</a:t>
+            </a:r>
           </a:p>
           <a:p>
             <a:pPr algn="l">
@@ -4415,83 +4459,16 @@
               <a:buChar char="•"/>
             </a:pPr>
             <a:r>
-              <a:rPr lang="en-GB" b="0" i="0" u="none" strike="noStrike" dirty="0">
+              <a:rPr lang="en-GB" b="0" i="0" dirty="0">
                 <a:effectLst/>
-                <a:hlinkClick r:id="rId7">
-                  <a:extLst>
-                    <a:ext uri="{A12FA001-AC4F-418D-AE19-62706E023703}">
-                      <ahyp:hlinkClr xmlns:ahyp="http://schemas.microsoft.com/office/drawing/2018/hyperlinkcolor" val="tx"/>
-                    </a:ext>
-                  </a:extLst>
-                </a:hlinkClick>
               </a:rPr>
-              <a:t>Customising Plots</a:t>
-            </a:r>
-            <a:endParaRPr lang="en-GB" b="0" i="0" dirty="0">
-              <a:effectLst/>
-            </a:endParaRPr>
-          </a:p>
-          <a:p>
-            <a:pPr algn="l">
-              <a:buFont typeface="Arial" panose="020B0604020202020204" pitchFamily="34" charset="0"/>
-              <a:buChar char="•"/>
-            </a:pPr>
-            <a:r>
-              <a:rPr lang="en-GB" b="0" i="0" u="none" strike="noStrike" dirty="0">
+              <a:t>You can also star/fork </a:t>
+            </a:r>
+            <a:r>
+              <a:rPr lang="en-GB" b="0" i="0">
                 <a:effectLst/>
-                <a:hlinkClick r:id="rId8">
-                  <a:extLst>
-                    <a:ext uri="{A12FA001-AC4F-418D-AE19-62706E023703}">
-                      <ahyp:hlinkClr xmlns:ahyp="http://schemas.microsoft.com/office/drawing/2018/hyperlinkcolor" val="tx"/>
-                    </a:ext>
-                  </a:extLst>
-                </a:hlinkClick>
               </a:rPr>
-              <a:t>Multiple Plots</a:t>
-            </a:r>
-            <a:endParaRPr lang="en-GB" b="0" i="0" dirty="0">
-              <a:effectLst/>
-            </a:endParaRPr>
-          </a:p>
-          <a:p>
-            <a:pPr algn="l">
-              <a:buFont typeface="Arial" panose="020B0604020202020204" pitchFamily="34" charset="0"/>
-              <a:buChar char="•"/>
-            </a:pPr>
-            <a:r>
-              <a:rPr lang="en-GB" b="0" i="0" u="none" strike="noStrike" dirty="0">
-                <a:effectLst/>
-                <a:hlinkClick r:id="rId9">
-                  <a:extLst>
-                    <a:ext uri="{A12FA001-AC4F-418D-AE19-62706E023703}">
-                      <ahyp:hlinkClr xmlns:ahyp="http://schemas.microsoft.com/office/drawing/2018/hyperlinkcolor" val="tx"/>
-                    </a:ext>
-                  </a:extLst>
-                </a:hlinkClick>
-              </a:rPr>
-              <a:t>Saving Plots</a:t>
-            </a:r>
-            <a:endParaRPr lang="en-GB" b="0" i="0" dirty="0">
-              <a:effectLst/>
-            </a:endParaRPr>
-          </a:p>
-          <a:p>
-            <a:pPr algn="l">
-              <a:buFont typeface="Arial" panose="020B0604020202020204" pitchFamily="34" charset="0"/>
-              <a:buChar char="•"/>
-            </a:pPr>
-            <a:r>
-              <a:rPr lang="en-GB" b="0" i="0" u="none" strike="noStrike" dirty="0">
-                <a:effectLst/>
-                <a:hlinkClick r:id="rId10">
-                  <a:extLst>
-                    <a:ext uri="{A12FA001-AC4F-418D-AE19-62706E023703}">
-                      <ahyp:hlinkClr xmlns:ahyp="http://schemas.microsoft.com/office/drawing/2018/hyperlinkcolor" val="tx"/>
-                    </a:ext>
-                  </a:extLst>
-                </a:hlinkClick>
-              </a:rPr>
-              <a:t>Projects</a:t>
+              <a:t>the repository</a:t>
             </a:r>
             <a:endParaRPr lang="en-GB" b="0" i="0" dirty="0">
               <a:effectLst/>
@@ -4537,6 +4514,36 @@
           <a:chExt cx="0" cy="0"/>
         </a:xfrm>
       </p:grpSpPr>
+      <p:pic>
+        <p:nvPicPr>
+          <p:cNvPr id="5" name="Picture 4" descr="Qr code&#10;&#10;Description automatically generated">
+            <a:extLst>
+              <a:ext uri="{FF2B5EF4-FFF2-40B4-BE49-F238E27FC236}">
+                <a16:creationId xmlns:a16="http://schemas.microsoft.com/office/drawing/2014/main" id="{6EC95C70-AC70-4FEA-AC75-84A729884BE8}"/>
+              </a:ext>
+            </a:extLst>
+          </p:cNvPr>
+          <p:cNvPicPr>
+            <a:picLocks noChangeAspect="1"/>
+          </p:cNvPicPr>
+          <p:nvPr/>
+        </p:nvPicPr>
+        <p:blipFill>
+          <a:blip r:embed="rId3"/>
+          <a:stretch>
+            <a:fillRect/>
+          </a:stretch>
+        </p:blipFill>
+        <p:spPr>
+          <a:xfrm>
+            <a:off x="3111335" y="3921107"/>
+            <a:ext cx="2921330" cy="2921330"/>
+          </a:xfrm>
+          <a:prstGeom prst="rect">
+            <a:avLst/>
+          </a:prstGeom>
+        </p:spPr>
+      </p:pic>
       <p:sp>
         <p:nvSpPr>
           <p:cNvPr id="2" name="Title 1"/>
@@ -4572,12 +4579,12 @@
         <p:spPr>
           <a:xfrm>
             <a:off x="457200" y="1600200"/>
-            <a:ext cx="8435280" cy="4876800"/>
+            <a:ext cx="8435280" cy="2787732"/>
           </a:xfrm>
         </p:spPr>
         <p:txBody>
           <a:bodyPr>
-            <a:normAutofit/>
+            <a:normAutofit lnSpcReduction="10000"/>
           </a:bodyPr>
           <a:lstStyle/>
           <a:p>
@@ -4589,30 +4596,16 @@
           <a:p>
             <a:pPr lvl="1"/>
             <a:r>
+              <a:rPr lang="en-GB" sz="2600" dirty="0"/>
+              <a:t>The link is </a:t>
+            </a:r>
+            <a:r>
               <a:rPr lang="en-GB" sz="2600" dirty="0">
-                <a:latin typeface="+mj-lt"/>
+                <a:hlinkClick r:id="rId4"/>
               </a:rPr>
-              <a:t>The link is </a:t>
-            </a:r>
-            <a:r>
-              <a:rPr lang="en-GB" sz="2600" u="sng" dirty="0">
-                <a:solidFill>
-                  <a:srgbClr val="000000"/>
-                </a:solidFill>
-                <a:effectLst/>
-                <a:latin typeface="+mj-lt"/>
-                <a:ea typeface="Times New Roman" panose="02020603050405020304" pitchFamily="18" charset="0"/>
-                <a:cs typeface="Calibri" panose="020F0502020204030204" pitchFamily="34" charset="0"/>
-                <a:hlinkClick r:id="rId3"/>
-              </a:rPr>
-              <a:t>tinyurl.com/rcds2021-22</a:t>
-            </a:r>
-            <a:endParaRPr lang="en-GB" sz="2600" dirty="0">
-              <a:effectLst/>
-              <a:latin typeface="+mj-lt"/>
-              <a:ea typeface="Times New Roman" panose="02020603050405020304" pitchFamily="18" charset="0"/>
-              <a:cs typeface="Times New Roman" panose="02020603050405020304" pitchFamily="18" charset="0"/>
-            </a:endParaRPr>
+              <a:t>https://tinyurl.com/rcds2022-23</a:t>
+            </a:r>
+            <a:endParaRPr lang="en-GB" sz="2600" dirty="0"/>
           </a:p>
           <a:p>
             <a:pPr lvl="1"/>
@@ -4636,7 +4629,7 @@
     </p:spTree>
     <p:extLst>
       <p:ext uri="{BB962C8B-B14F-4D97-AF65-F5344CB8AC3E}">
-        <p14:creationId xmlns:p14="http://schemas.microsoft.com/office/powerpoint/2010/main" val="2122788927"/>
+        <p14:creationId xmlns:p14="http://schemas.microsoft.com/office/powerpoint/2010/main" val="466020703"/>
       </p:ext>
     </p:extLst>
   </p:cSld>

--- a/Plotting in Python with Matplotlib Slides.pptx
+++ b/Plotting in Python with Matplotlib Slides.pptx
@@ -12,7 +12,7 @@
   </p:handoutMasterIdLst>
   <p:sldIdLst>
     <p:sldId id="264" r:id="rId2"/>
-    <p:sldId id="504" r:id="rId3"/>
+    <p:sldId id="505" r:id="rId3"/>
     <p:sldId id="267" r:id="rId4"/>
     <p:sldId id="281" r:id="rId5"/>
     <p:sldId id="335" r:id="rId6"/>
@@ -121,7 +121,7 @@
         <p14:section name="Introduction" id="{45EEEAF5-8C61-4410-A3AB-B2CD0B57ECF0}">
           <p14:sldIdLst>
             <p14:sldId id="264"/>
-            <p14:sldId id="504"/>
+            <p14:sldId id="505"/>
             <p14:sldId id="267"/>
             <p14:sldId id="281"/>
             <p14:sldId id="335"/>
@@ -154,7 +154,7 @@
 <file path=ppt/revisionInfo.xml><?xml version="1.0" encoding="utf-8"?>
 <p1510:revInfo xmlns:a="http://schemas.openxmlformats.org/drawingml/2006/main" xmlns:r="http://schemas.openxmlformats.org/officeDocument/2006/relationships" xmlns:p1510="http://schemas.microsoft.com/office/powerpoint/2015/10/main">
   <p1510:revLst>
-    <p1510:client id="{E74DD557-1D5A-4EE4-9399-44021D14664C}" v="3" dt="2022-10-10T15:27:09.569"/>
+    <p1510:client id="{374361D9-056C-4709-A93F-A2CE02DBEE3E}" v="1" dt="2023-02-24T16:44:40.974"/>
   </p1510:revLst>
 </p1510:revInfo>
 </file>
@@ -207,6 +207,29 @@
       </pc:sldChg>
     </pc:docChg>
   </pc:docChgLst>
+  <pc:docChgLst>
+    <pc:chgData name="Cooling, Chris" userId="6dcf99c9-2ba5-410a-8445-0893a3d1421f" providerId="ADAL" clId="{374361D9-056C-4709-A93F-A2CE02DBEE3E}"/>
+    <pc:docChg chg="addSld delSld modSld modSection">
+      <pc:chgData name="Cooling, Chris" userId="6dcf99c9-2ba5-410a-8445-0893a3d1421f" providerId="ADAL" clId="{374361D9-056C-4709-A93F-A2CE02DBEE3E}" dt="2023-02-24T16:44:43.029" v="1" actId="47"/>
+      <pc:docMkLst>
+        <pc:docMk/>
+      </pc:docMkLst>
+      <pc:sldChg chg="del">
+        <pc:chgData name="Cooling, Chris" userId="6dcf99c9-2ba5-410a-8445-0893a3d1421f" providerId="ADAL" clId="{374361D9-056C-4709-A93F-A2CE02DBEE3E}" dt="2023-02-24T16:44:43.029" v="1" actId="47"/>
+        <pc:sldMkLst>
+          <pc:docMk/>
+          <pc:sldMk cId="3686223621" sldId="504"/>
+        </pc:sldMkLst>
+      </pc:sldChg>
+      <pc:sldChg chg="add">
+        <pc:chgData name="Cooling, Chris" userId="6dcf99c9-2ba5-410a-8445-0893a3d1421f" providerId="ADAL" clId="{374361D9-056C-4709-A93F-A2CE02DBEE3E}" dt="2023-02-24T16:44:40.972" v="0"/>
+        <pc:sldMkLst>
+          <pc:docMk/>
+          <pc:sldMk cId="2268774000" sldId="505"/>
+        </pc:sldMkLst>
+      </pc:sldChg>
+    </pc:docChg>
+  </pc:docChgLst>
 </pc:chgInfo>
 </file>
 
@@ -459,7 +482,7 @@
           <a:p>
             <a:fld id="{88EB714B-C3CC-4216-88C1-02913905B1CF}" type="datetimeFigureOut">
               <a:rPr lang="en-GB" smtClean="0"/>
-              <a:t>10/10/2022</a:t>
+              <a:t>24/02/2023</a:t>
             </a:fld>
             <a:endParaRPr lang="en-GB"/>
           </a:p>
@@ -1022,6 +1045,29 @@
           <a:bodyPr/>
           <a:lstStyle/>
           <a:p>
+            <a:pPr marL="0" marR="0" lvl="0" indent="0" algn="l" defTabSz="914400" rtl="0" eaLnBrk="1" fontAlgn="auto" latinLnBrk="0" hangingPunct="1">
+              <a:lnSpc>
+                <a:spcPct val="100000"/>
+              </a:lnSpc>
+              <a:spcBef>
+                <a:spcPts val="0"/>
+              </a:spcBef>
+              <a:spcAft>
+                <a:spcPts val="0"/>
+              </a:spcAft>
+              <a:buClrTx/>
+              <a:buSzTx/>
+              <a:buFontTx/>
+              <a:buNone/>
+              <a:tabLst/>
+              <a:defRPr/>
+            </a:pPr>
+            <a:r>
+              <a:rPr lang="en-GB" dirty="0"/>
+              <a:t>No additional notes.</a:t>
+            </a:r>
+          </a:p>
+          <a:p>
             <a:endParaRPr lang="en-GB" dirty="0"/>
           </a:p>
         </p:txBody>
@@ -1033,7 +1079,7 @@
             <a:spLocks noGrp="1"/>
           </p:cNvSpPr>
           <p:nvPr>
-            <p:ph type="sldNum" sz="quarter" idx="10"/>
+            <p:ph type="sldNum" sz="quarter" idx="5"/>
           </p:nvPr>
         </p:nvSpPr>
         <p:spPr/>
@@ -1041,9 +1087,9 @@
           <a:bodyPr/>
           <a:lstStyle/>
           <a:p>
-            <a:fld id="{6A641EC8-C9F8-4A58-A1A7-F7D817526EEC}" type="slidenum">
+            <a:fld id="{3AE2EC8F-0D0C-480E-9701-891381D03195}" type="slidenum">
               <a:rPr lang="en-GB" smtClean="0"/>
-              <a:t>3</a:t>
+              <a:t>2</a:t>
             </a:fld>
             <a:endParaRPr lang="en-GB"/>
           </a:p>
@@ -1052,7 +1098,7 @@
     </p:spTree>
     <p:extLst>
       <p:ext uri="{BB962C8B-B14F-4D97-AF65-F5344CB8AC3E}">
-        <p14:creationId xmlns:p14="http://schemas.microsoft.com/office/powerpoint/2010/main" val="2283586298"/>
+        <p14:creationId xmlns:p14="http://schemas.microsoft.com/office/powerpoint/2010/main" val="2116338273"/>
       </p:ext>
     </p:extLst>
   </p:cSld>
@@ -1127,7 +1173,7 @@
           <a:p>
             <a:fld id="{6A641EC8-C9F8-4A58-A1A7-F7D817526EEC}" type="slidenum">
               <a:rPr lang="en-GB" smtClean="0"/>
-              <a:t>4</a:t>
+              <a:t>3</a:t>
             </a:fld>
             <a:endParaRPr lang="en-GB"/>
           </a:p>
@@ -1136,7 +1182,7 @@
     </p:spTree>
     <p:extLst>
       <p:ext uri="{BB962C8B-B14F-4D97-AF65-F5344CB8AC3E}">
-        <p14:creationId xmlns:p14="http://schemas.microsoft.com/office/powerpoint/2010/main" val="4146208164"/>
+        <p14:creationId xmlns:p14="http://schemas.microsoft.com/office/powerpoint/2010/main" val="2283586298"/>
       </p:ext>
     </p:extLst>
   </p:cSld>
@@ -1211,6 +1257,90 @@
           <a:p>
             <a:fld id="{6A641EC8-C9F8-4A58-A1A7-F7D817526EEC}" type="slidenum">
               <a:rPr lang="en-GB" smtClean="0"/>
+              <a:t>4</a:t>
+            </a:fld>
+            <a:endParaRPr lang="en-GB"/>
+          </a:p>
+        </p:txBody>
+      </p:sp>
+    </p:spTree>
+    <p:extLst>
+      <p:ext uri="{BB962C8B-B14F-4D97-AF65-F5344CB8AC3E}">
+        <p14:creationId xmlns:p14="http://schemas.microsoft.com/office/powerpoint/2010/main" val="4146208164"/>
+      </p:ext>
+    </p:extLst>
+  </p:cSld>
+  <p:clrMapOvr>
+    <a:masterClrMapping/>
+  </p:clrMapOvr>
+</p:notes>
+</file>
+
+<file path=ppt/notesSlides/notesSlide5.xml><?xml version="1.0" encoding="utf-8"?>
+<p:notes xmlns:a="http://schemas.openxmlformats.org/drawingml/2006/main" xmlns:r="http://schemas.openxmlformats.org/officeDocument/2006/relationships" xmlns:p="http://schemas.openxmlformats.org/presentationml/2006/main">
+  <p:cSld>
+    <p:spTree>
+      <p:nvGrpSpPr>
+        <p:cNvPr id="1" name=""/>
+        <p:cNvGrpSpPr/>
+        <p:nvPr/>
+      </p:nvGrpSpPr>
+      <p:grpSpPr>
+        <a:xfrm>
+          <a:off x="0" y="0"/>
+          <a:ext cx="0" cy="0"/>
+          <a:chOff x="0" y="0"/>
+          <a:chExt cx="0" cy="0"/>
+        </a:xfrm>
+      </p:grpSpPr>
+      <p:sp>
+        <p:nvSpPr>
+          <p:cNvPr id="2" name="Slide Image Placeholder 1"/>
+          <p:cNvSpPr>
+            <a:spLocks noGrp="1" noRot="1" noChangeAspect="1"/>
+          </p:cNvSpPr>
+          <p:nvPr>
+            <p:ph type="sldImg"/>
+          </p:nvPr>
+        </p:nvSpPr>
+        <p:spPr/>
+      </p:sp>
+      <p:sp>
+        <p:nvSpPr>
+          <p:cNvPr id="3" name="Notes Placeholder 2"/>
+          <p:cNvSpPr>
+            <a:spLocks noGrp="1"/>
+          </p:cNvSpPr>
+          <p:nvPr>
+            <p:ph type="body" idx="1"/>
+          </p:nvPr>
+        </p:nvSpPr>
+        <p:spPr/>
+        <p:txBody>
+          <a:bodyPr/>
+          <a:lstStyle/>
+          <a:p>
+            <a:endParaRPr lang="en-GB" dirty="0"/>
+          </a:p>
+        </p:txBody>
+      </p:sp>
+      <p:sp>
+        <p:nvSpPr>
+          <p:cNvPr id="4" name="Slide Number Placeholder 3"/>
+          <p:cNvSpPr>
+            <a:spLocks noGrp="1"/>
+          </p:cNvSpPr>
+          <p:nvPr>
+            <p:ph type="sldNum" sz="quarter" idx="10"/>
+          </p:nvPr>
+        </p:nvSpPr>
+        <p:spPr/>
+        <p:txBody>
+          <a:bodyPr/>
+          <a:lstStyle/>
+          <a:p>
+            <a:fld id="{6A641EC8-C9F8-4A58-A1A7-F7D817526EEC}" type="slidenum">
+              <a:rPr lang="en-GB" smtClean="0"/>
               <a:t>5</a:t>
             </a:fld>
             <a:endParaRPr lang="en-GB"/>
@@ -1230,7 +1360,7 @@
 </p:notes>
 </file>
 
-<file path=ppt/notesSlides/notesSlide5.xml><?xml version="1.0" encoding="utf-8"?>
+<file path=ppt/notesSlides/notesSlide6.xml><?xml version="1.0" encoding="utf-8"?>
 <p:notes xmlns:a="http://schemas.openxmlformats.org/drawingml/2006/main" xmlns:r="http://schemas.openxmlformats.org/officeDocument/2006/relationships" xmlns:p="http://schemas.openxmlformats.org/presentationml/2006/main">
   <p:cSld>
     <p:spTree>
@@ -1840,7 +1970,7 @@
           <a:p>
             <a:fld id="{EB0080F8-EA1C-491D-963C-2C881B2F918F}" type="datetimeFigureOut">
               <a:rPr lang="en-GB" smtClean="0"/>
-              <a:t>10/10/2022</a:t>
+              <a:t>24/02/2023</a:t>
             </a:fld>
             <a:endParaRPr lang="en-GB"/>
           </a:p>
@@ -1990,7 +2120,7 @@
           <a:p>
             <a:fld id="{EB0080F8-EA1C-491D-963C-2C881B2F918F}" type="datetimeFigureOut">
               <a:rPr lang="en-GB" smtClean="0"/>
-              <a:t>10/10/2022</a:t>
+              <a:t>24/02/2023</a:t>
             </a:fld>
             <a:endParaRPr lang="en-GB"/>
           </a:p>
@@ -3523,7 +3653,7 @@
           <a:p>
             <a:fld id="{EB0080F8-EA1C-491D-963C-2C881B2F918F}" type="datetimeFigureOut">
               <a:rPr lang="en-GB" smtClean="0"/>
-              <a:t>10/10/2022</a:t>
+              <a:t>24/02/2023</a:t>
             </a:fld>
             <a:endParaRPr lang="en-GB"/>
           </a:p>
@@ -4055,8 +4185,8 @@
         </p:nvSpPr>
         <p:spPr>
           <a:xfrm>
-            <a:off x="401319" y="1431415"/>
-            <a:ext cx="8388117" cy="4410091"/>
+            <a:off x="401319" y="1431416"/>
+            <a:ext cx="8388117" cy="4549506"/>
           </a:xfrm>
         </p:spPr>
         <p:txBody>
@@ -4073,6 +4203,9 @@
             </a:br>
             <a:br>
               <a:rPr lang="en-GB" sz="2800" u="sng" dirty="0"/>
+            </a:br>
+            <a:br>
+              <a:rPr lang="en-GB" sz="2800" dirty="0"/>
             </a:br>
             <a:r>
               <a:rPr lang="en-GB" sz="2800" dirty="0"/>
@@ -4093,7 +4226,7 @@
                 <a:ea typeface="Times New Roman" panose="02020603050405020304" pitchFamily="18" charset="0"/>
                 <a:cs typeface="Calibri" panose="020F0502020204030204" pitchFamily="34" charset="0"/>
               </a:rPr>
-              <a:t>If you are not a Postgraduate Research student and didn’t book via Inkpath, your attendance will be marked on a separate database.</a:t>
+              <a:t>If you are a Postgraduate Research student, this is required for receiving your Graduate School credit for this course.</a:t>
             </a:r>
             <a:endParaRPr lang="en-GB" sz="2800" dirty="0"/>
           </a:p>
@@ -4139,7 +4272,7 @@
     </p:spTree>
     <p:extLst>
       <p:ext uri="{BB962C8B-B14F-4D97-AF65-F5344CB8AC3E}">
-        <p14:creationId xmlns:p14="http://schemas.microsoft.com/office/powerpoint/2010/main" val="3686223621"/>
+        <p14:creationId xmlns:p14="http://schemas.microsoft.com/office/powerpoint/2010/main" val="2268774000"/>
       </p:ext>
     </p:extLst>
   </p:cSld>

--- a/Plotting in Python with Matplotlib Slides.pptx
+++ b/Plotting in Python with Matplotlib Slides.pptx
@@ -151,14 +151,6 @@
 </p:presentation>
 </file>
 
-<file path=ppt/revisionInfo.xml><?xml version="1.0" encoding="utf-8"?>
-<p1510:revInfo xmlns:a="http://schemas.openxmlformats.org/drawingml/2006/main" xmlns:r="http://schemas.openxmlformats.org/officeDocument/2006/relationships" xmlns:p1510="http://schemas.microsoft.com/office/powerpoint/2015/10/main">
-  <p1510:revLst>
-    <p1510:client id="{374361D9-056C-4709-A93F-A2CE02DBEE3E}" v="1" dt="2023-02-24T16:44:40.974"/>
-  </p1510:revLst>
-</p1510:revInfo>
-</file>
-
 <file path=ppt/changesInfos/changesInfo1.xml><?xml version="1.0" encoding="utf-8"?>
 <pc:chgInfo xmlns:a="http://schemas.openxmlformats.org/drawingml/2006/main" xmlns:r="http://schemas.openxmlformats.org/officeDocument/2006/relationships" xmlns:ac="http://schemas.microsoft.com/office/drawing/2013/main/command" xmlns:pc="http://schemas.microsoft.com/office/powerpoint/2013/main/command">
   <pc:docChgLst>
@@ -230,6 +222,30 @@
       </pc:sldChg>
     </pc:docChg>
   </pc:docChgLst>
+  <pc:docChgLst>
+    <pc:chgData name="Cooling, Chris" userId="6dcf99c9-2ba5-410a-8445-0893a3d1421f" providerId="ADAL" clId="{160F83DA-51AD-4776-BF9D-E51279BB775C}"/>
+    <pc:docChg chg="modSld">
+      <pc:chgData name="Cooling, Chris" userId="6dcf99c9-2ba5-410a-8445-0893a3d1421f" providerId="ADAL" clId="{160F83DA-51AD-4776-BF9D-E51279BB775C}" dt="2023-11-03T15:58:44.549" v="0"/>
+      <pc:docMkLst>
+        <pc:docMk/>
+      </pc:docMkLst>
+      <pc:sldChg chg="modSp mod">
+        <pc:chgData name="Cooling, Chris" userId="6dcf99c9-2ba5-410a-8445-0893a3d1421f" providerId="ADAL" clId="{160F83DA-51AD-4776-BF9D-E51279BB775C}" dt="2023-11-03T15:58:44.549" v="0"/>
+        <pc:sldMkLst>
+          <pc:docMk/>
+          <pc:sldMk cId="466020703" sldId="335"/>
+        </pc:sldMkLst>
+        <pc:spChg chg="mod">
+          <ac:chgData name="Cooling, Chris" userId="6dcf99c9-2ba5-410a-8445-0893a3d1421f" providerId="ADAL" clId="{160F83DA-51AD-4776-BF9D-E51279BB775C}" dt="2023-11-03T15:58:44.549" v="0"/>
+          <ac:spMkLst>
+            <pc:docMk/>
+            <pc:sldMk cId="466020703" sldId="335"/>
+            <ac:spMk id="3" creationId="{00000000-0000-0000-0000-000000000000}"/>
+          </ac:spMkLst>
+        </pc:spChg>
+      </pc:sldChg>
+    </pc:docChg>
+  </pc:docChgLst>
 </pc:chgInfo>
 </file>
 
@@ -482,7 +498,7 @@
           <a:p>
             <a:fld id="{88EB714B-C3CC-4216-88C1-02913905B1CF}" type="datetimeFigureOut">
               <a:rPr lang="en-GB" smtClean="0"/>
-              <a:t>24/02/2023</a:t>
+              <a:t>03/11/2023</a:t>
             </a:fld>
             <a:endParaRPr lang="en-GB"/>
           </a:p>
@@ -1970,7 +1986,7 @@
           <a:p>
             <a:fld id="{EB0080F8-EA1C-491D-963C-2C881B2F918F}" type="datetimeFigureOut">
               <a:rPr lang="en-GB" smtClean="0"/>
-              <a:t>24/02/2023</a:t>
+              <a:t>03/11/2023</a:t>
             </a:fld>
             <a:endParaRPr lang="en-GB"/>
           </a:p>
@@ -2120,7 +2136,7 @@
           <a:p>
             <a:fld id="{EB0080F8-EA1C-491D-963C-2C881B2F918F}" type="datetimeFigureOut">
               <a:rPr lang="en-GB" smtClean="0"/>
-              <a:t>24/02/2023</a:t>
+              <a:t>03/11/2023</a:t>
             </a:fld>
             <a:endParaRPr lang="en-GB"/>
           </a:p>
@@ -3653,7 +3669,7 @@
           <a:p>
             <a:fld id="{EB0080F8-EA1C-491D-963C-2C881B2F918F}" type="datetimeFigureOut">
               <a:rPr lang="en-GB" smtClean="0"/>
-              <a:t>24/02/2023</a:t>
+              <a:t>03/11/2023</a:t>
             </a:fld>
             <a:endParaRPr lang="en-GB"/>
           </a:p>
@@ -4730,21 +4746,38 @@
             <a:pPr lvl="1"/>
             <a:r>
               <a:rPr lang="en-GB" sz="2600" dirty="0"/>
-              <a:t>The link is </a:t>
-            </a:r>
-            <a:r>
-              <a:rPr lang="en-GB" sz="2600" dirty="0">
+              <a:t>The link </a:t>
+            </a:r>
+            <a:r>
+              <a:rPr lang="en-GB" sz="2600"/>
+              <a:t>is </a:t>
+            </a:r>
+            <a:r>
+              <a:rPr lang="en-GB" sz="2600" b="0" i="0" u="sng">
+                <a:solidFill>
+                  <a:srgbClr val="0563C1"/>
+                </a:solidFill>
+                <a:effectLst/>
                 <a:hlinkClick r:id="rId4"/>
               </a:rPr>
-              <a:t>https://tinyurl.com/rcds2022-23</a:t>
-            </a:r>
-            <a:endParaRPr lang="en-GB" sz="2600" dirty="0"/>
+              <a:t>https://tinyurl.com/feedback-rcds</a:t>
+            </a:r>
+            <a:endParaRPr lang="en-GB" sz="2600" b="0" i="0" u="sng">
+              <a:solidFill>
+                <a:srgbClr val="0563C1"/>
+              </a:solidFill>
+              <a:effectLst/>
+            </a:endParaRPr>
           </a:p>
           <a:p>
             <a:pPr lvl="1"/>
             <a:r>
+              <a:rPr lang="en-GB" sz="2600"/>
+              <a:t>You </a:t>
+            </a:r>
+            <a:r>
               <a:rPr lang="en-GB" sz="2600" dirty="0"/>
-              <a:t>You should also have received an email with this link</a:t>
+              <a:t>should also have received an email with this link</a:t>
             </a:r>
           </a:p>
           <a:p>

--- a/Plotting in Python with Matplotlib Slides.pptx
+++ b/Plotting in Python with Matplotlib Slides.pptx
@@ -138,7 +138,7 @@
 <file path=ppt/revisionInfo.xml><?xml version="1.0" encoding="utf-8"?>
 <p1510:revInfo xmlns:a="http://schemas.openxmlformats.org/drawingml/2006/main" xmlns:r="http://schemas.openxmlformats.org/officeDocument/2006/relationships" xmlns:p1510="http://schemas.microsoft.com/office/powerpoint/2015/10/main">
   <p1510:revLst>
-    <p1510:client id="{739BE2D0-369D-4BD5-8BA6-94C4381AF508}" v="2" dt="2025-02-17T10:26:14.587"/>
+    <p1510:client id="{739BE2D0-369D-4BD5-8BA6-94C4381AF508}" v="3" dt="2025-02-17T10:47:47.117"/>
   </p1510:revLst>
 </p1510:revInfo>
 </file>
@@ -687,6 +687,90 @@
           <a:bodyPr/>
           <a:lstStyle/>
           <a:p>
+            <a:endParaRPr lang="en-GB"/>
+          </a:p>
+        </p:txBody>
+      </p:sp>
+      <p:sp>
+        <p:nvSpPr>
+          <p:cNvPr id="4" name="Slide Number Placeholder 3"/>
+          <p:cNvSpPr>
+            <a:spLocks noGrp="1"/>
+          </p:cNvSpPr>
+          <p:nvPr>
+            <p:ph type="sldNum" sz="quarter" idx="5"/>
+          </p:nvPr>
+        </p:nvSpPr>
+        <p:spPr/>
+        <p:txBody>
+          <a:bodyPr/>
+          <a:lstStyle/>
+          <a:p>
+            <a:fld id="{877663E2-27CE-4C79-91D3-7F5C4262D57F}" type="slidenum">
+              <a:rPr lang="en-US" smtClean="0"/>
+              <a:t>4</a:t>
+            </a:fld>
+            <a:endParaRPr lang="en-US"/>
+          </a:p>
+        </p:txBody>
+      </p:sp>
+    </p:spTree>
+    <p:extLst>
+      <p:ext uri="{BB962C8B-B14F-4D97-AF65-F5344CB8AC3E}">
+        <p14:creationId xmlns:p14="http://schemas.microsoft.com/office/powerpoint/2010/main" val="3034337368"/>
+      </p:ext>
+    </p:extLst>
+  </p:cSld>
+  <p:clrMapOvr>
+    <a:masterClrMapping/>
+  </p:clrMapOvr>
+</p:notes>
+</file>
+
+<file path=ppt/notesSlides/notesSlide3.xml><?xml version="1.0" encoding="utf-8"?>
+<p:notes xmlns:a="http://schemas.openxmlformats.org/drawingml/2006/main" xmlns:r="http://schemas.openxmlformats.org/officeDocument/2006/relationships" xmlns:p="http://schemas.openxmlformats.org/presentationml/2006/main">
+  <p:cSld>
+    <p:spTree>
+      <p:nvGrpSpPr>
+        <p:cNvPr id="1" name=""/>
+        <p:cNvGrpSpPr/>
+        <p:nvPr/>
+      </p:nvGrpSpPr>
+      <p:grpSpPr>
+        <a:xfrm>
+          <a:off x="0" y="0"/>
+          <a:ext cx="0" cy="0"/>
+          <a:chOff x="0" y="0"/>
+          <a:chExt cx="0" cy="0"/>
+        </a:xfrm>
+      </p:grpSpPr>
+      <p:sp>
+        <p:nvSpPr>
+          <p:cNvPr id="2" name="Slide Image Placeholder 1"/>
+          <p:cNvSpPr>
+            <a:spLocks noGrp="1" noRot="1" noChangeAspect="1"/>
+          </p:cNvSpPr>
+          <p:nvPr>
+            <p:ph type="sldImg"/>
+          </p:nvPr>
+        </p:nvSpPr>
+        <p:spPr/>
+      </p:sp>
+      <p:sp>
+        <p:nvSpPr>
+          <p:cNvPr id="3" name="Notes Placeholder 2"/>
+          <p:cNvSpPr>
+            <a:spLocks noGrp="1"/>
+          </p:cNvSpPr>
+          <p:nvPr>
+            <p:ph type="body" idx="1"/>
+          </p:nvPr>
+        </p:nvSpPr>
+        <p:spPr/>
+        <p:txBody>
+          <a:bodyPr/>
+          <a:lstStyle/>
+          <a:p>
             <a:pPr marL="0" marR="0" lvl="0" indent="0" algn="l" defTabSz="914400" rtl="0" eaLnBrk="0" fontAlgn="base" latinLnBrk="0" hangingPunct="0">
               <a:lnSpc>
                 <a:spcPct val="100000"/>
@@ -747,7 +831,7 @@
 </p:notes>
 </file>
 
-<file path=ppt/notesSlides/notesSlide3.xml><?xml version="1.0" encoding="utf-8"?>
+<file path=ppt/notesSlides/notesSlide4.xml><?xml version="1.0" encoding="utf-8"?>
 <p:notes xmlns:a="http://schemas.openxmlformats.org/drawingml/2006/main" xmlns:r="http://schemas.openxmlformats.org/officeDocument/2006/relationships" xmlns:p="http://schemas.openxmlformats.org/presentationml/2006/main">
   <p:cSld>
     <p:spTree>
@@ -19744,7 +19828,7 @@
                 <a:latin typeface="Arial" panose="020B0604020202020204" pitchFamily="34" charset="0"/>
                 <a:ea typeface="Calibri" panose="020F0502020204030204" pitchFamily="34" charset="0"/>
                 <a:cs typeface="Arial" panose="020B0604020202020204" pitchFamily="34" charset="0"/>
-                <a:hlinkClick r:id="rId2"/>
+                <a:hlinkClick r:id="rId3"/>
               </a:rPr>
               <a:t>GitHub repository</a:t>
             </a:r>
@@ -19778,7 +19862,7 @@
                 <a:latin typeface="Arial" panose="020B0604020202020204" pitchFamily="34" charset="0"/>
                 <a:ea typeface="Calibri" panose="020F0502020204030204" pitchFamily="34" charset="0"/>
                 <a:cs typeface="Arial" panose="020B0604020202020204" pitchFamily="34" charset="0"/>
-                <a:hlinkClick r:id="rId3"/>
+                <a:hlinkClick r:id="rId4"/>
               </a:rPr>
               <a:t>readme</a:t>
             </a:r>

--- a/Plotting in Python with Matplotlib Slides.pptx
+++ b/Plotting in Python with Matplotlib Slides.pptx
@@ -5,16 +5,17 @@
     <p:sldMasterId id="2147483648" r:id="rId1"/>
   </p:sldMasterIdLst>
   <p:notesMasterIdLst>
-    <p:notesMasterId r:id="rId9"/>
+    <p:notesMasterId r:id="rId10"/>
   </p:notesMasterIdLst>
   <p:sldIdLst>
     <p:sldId id="324" r:id="rId2"/>
     <p:sldId id="334" r:id="rId3"/>
     <p:sldId id="361" r:id="rId4"/>
     <p:sldId id="408" r:id="rId5"/>
-    <p:sldId id="359" r:id="rId6"/>
-    <p:sldId id="406" r:id="rId7"/>
-    <p:sldId id="279" r:id="rId8"/>
+    <p:sldId id="407" r:id="rId6"/>
+    <p:sldId id="359" r:id="rId7"/>
+    <p:sldId id="406" r:id="rId8"/>
+    <p:sldId id="279" r:id="rId9"/>
   </p:sldIdLst>
   <p:sldSz cx="12192000" cy="6858000"/>
   <p:notesSz cx="6858000" cy="9144000"/>
@@ -138,7 +139,7 @@
 <file path=ppt/revisionInfo.xml><?xml version="1.0" encoding="utf-8"?>
 <p1510:revInfo xmlns:a="http://schemas.openxmlformats.org/drawingml/2006/main" xmlns:r="http://schemas.openxmlformats.org/officeDocument/2006/relationships" xmlns:p1510="http://schemas.microsoft.com/office/powerpoint/2015/10/main">
   <p1510:revLst>
-    <p1510:client id="{739BE2D0-369D-4BD5-8BA6-94C4381AF508}" v="3" dt="2025-02-17T10:47:47.117"/>
+    <p1510:client id="{739BE2D0-369D-4BD5-8BA6-94C4381AF508}" v="6" dt="2025-02-17T10:55:40.550"/>
   </p1510:revLst>
 </p1510:revInfo>
 </file>
@@ -148,7 +149,7 @@
   <pc:docChgLst>
     <pc:chgData name="Cooling, Chris" userId="6dcf99c9-2ba5-410a-8445-0893a3d1421f" providerId="ADAL" clId="{739BE2D0-369D-4BD5-8BA6-94C4381AF508}"/>
     <pc:docChg chg="custSel addSld delSld modSld">
-      <pc:chgData name="Cooling, Chris" userId="6dcf99c9-2ba5-410a-8445-0893a3d1421f" providerId="ADAL" clId="{739BE2D0-369D-4BD5-8BA6-94C4381AF508}" dt="2025-02-17T10:26:50.293" v="137" actId="20577"/>
+      <pc:chgData name="Cooling, Chris" userId="6dcf99c9-2ba5-410a-8445-0893a3d1421f" providerId="ADAL" clId="{739BE2D0-369D-4BD5-8BA6-94C4381AF508}" dt="2025-02-17T10:56:17.387" v="599" actId="20577"/>
       <pc:docMkLst>
         <pc:docMk/>
       </pc:docMkLst>
@@ -202,6 +203,21 @@
             <pc:docMk/>
             <pc:sldMk cId="16407505" sldId="361"/>
             <ac:spMk id="3" creationId="{3059243C-26C4-B42B-1D89-75DB3A5CA945}"/>
+          </ac:spMkLst>
+        </pc:spChg>
+      </pc:sldChg>
+      <pc:sldChg chg="modSp add mod">
+        <pc:chgData name="Cooling, Chris" userId="6dcf99c9-2ba5-410a-8445-0893a3d1421f" providerId="ADAL" clId="{739BE2D0-369D-4BD5-8BA6-94C4381AF508}" dt="2025-02-17T10:56:17.387" v="599" actId="20577"/>
+        <pc:sldMkLst>
+          <pc:docMk/>
+          <pc:sldMk cId="4288594215" sldId="407"/>
+        </pc:sldMkLst>
+        <pc:spChg chg="mod">
+          <ac:chgData name="Cooling, Chris" userId="6dcf99c9-2ba5-410a-8445-0893a3d1421f" providerId="ADAL" clId="{739BE2D0-369D-4BD5-8BA6-94C4381AF508}" dt="2025-02-17T10:56:17.387" v="599" actId="20577"/>
+          <ac:spMkLst>
+            <pc:docMk/>
+            <pc:sldMk cId="4288594215" sldId="407"/>
+            <ac:spMk id="3" creationId="{AE72B19A-BAEF-7DAE-DDC1-54394DA86691}"/>
           </ac:spMkLst>
         </pc:spChg>
       </pc:sldChg>
@@ -771,26 +787,14 @@
           <a:bodyPr/>
           <a:lstStyle/>
           <a:p>
-            <a:pPr marL="0" marR="0" lvl="0" indent="0" algn="l" defTabSz="914400" rtl="0" eaLnBrk="0" fontAlgn="base" latinLnBrk="0" hangingPunct="0">
-              <a:lnSpc>
-                <a:spcPct val="100000"/>
-              </a:lnSpc>
-              <a:spcBef>
-                <a:spcPct val="30000"/>
-              </a:spcBef>
-              <a:spcAft>
-                <a:spcPct val="0"/>
-              </a:spcAft>
-              <a:buClrTx/>
-              <a:buSzTx/>
-              <a:buFontTx/>
-              <a:buNone/>
-              <a:tabLst/>
-              <a:defRPr/>
-            </a:pPr>
-            <a:endParaRPr lang="en-GB" dirty="0"/>
-          </a:p>
-          <a:p>
+            <a:r>
+              <a:rPr lang="en-GB" dirty="0"/>
+              <a:t>Check Gotchas/gotchas.f90 for example of behaviour you might </a:t>
+            </a:r>
+            <a:r>
+              <a:rPr lang="en-GB"/>
+              <a:t>not expect.</a:t>
+            </a:r>
             <a:endParaRPr lang="en-GB" dirty="0"/>
           </a:p>
         </p:txBody>
@@ -821,7 +825,7 @@
     </p:spTree>
     <p:extLst>
       <p:ext uri="{BB962C8B-B14F-4D97-AF65-F5344CB8AC3E}">
-        <p14:creationId xmlns:p14="http://schemas.microsoft.com/office/powerpoint/2010/main" val="328910392"/>
+        <p14:creationId xmlns:p14="http://schemas.microsoft.com/office/powerpoint/2010/main" val="3397840344"/>
       </p:ext>
     </p:extLst>
   </p:cSld>
@@ -875,14 +879,27 @@
           <a:bodyPr/>
           <a:lstStyle/>
           <a:p>
-            <a:r>
-              <a:rPr lang="en-GB" dirty="0"/>
-              <a:t>Remove after </a:t>
-            </a:r>
-            <a:r>
-              <a:rPr lang="en-GB"/>
-              <a:t>PRES closes</a:t>
-            </a:r>
+            <a:pPr marL="0" marR="0" lvl="0" indent="0" algn="l" defTabSz="914400" rtl="0" eaLnBrk="0" fontAlgn="base" latinLnBrk="0" hangingPunct="0">
+              <a:lnSpc>
+                <a:spcPct val="100000"/>
+              </a:lnSpc>
+              <a:spcBef>
+                <a:spcPct val="30000"/>
+              </a:spcBef>
+              <a:spcAft>
+                <a:spcPct val="0"/>
+              </a:spcAft>
+              <a:buClrTx/>
+              <a:buSzTx/>
+              <a:buFontTx/>
+              <a:buNone/>
+              <a:tabLst/>
+              <a:defRPr/>
+            </a:pPr>
+            <a:endParaRPr lang="en-GB" dirty="0"/>
+          </a:p>
+          <a:p>
+            <a:endParaRPr lang="en-GB" dirty="0"/>
           </a:p>
         </p:txBody>
       </p:sp>
@@ -904,6 +921,97 @@
             <a:fld id="{877663E2-27CE-4C79-91D3-7F5C4262D57F}" type="slidenum">
               <a:rPr lang="en-US" smtClean="0"/>
               <a:t>6</a:t>
+            </a:fld>
+            <a:endParaRPr lang="en-US"/>
+          </a:p>
+        </p:txBody>
+      </p:sp>
+    </p:spTree>
+    <p:extLst>
+      <p:ext uri="{BB962C8B-B14F-4D97-AF65-F5344CB8AC3E}">
+        <p14:creationId xmlns:p14="http://schemas.microsoft.com/office/powerpoint/2010/main" val="328910392"/>
+      </p:ext>
+    </p:extLst>
+  </p:cSld>
+  <p:clrMapOvr>
+    <a:masterClrMapping/>
+  </p:clrMapOvr>
+</p:notes>
+</file>
+
+<file path=ppt/notesSlides/notesSlide5.xml><?xml version="1.0" encoding="utf-8"?>
+<p:notes xmlns:a="http://schemas.openxmlformats.org/drawingml/2006/main" xmlns:r="http://schemas.openxmlformats.org/officeDocument/2006/relationships" xmlns:p="http://schemas.openxmlformats.org/presentationml/2006/main">
+  <p:cSld>
+    <p:spTree>
+      <p:nvGrpSpPr>
+        <p:cNvPr id="1" name=""/>
+        <p:cNvGrpSpPr/>
+        <p:nvPr/>
+      </p:nvGrpSpPr>
+      <p:grpSpPr>
+        <a:xfrm>
+          <a:off x="0" y="0"/>
+          <a:ext cx="0" cy="0"/>
+          <a:chOff x="0" y="0"/>
+          <a:chExt cx="0" cy="0"/>
+        </a:xfrm>
+      </p:grpSpPr>
+      <p:sp>
+        <p:nvSpPr>
+          <p:cNvPr id="2" name="Slide Image Placeholder 1"/>
+          <p:cNvSpPr>
+            <a:spLocks noGrp="1" noRot="1" noChangeAspect="1"/>
+          </p:cNvSpPr>
+          <p:nvPr>
+            <p:ph type="sldImg"/>
+          </p:nvPr>
+        </p:nvSpPr>
+        <p:spPr/>
+      </p:sp>
+      <p:sp>
+        <p:nvSpPr>
+          <p:cNvPr id="3" name="Notes Placeholder 2"/>
+          <p:cNvSpPr>
+            <a:spLocks noGrp="1"/>
+          </p:cNvSpPr>
+          <p:nvPr>
+            <p:ph type="body" idx="1"/>
+          </p:nvPr>
+        </p:nvSpPr>
+        <p:spPr/>
+        <p:txBody>
+          <a:bodyPr/>
+          <a:lstStyle/>
+          <a:p>
+            <a:r>
+              <a:rPr lang="en-GB" dirty="0"/>
+              <a:t>Remove after </a:t>
+            </a:r>
+            <a:r>
+              <a:rPr lang="en-GB"/>
+              <a:t>PRES closes</a:t>
+            </a:r>
+          </a:p>
+        </p:txBody>
+      </p:sp>
+      <p:sp>
+        <p:nvSpPr>
+          <p:cNvPr id="4" name="Slide Number Placeholder 3"/>
+          <p:cNvSpPr>
+            <a:spLocks noGrp="1"/>
+          </p:cNvSpPr>
+          <p:nvPr>
+            <p:ph type="sldNum" sz="quarter" idx="5"/>
+          </p:nvPr>
+        </p:nvSpPr>
+        <p:spPr/>
+        <p:txBody>
+          <a:bodyPr/>
+          <a:lstStyle/>
+          <a:p>
+            <a:fld id="{877663E2-27CE-4C79-91D3-7F5C4262D57F}" type="slidenum">
+              <a:rPr lang="en-US" smtClean="0"/>
+              <a:t>7</a:t>
             </a:fld>
             <a:endParaRPr lang="en-US"/>
           </a:p>
@@ -20071,6 +20179,342 @@
   <p:cSld>
     <p:spTree>
       <p:nvGrpSpPr>
+        <p:cNvPr id="1" name=""/>
+        <p:cNvGrpSpPr/>
+        <p:nvPr/>
+      </p:nvGrpSpPr>
+      <p:grpSpPr>
+        <a:xfrm>
+          <a:off x="0" y="0"/>
+          <a:ext cx="0" cy="0"/>
+          <a:chOff x="0" y="0"/>
+          <a:chExt cx="0" cy="0"/>
+        </a:xfrm>
+      </p:grpSpPr>
+      <p:sp>
+        <p:nvSpPr>
+          <p:cNvPr id="2" name="Title 1">
+            <a:extLst>
+              <a:ext uri="{FF2B5EF4-FFF2-40B4-BE49-F238E27FC236}">
+                <a16:creationId xmlns:a16="http://schemas.microsoft.com/office/drawing/2014/main" id="{6F5D226D-AEEE-9CAD-EC6D-58B1E3EBB257}"/>
+              </a:ext>
+            </a:extLst>
+          </p:cNvPr>
+          <p:cNvSpPr>
+            <a:spLocks noGrp="1"/>
+          </p:cNvSpPr>
+          <p:nvPr>
+            <p:ph type="title"/>
+          </p:nvPr>
+        </p:nvSpPr>
+        <p:spPr>
+          <a:xfrm>
+            <a:off x="325438" y="251619"/>
+            <a:ext cx="11541125" cy="378619"/>
+          </a:xfrm>
+        </p:spPr>
+        <p:txBody>
+          <a:bodyPr/>
+          <a:lstStyle/>
+          <a:p>
+            <a:r>
+              <a:rPr lang="en-GB" sz="2800" dirty="0" err="1"/>
+              <a:t>ReCoDE</a:t>
+            </a:r>
+            <a:endParaRPr lang="en-US" dirty="0"/>
+          </a:p>
+        </p:txBody>
+      </p:sp>
+      <p:sp>
+        <p:nvSpPr>
+          <p:cNvPr id="5" name="Date Placeholder 4">
+            <a:extLst>
+              <a:ext uri="{FF2B5EF4-FFF2-40B4-BE49-F238E27FC236}">
+                <a16:creationId xmlns:a16="http://schemas.microsoft.com/office/drawing/2014/main" id="{06F2808B-580A-CD49-CD2A-D7F17413484C}"/>
+              </a:ext>
+            </a:extLst>
+          </p:cNvPr>
+          <p:cNvSpPr>
+            <a:spLocks noGrp="1"/>
+          </p:cNvSpPr>
+          <p:nvPr>
+            <p:ph type="dt" sz="half" idx="10"/>
+          </p:nvPr>
+        </p:nvSpPr>
+        <p:spPr>
+          <a:xfrm>
+            <a:off x="10641013" y="6393657"/>
+            <a:ext cx="1234282" cy="137319"/>
+          </a:xfrm>
+        </p:spPr>
+        <p:txBody>
+          <a:bodyPr/>
+          <a:lstStyle/>
+          <a:p>
+            <a:fld id="{4B4BC937-2805-4BE1-9C10-C67D8B6C9243}" type="datetime1">
+              <a:rPr lang="en-GB" smtClean="0"/>
+              <a:t>17/02/2025</a:t>
+            </a:fld>
+            <a:endParaRPr lang="en-GB"/>
+          </a:p>
+        </p:txBody>
+      </p:sp>
+      <p:sp>
+        <p:nvSpPr>
+          <p:cNvPr id="6" name="Footer Placeholder 5">
+            <a:extLst>
+              <a:ext uri="{FF2B5EF4-FFF2-40B4-BE49-F238E27FC236}">
+                <a16:creationId xmlns:a16="http://schemas.microsoft.com/office/drawing/2014/main" id="{A14F2B04-CF1B-39C4-E124-D0EE6DA13CD5}"/>
+              </a:ext>
+            </a:extLst>
+          </p:cNvPr>
+          <p:cNvSpPr>
+            <a:spLocks noGrp="1"/>
+          </p:cNvSpPr>
+          <p:nvPr>
+            <p:ph type="ftr" sz="quarter" idx="11"/>
+          </p:nvPr>
+        </p:nvSpPr>
+        <p:spPr>
+          <a:xfrm>
+            <a:off x="1965325" y="6393657"/>
+            <a:ext cx="5313110" cy="137319"/>
+          </a:xfrm>
+        </p:spPr>
+        <p:txBody>
+          <a:bodyPr/>
+          <a:lstStyle/>
+          <a:p>
+            <a:r>
+              <a:rPr lang="en-GB" dirty="0"/>
+              <a:t>Introduction to Fortran</a:t>
+            </a:r>
+          </a:p>
+        </p:txBody>
+      </p:sp>
+      <p:sp>
+        <p:nvSpPr>
+          <p:cNvPr id="7" name="Slide Number Placeholder 6">
+            <a:extLst>
+              <a:ext uri="{FF2B5EF4-FFF2-40B4-BE49-F238E27FC236}">
+                <a16:creationId xmlns:a16="http://schemas.microsoft.com/office/drawing/2014/main" id="{2A0CE7C2-9D41-F6F6-A942-18570AA935CD}"/>
+              </a:ext>
+            </a:extLst>
+          </p:cNvPr>
+          <p:cNvSpPr>
+            <a:spLocks noGrp="1"/>
+          </p:cNvSpPr>
+          <p:nvPr>
+            <p:ph type="sldNum" sz="quarter" idx="12"/>
+          </p:nvPr>
+        </p:nvSpPr>
+        <p:spPr>
+          <a:xfrm>
+            <a:off x="5936457" y="6393657"/>
+            <a:ext cx="495218" cy="137319"/>
+          </a:xfrm>
+        </p:spPr>
+        <p:txBody>
+          <a:bodyPr/>
+          <a:lstStyle/>
+          <a:p>
+            <a:fld id="{CBA53E11-492D-48B3-9F9B-09541CA2A39A}" type="slidenum">
+              <a:rPr lang="en-GB" smtClean="0"/>
+              <a:pPr/>
+              <a:t>5</a:t>
+            </a:fld>
+            <a:endParaRPr lang="en-GB"/>
+          </a:p>
+        </p:txBody>
+      </p:sp>
+      <p:sp>
+        <p:nvSpPr>
+          <p:cNvPr id="3" name="Content Placeholder 6">
+            <a:extLst>
+              <a:ext uri="{FF2B5EF4-FFF2-40B4-BE49-F238E27FC236}">
+                <a16:creationId xmlns:a16="http://schemas.microsoft.com/office/drawing/2014/main" id="{AE72B19A-BAEF-7DAE-DDC1-54394DA86691}"/>
+              </a:ext>
+            </a:extLst>
+          </p:cNvPr>
+          <p:cNvSpPr>
+            <a:spLocks noGrp="1"/>
+          </p:cNvSpPr>
+          <p:nvPr>
+            <p:ph idx="1"/>
+          </p:nvPr>
+        </p:nvSpPr>
+        <p:spPr>
+          <a:xfrm>
+            <a:off x="457199" y="1600200"/>
+            <a:ext cx="11409363" cy="4525963"/>
+          </a:xfrm>
+        </p:spPr>
+        <p:txBody>
+          <a:bodyPr/>
+          <a:lstStyle/>
+          <a:p>
+            <a:pPr marL="342900" indent="-342900">
+              <a:buFont typeface="Arial" panose="020B0604020202020204" pitchFamily="34" charset="0"/>
+              <a:buChar char="•"/>
+            </a:pPr>
+            <a:r>
+              <a:rPr lang="en-GB" dirty="0"/>
+              <a:t>The RCDS team has curated a collection of annotated </a:t>
+            </a:r>
+            <a:r>
+              <a:rPr lang="en-GB" dirty="0">
+                <a:hlinkClick r:id="rId3"/>
+              </a:rPr>
+              <a:t>exemplar projects</a:t>
+            </a:r>
+            <a:r>
+              <a:rPr lang="en-GB" dirty="0"/>
+              <a:t> known as </a:t>
+            </a:r>
+            <a:r>
+              <a:rPr lang="en-GB" dirty="0" err="1">
+                <a:hlinkClick r:id="rId4"/>
+              </a:rPr>
+              <a:t>ReCoDE</a:t>
+            </a:r>
+            <a:endParaRPr lang="en-GB" dirty="0"/>
+          </a:p>
+          <a:p>
+            <a:pPr marL="342900" indent="-342900">
+              <a:buFont typeface="Arial" panose="020B0604020202020204" pitchFamily="34" charset="0"/>
+              <a:buChar char="•"/>
+            </a:pPr>
+            <a:r>
+              <a:rPr lang="en-GB" dirty="0"/>
+              <a:t>These demonstrate core research computing and data science principles applied to real problems</a:t>
+            </a:r>
+          </a:p>
+          <a:p>
+            <a:pPr marL="342900" indent="-342900">
+              <a:buFont typeface="Arial" panose="020B0604020202020204" pitchFamily="34" charset="0"/>
+              <a:buChar char="•"/>
+            </a:pPr>
+            <a:r>
+              <a:rPr lang="en-GB" dirty="0"/>
+              <a:t>Accompanied by detailed descriptions of how they work, and the design decisions taken.</a:t>
+            </a:r>
+          </a:p>
+          <a:p>
+            <a:pPr marL="342900" lvl="1" indent="-342900">
+              <a:buFont typeface="Arial" panose="020B0604020202020204" pitchFamily="34" charset="0"/>
+              <a:buChar char="•"/>
+            </a:pPr>
+            <a:r>
+              <a:rPr lang="en-GB" dirty="0"/>
+              <a:t>Exemplars using Matplotlib:</a:t>
+            </a:r>
+          </a:p>
+          <a:p>
+            <a:pPr marL="504891" lvl="2" indent="-342900"/>
+            <a:r>
+              <a:rPr lang="en-GB" dirty="0">
+                <a:hlinkClick r:id="rId5"/>
+              </a:rPr>
+              <a:t>Euler-Maruyama</a:t>
+            </a:r>
+            <a:endParaRPr lang="en-GB" dirty="0"/>
+          </a:p>
+          <a:p>
+            <a:pPr marL="666884" lvl="3" indent="-342900"/>
+            <a:r>
+              <a:rPr lang="en-GB" dirty="0"/>
+              <a:t>Solves stochastic differential equations</a:t>
+            </a:r>
+          </a:p>
+          <a:p>
+            <a:pPr marL="666884" lvl="3" indent="-342900"/>
+            <a:r>
+              <a:rPr lang="en-GB" dirty="0"/>
+              <a:t>Written in Python using </a:t>
+            </a:r>
+            <a:r>
+              <a:rPr lang="en-GB" dirty="0" err="1"/>
+              <a:t>Numpy</a:t>
+            </a:r>
+            <a:r>
+              <a:rPr lang="en-GB" dirty="0"/>
+              <a:t> and object-oriented design</a:t>
+            </a:r>
+          </a:p>
+          <a:p>
+            <a:pPr marL="666884" lvl="3" indent="-342900"/>
+            <a:r>
+              <a:rPr lang="en-GB" dirty="0"/>
+              <a:t>Plots outputs </a:t>
+            </a:r>
+            <a:r>
+              <a:rPr lang="en-GB"/>
+              <a:t>using </a:t>
+            </a:r>
+            <a:r>
+              <a:rPr lang="en-GB" dirty="0"/>
+              <a:t>M</a:t>
+            </a:r>
+            <a:r>
+              <a:rPr lang="en-GB"/>
+              <a:t>atplotlib</a:t>
+            </a:r>
+            <a:endParaRPr lang="en-GB" dirty="0"/>
+          </a:p>
+          <a:p>
+            <a:pPr marL="504891" lvl="2" indent="-342900"/>
+            <a:r>
+              <a:rPr lang="en-GB" dirty="0">
+                <a:hlinkClick r:id="rId6"/>
+              </a:rPr>
+              <a:t>SPH Solver for 2D Navier-Stokes</a:t>
+            </a:r>
+            <a:endParaRPr lang="en-GB" dirty="0"/>
+          </a:p>
+          <a:p>
+            <a:pPr marL="666884" lvl="3" indent="-342900"/>
+            <a:r>
+              <a:rPr lang="en-GB" dirty="0"/>
+              <a:t>Solves Navier-Stokes fluid dynamics equations</a:t>
+            </a:r>
+          </a:p>
+          <a:p>
+            <a:pPr marL="666884" lvl="3" indent="-342900"/>
+            <a:r>
+              <a:rPr lang="en-GB" dirty="0"/>
+              <a:t>Written primarily in C++</a:t>
+            </a:r>
+          </a:p>
+          <a:p>
+            <a:pPr marL="666884" lvl="3" indent="-342900"/>
+            <a:r>
+              <a:rPr lang="en-GB" dirty="0"/>
+              <a:t>Reads output files using Python and plots outputs with Matplotlib</a:t>
+            </a:r>
+          </a:p>
+        </p:txBody>
+      </p:sp>
+    </p:spTree>
+    <p:extLst>
+      <p:ext uri="{BB962C8B-B14F-4D97-AF65-F5344CB8AC3E}">
+        <p14:creationId xmlns:p14="http://schemas.microsoft.com/office/powerpoint/2010/main" val="4288594215"/>
+      </p:ext>
+    </p:extLst>
+  </p:cSld>
+  <p:clrMapOvr>
+    <a:masterClrMapping/>
+  </p:clrMapOvr>
+  <p:transition>
+    <p:fade/>
+  </p:transition>
+</p:sld>
+</file>
+
+<file path=ppt/slides/slide6.xml><?xml version="1.0" encoding="utf-8"?>
+<p:sld xmlns:a="http://schemas.openxmlformats.org/drawingml/2006/main" xmlns:r="http://schemas.openxmlformats.org/officeDocument/2006/relationships" xmlns:p="http://schemas.openxmlformats.org/presentationml/2006/main">
+  <p:cSld>
+    <p:spTree>
+      <p:nvGrpSpPr>
         <p:cNvPr id="1" name="">
           <a:extLst>
             <a:ext uri="{FF2B5EF4-FFF2-40B4-BE49-F238E27FC236}">
@@ -20200,7 +20644,7 @@
             <a:fld id="{CBA53E11-492D-48B3-9F9B-09541CA2A39A}" type="slidenum">
               <a:rPr lang="en-GB" smtClean="0"/>
               <a:pPr/>
-              <a:t>5</a:t>
+              <a:t>6</a:t>
             </a:fld>
             <a:endParaRPr lang="en-GB"/>
           </a:p>
@@ -20399,7 +20843,7 @@
 </p:sld>
 </file>
 
-<file path=ppt/slides/slide6.xml><?xml version="1.0" encoding="utf-8"?>
+<file path=ppt/slides/slide7.xml><?xml version="1.0" encoding="utf-8"?>
 <p:sld xmlns:a="http://schemas.openxmlformats.org/drawingml/2006/main" xmlns:r="http://schemas.openxmlformats.org/officeDocument/2006/relationships" xmlns:p="http://schemas.openxmlformats.org/presentationml/2006/main">
   <p:cSld>
     <p:spTree>
@@ -20675,7 +21119,7 @@
 </p:sld>
 </file>
 
-<file path=ppt/slides/slide7.xml><?xml version="1.0" encoding="utf-8"?>
+<file path=ppt/slides/slide8.xml><?xml version="1.0" encoding="utf-8"?>
 <p:sld xmlns:a="http://schemas.openxmlformats.org/drawingml/2006/main" xmlns:r="http://schemas.openxmlformats.org/officeDocument/2006/relationships" xmlns:p="http://schemas.openxmlformats.org/presentationml/2006/main">
   <p:cSld>
     <p:spTree>

--- a/Plotting in Python with Matplotlib Slides.pptx
+++ b/Plotting in Python with Matplotlib Slides.pptx
@@ -14,11 +14,18 @@
     <p:sldId id="408" r:id="rId5"/>
     <p:sldId id="407" r:id="rId6"/>
     <p:sldId id="359" r:id="rId7"/>
-    <p:sldId id="406" r:id="rId8"/>
+    <p:sldId id="276" r:id="rId8"/>
     <p:sldId id="279" r:id="rId9"/>
   </p:sldIdLst>
   <p:sldSz cx="12192000" cy="6858000"/>
   <p:notesSz cx="6858000" cy="9144000"/>
+  <p:embeddedFontLst>
+    <p:embeddedFont>
+      <p:font typeface="Imperial Sans Display" panose="020B0503020202020204" pitchFamily="34" charset="0"/>
+      <p:regular r:id="rId11"/>
+      <p:bold r:id="rId12"/>
+    </p:embeddedFont>
+  </p:embeddedFontLst>
   <p:defaultTextStyle>
     <a:defPPr>
       <a:defRPr lang="en-US"/>
@@ -139,13 +146,36 @@
 <file path=ppt/revisionInfo.xml><?xml version="1.0" encoding="utf-8"?>
 <p1510:revInfo xmlns:a="http://schemas.openxmlformats.org/drawingml/2006/main" xmlns:r="http://schemas.openxmlformats.org/officeDocument/2006/relationships" xmlns:p1510="http://schemas.microsoft.com/office/powerpoint/2015/10/main">
   <p1510:revLst>
-    <p1510:client id="{739BE2D0-369D-4BD5-8BA6-94C4381AF508}" v="6" dt="2025-02-17T10:55:40.550"/>
+    <p1510:client id="{7056684F-ED0F-4C32-A0DA-6AFA7F6D1AF8}" v="1" dt="2025-03-25T09:57:02.916"/>
   </p1510:revLst>
 </p1510:revInfo>
 </file>
 
 <file path=ppt/changesInfos/changesInfo1.xml><?xml version="1.0" encoding="utf-8"?>
 <pc:chgInfo xmlns:a="http://schemas.openxmlformats.org/drawingml/2006/main" xmlns:r="http://schemas.openxmlformats.org/officeDocument/2006/relationships" xmlns:ac="http://schemas.microsoft.com/office/drawing/2013/main/command" xmlns:pc="http://schemas.microsoft.com/office/powerpoint/2013/main/command">
+  <pc:docChgLst>
+    <pc:chgData name="Cooling, Chris" userId="6dcf99c9-2ba5-410a-8445-0893a3d1421f" providerId="ADAL" clId="{7056684F-ED0F-4C32-A0DA-6AFA7F6D1AF8}"/>
+    <pc:docChg chg="addSld delSld modSld">
+      <pc:chgData name="Cooling, Chris" userId="6dcf99c9-2ba5-410a-8445-0893a3d1421f" providerId="ADAL" clId="{7056684F-ED0F-4C32-A0DA-6AFA7F6D1AF8}" dt="2025-03-25T09:57:02.900" v="1"/>
+      <pc:docMkLst>
+        <pc:docMk/>
+      </pc:docMkLst>
+      <pc:sldChg chg="add">
+        <pc:chgData name="Cooling, Chris" userId="6dcf99c9-2ba5-410a-8445-0893a3d1421f" providerId="ADAL" clId="{7056684F-ED0F-4C32-A0DA-6AFA7F6D1AF8}" dt="2025-03-25T09:57:02.900" v="1"/>
+        <pc:sldMkLst>
+          <pc:docMk/>
+          <pc:sldMk cId="1031427888" sldId="276"/>
+        </pc:sldMkLst>
+      </pc:sldChg>
+      <pc:sldChg chg="del">
+        <pc:chgData name="Cooling, Chris" userId="6dcf99c9-2ba5-410a-8445-0893a3d1421f" providerId="ADAL" clId="{7056684F-ED0F-4C32-A0DA-6AFA7F6D1AF8}" dt="2025-03-25T09:56:46.495" v="0" actId="47"/>
+        <pc:sldMkLst>
+          <pc:docMk/>
+          <pc:sldMk cId="3543295302" sldId="406"/>
+        </pc:sldMkLst>
+      </pc:sldChg>
+    </pc:docChg>
+  </pc:docChgLst>
   <pc:docChgLst>
     <pc:chgData name="Cooling, Chris" userId="6dcf99c9-2ba5-410a-8445-0893a3d1421f" providerId="ADAL" clId="{739BE2D0-369D-4BD5-8BA6-94C4381AF508}"/>
     <pc:docChg chg="custSel addSld delSld modSld">
@@ -159,14 +189,6 @@
           <pc:docMk/>
           <pc:sldMk cId="4254443235" sldId="322"/>
         </pc:sldMkLst>
-        <pc:spChg chg="mod">
-          <ac:chgData name="Cooling, Chris" userId="6dcf99c9-2ba5-410a-8445-0893a3d1421f" providerId="ADAL" clId="{739BE2D0-369D-4BD5-8BA6-94C4381AF508}" dt="2025-02-17T10:25:04.157" v="47" actId="20577"/>
-          <ac:spMkLst>
-            <pc:docMk/>
-            <pc:sldMk cId="4254443235" sldId="322"/>
-            <ac:spMk id="2" creationId="{EBDB8CFF-383C-D851-D00F-2D379C5EB9AD}"/>
-          </ac:spMkLst>
-        </pc:spChg>
       </pc:sldChg>
       <pc:sldChg chg="modSp add mod">
         <pc:chgData name="Cooling, Chris" userId="6dcf99c9-2ba5-410a-8445-0893a3d1421f" providerId="ADAL" clId="{739BE2D0-369D-4BD5-8BA6-94C4381AF508}" dt="2025-02-17T10:25:48.380" v="133" actId="20577"/>
@@ -308,7 +330,7 @@
           <a:p>
             <a:fld id="{D2E0D2A8-8F95-47C2-ABE1-A779F5A43C98}" type="datetimeFigureOut">
               <a:rPr lang="en-US" smtClean="0"/>
-              <a:t>2/17/2025</a:t>
+              <a:t>3/25/2025</a:t>
             </a:fld>
             <a:endParaRPr lang="en-US"/>
           </a:p>
@@ -939,97 +961,6 @@
 </p:notes>
 </file>
 
-<file path=ppt/notesSlides/notesSlide5.xml><?xml version="1.0" encoding="utf-8"?>
-<p:notes xmlns:a="http://schemas.openxmlformats.org/drawingml/2006/main" xmlns:r="http://schemas.openxmlformats.org/officeDocument/2006/relationships" xmlns:p="http://schemas.openxmlformats.org/presentationml/2006/main">
-  <p:cSld>
-    <p:spTree>
-      <p:nvGrpSpPr>
-        <p:cNvPr id="1" name=""/>
-        <p:cNvGrpSpPr/>
-        <p:nvPr/>
-      </p:nvGrpSpPr>
-      <p:grpSpPr>
-        <a:xfrm>
-          <a:off x="0" y="0"/>
-          <a:ext cx="0" cy="0"/>
-          <a:chOff x="0" y="0"/>
-          <a:chExt cx="0" cy="0"/>
-        </a:xfrm>
-      </p:grpSpPr>
-      <p:sp>
-        <p:nvSpPr>
-          <p:cNvPr id="2" name="Slide Image Placeholder 1"/>
-          <p:cNvSpPr>
-            <a:spLocks noGrp="1" noRot="1" noChangeAspect="1"/>
-          </p:cNvSpPr>
-          <p:nvPr>
-            <p:ph type="sldImg"/>
-          </p:nvPr>
-        </p:nvSpPr>
-        <p:spPr/>
-      </p:sp>
-      <p:sp>
-        <p:nvSpPr>
-          <p:cNvPr id="3" name="Notes Placeholder 2"/>
-          <p:cNvSpPr>
-            <a:spLocks noGrp="1"/>
-          </p:cNvSpPr>
-          <p:nvPr>
-            <p:ph type="body" idx="1"/>
-          </p:nvPr>
-        </p:nvSpPr>
-        <p:spPr/>
-        <p:txBody>
-          <a:bodyPr/>
-          <a:lstStyle/>
-          <a:p>
-            <a:r>
-              <a:rPr lang="en-GB" dirty="0"/>
-              <a:t>Remove after </a:t>
-            </a:r>
-            <a:r>
-              <a:rPr lang="en-GB"/>
-              <a:t>PRES closes</a:t>
-            </a:r>
-          </a:p>
-        </p:txBody>
-      </p:sp>
-      <p:sp>
-        <p:nvSpPr>
-          <p:cNvPr id="4" name="Slide Number Placeholder 3"/>
-          <p:cNvSpPr>
-            <a:spLocks noGrp="1"/>
-          </p:cNvSpPr>
-          <p:nvPr>
-            <p:ph type="sldNum" sz="quarter" idx="5"/>
-          </p:nvPr>
-        </p:nvSpPr>
-        <p:spPr/>
-        <p:txBody>
-          <a:bodyPr/>
-          <a:lstStyle/>
-          <a:p>
-            <a:fld id="{877663E2-27CE-4C79-91D3-7F5C4262D57F}" type="slidenum">
-              <a:rPr lang="en-US" smtClean="0"/>
-              <a:t>7</a:t>
-            </a:fld>
-            <a:endParaRPr lang="en-US"/>
-          </a:p>
-        </p:txBody>
-      </p:sp>
-    </p:spTree>
-    <p:extLst>
-      <p:ext uri="{BB962C8B-B14F-4D97-AF65-F5344CB8AC3E}">
-        <p14:creationId xmlns:p14="http://schemas.microsoft.com/office/powerpoint/2010/main" val="2593689646"/>
-      </p:ext>
-    </p:extLst>
-  </p:cSld>
-  <p:clrMapOvr>
-    <a:masterClrMapping/>
-  </p:clrMapOvr>
-</p:notes>
-</file>
-
 <file path=ppt/slideLayouts/slideLayout1.xml><?xml version="1.0" encoding="utf-8"?>
 <p:sldLayout xmlns:a="http://schemas.openxmlformats.org/drawingml/2006/main" xmlns:r="http://schemas.openxmlformats.org/officeDocument/2006/relationships" xmlns:p="http://schemas.openxmlformats.org/presentationml/2006/main" showMasterSp="0" preserve="1" userDrawn="1">
   <p:cSld name="Title Slide">
@@ -1386,7 +1317,7 @@
           <a:p>
             <a:fld id="{E5C7A2D4-509E-4D1B-BF00-3BBC2642DBBD}" type="datetime1">
               <a:rPr lang="en-GB" smtClean="0"/>
-              <a:t>17/02/2025</a:t>
+              <a:t>25/03/2025</a:t>
             </a:fld>
             <a:endParaRPr lang="en-GB"/>
           </a:p>
@@ -1712,7 +1643,7 @@
           <a:p>
             <a:fld id="{AC718188-43FA-4D60-9911-3A9354CBB8F0}" type="datetime1">
               <a:rPr lang="en-GB" smtClean="0"/>
-              <a:t>17/02/2025</a:t>
+              <a:t>25/03/2025</a:t>
             </a:fld>
             <a:endParaRPr lang="en-GB"/>
           </a:p>
@@ -2040,7 +1971,7 @@
           <a:p>
             <a:fld id="{D5CC1D0C-4BA4-4ED8-8E9E-74B79B8B15AD}" type="datetime1">
               <a:rPr lang="en-GB" smtClean="0"/>
-              <a:t>17/02/2025</a:t>
+              <a:t>25/03/2025</a:t>
             </a:fld>
             <a:endParaRPr lang="en-GB"/>
           </a:p>
@@ -2416,7 +2347,7 @@
           <a:p>
             <a:fld id="{A86C4125-ADB2-42DA-ABE1-4DDAB9F4BC14}" type="datetime1">
               <a:rPr lang="en-GB" smtClean="0"/>
-              <a:t>17/02/2025</a:t>
+              <a:t>25/03/2025</a:t>
             </a:fld>
             <a:endParaRPr lang="en-GB"/>
           </a:p>
@@ -2800,7 +2731,7 @@
           <a:p>
             <a:fld id="{942CF639-5BAD-4ECA-B213-95E662BF0AB8}" type="datetime1">
               <a:rPr lang="en-GB" smtClean="0"/>
-              <a:t>17/02/2025</a:t>
+              <a:t>25/03/2025</a:t>
             </a:fld>
             <a:endParaRPr lang="en-GB"/>
           </a:p>
@@ -3186,7 +3117,7 @@
           <a:p>
             <a:fld id="{F7CB4FB9-61F3-4706-A394-57353A4512E5}" type="datetime1">
               <a:rPr lang="en-GB" smtClean="0"/>
-              <a:t>17/02/2025</a:t>
+              <a:t>25/03/2025</a:t>
             </a:fld>
             <a:endParaRPr lang="en-GB"/>
           </a:p>
@@ -3414,7 +3345,7 @@
           <a:p>
             <a:fld id="{62D0D2E2-81C4-4D6A-95B8-392D5302E143}" type="datetime1">
               <a:rPr lang="en-GB" smtClean="0"/>
-              <a:t>17/02/2025</a:t>
+              <a:t>25/03/2025</a:t>
             </a:fld>
             <a:endParaRPr lang="en-GB"/>
           </a:p>
@@ -3912,7 +3843,7 @@
           <a:p>
             <a:fld id="{49F66B08-35C5-43AE-9AA1-890C9E633C9D}" type="datetime1">
               <a:rPr lang="en-GB" smtClean="0"/>
-              <a:t>17/02/2025</a:t>
+              <a:t>25/03/2025</a:t>
             </a:fld>
             <a:endParaRPr lang="en-GB"/>
           </a:p>
@@ -4412,7 +4343,7 @@
           <a:p>
             <a:fld id="{AE795793-2B16-4B31-9A7C-BA9277BD25E1}" type="datetime1">
               <a:rPr lang="en-GB" smtClean="0"/>
-              <a:t>17/02/2025</a:t>
+              <a:t>25/03/2025</a:t>
             </a:fld>
             <a:endParaRPr lang="en-GB"/>
           </a:p>
@@ -4902,7 +4833,7 @@
           <a:p>
             <a:fld id="{9096E0BA-400D-4C27-9DDD-FF0DB010D912}" type="datetime1">
               <a:rPr lang="en-GB" smtClean="0"/>
-              <a:t>17/02/2025</a:t>
+              <a:t>25/03/2025</a:t>
             </a:fld>
             <a:endParaRPr lang="en-GB"/>
           </a:p>
@@ -5713,7 +5644,7 @@
           <a:p>
             <a:fld id="{AA6FE078-0C53-421F-A43C-9782FD7307AA}" type="datetime1">
               <a:rPr lang="en-GB" smtClean="0"/>
-              <a:t>17/02/2025</a:t>
+              <a:t>25/03/2025</a:t>
             </a:fld>
             <a:endParaRPr lang="en-GB"/>
           </a:p>
@@ -6330,7 +6261,7 @@
           <a:p>
             <a:fld id="{EF24CE61-011F-49EA-A285-6F1DDE0A5DF4}" type="datetime1">
               <a:rPr lang="en-GB" smtClean="0"/>
-              <a:t>17/02/2025</a:t>
+              <a:t>25/03/2025</a:t>
             </a:fld>
             <a:endParaRPr lang="en-GB"/>
           </a:p>
@@ -6950,7 +6881,7 @@
           <a:p>
             <a:fld id="{B38D73BE-E705-46B7-BC89-BC8D7BD278BC}" type="datetime1">
               <a:rPr lang="en-GB" smtClean="0"/>
-              <a:t>17/02/2025</a:t>
+              <a:t>25/03/2025</a:t>
             </a:fld>
             <a:endParaRPr lang="en-GB"/>
           </a:p>
@@ -7121,7 +7052,7 @@
           <a:p>
             <a:fld id="{F14D7CDE-7B1E-4FBD-9A2F-C93AF1E00BB7}" type="datetime1">
               <a:rPr lang="en-GB" smtClean="0"/>
-              <a:t>17/02/2025</a:t>
+              <a:t>25/03/2025</a:t>
             </a:fld>
             <a:endParaRPr lang="en-GB"/>
           </a:p>
@@ -7294,7 +7225,7 @@
           <a:p>
             <a:fld id="{1BD07A87-E6D1-4117-8DC6-92C053157D5F}" type="datetime1">
               <a:rPr lang="en-GB" smtClean="0"/>
-              <a:t>17/02/2025</a:t>
+              <a:t>25/03/2025</a:t>
             </a:fld>
             <a:endParaRPr lang="en-GB"/>
           </a:p>
@@ -7473,7 +7404,7 @@
           <a:p>
             <a:fld id="{5939C7C3-54CE-4D8F-9204-334660AD10F0}" type="datetime1">
               <a:rPr lang="en-GB" smtClean="0"/>
-              <a:t>17/02/2025</a:t>
+              <a:t>25/03/2025</a:t>
             </a:fld>
             <a:endParaRPr lang="en-GB" dirty="0"/>
           </a:p>
@@ -7667,7 +7598,7 @@
           <a:p>
             <a:fld id="{1FA3C102-8BAA-4F00-A81B-2DD04A5C8C39}" type="datetime1">
               <a:rPr lang="en-GB" smtClean="0"/>
-              <a:t>17/02/2025</a:t>
+              <a:t>25/03/2025</a:t>
             </a:fld>
             <a:endParaRPr lang="en-GB" dirty="0"/>
           </a:p>
@@ -7947,7 +7878,7 @@
           <a:p>
             <a:fld id="{A2EED6ED-B9A6-4C24-9796-047AA68D3B81}" type="datetime1">
               <a:rPr lang="en-GB" smtClean="0"/>
-              <a:t>17/02/2025</a:t>
+              <a:t>25/03/2025</a:t>
             </a:fld>
             <a:endParaRPr lang="en-GB" dirty="0"/>
           </a:p>
@@ -8228,7 +8159,7 @@
           <a:p>
             <a:fld id="{40B309BC-F231-47A4-B368-76EDD209C8C8}" type="datetime1">
               <a:rPr lang="en-GB" smtClean="0"/>
-              <a:t>17/02/2025</a:t>
+              <a:t>25/03/2025</a:t>
             </a:fld>
             <a:endParaRPr lang="en-GB" dirty="0"/>
           </a:p>
@@ -8508,7 +8439,7 @@
           <a:p>
             <a:fld id="{BFB0E597-AB25-47D4-B585-F29B3A935439}" type="datetime1">
               <a:rPr lang="en-GB" smtClean="0"/>
-              <a:t>17/02/2025</a:t>
+              <a:t>25/03/2025</a:t>
             </a:fld>
             <a:endParaRPr lang="en-GB" dirty="0"/>
           </a:p>
@@ -8984,7 +8915,7 @@
           <a:p>
             <a:fld id="{B8E58AD8-DBDA-4C25-9024-C000E46B0C3A}" type="datetime1">
               <a:rPr lang="en-GB" smtClean="0"/>
-              <a:t>17/02/2025</a:t>
+              <a:t>25/03/2025</a:t>
             </a:fld>
             <a:endParaRPr lang="en-GB" dirty="0"/>
           </a:p>
@@ -9264,7 +9195,7 @@
           <a:p>
             <a:fld id="{1FD3C405-49EB-4652-B989-B09465A57833}" type="datetime1">
               <a:rPr lang="en-GB" smtClean="0"/>
-              <a:t>17/02/2025</a:t>
+              <a:t>25/03/2025</a:t>
             </a:fld>
             <a:endParaRPr lang="en-GB" dirty="0"/>
           </a:p>
@@ -9544,7 +9475,7 @@
           <a:p>
             <a:fld id="{45DC1DE3-986A-4265-8DAC-82679DB192C9}" type="datetime1">
               <a:rPr lang="en-GB" smtClean="0"/>
-              <a:t>17/02/2025</a:t>
+              <a:t>25/03/2025</a:t>
             </a:fld>
             <a:endParaRPr lang="en-GB" dirty="0"/>
           </a:p>
@@ -9808,7 +9739,7 @@
           <a:p>
             <a:fld id="{5114ABF5-1FE3-4E04-B71E-B7E78F6E63BF}" type="datetime1">
               <a:rPr lang="en-GB" smtClean="0"/>
-              <a:t>17/02/2025</a:t>
+              <a:t>25/03/2025</a:t>
             </a:fld>
             <a:endParaRPr lang="en-GB"/>
           </a:p>
@@ -10196,7 +10127,7 @@
           <a:p>
             <a:fld id="{B06E0DFC-FDBA-495A-ACA3-A9B9713F363E}" type="datetime1">
               <a:rPr lang="en-GB" smtClean="0"/>
-              <a:t>17/02/2025</a:t>
+              <a:t>25/03/2025</a:t>
             </a:fld>
             <a:endParaRPr lang="en-GB"/>
           </a:p>
@@ -10578,7 +10509,7 @@
           <a:p>
             <a:fld id="{6BD77909-9A00-4992-8645-106E920C148E}" type="datetime1">
               <a:rPr lang="en-GB" smtClean="0"/>
-              <a:t>17/02/2025</a:t>
+              <a:t>25/03/2025</a:t>
             </a:fld>
             <a:endParaRPr lang="en-GB"/>
           </a:p>
@@ -10950,7 +10881,7 @@
           <a:p>
             <a:fld id="{2AFB2A30-436D-4FE7-BD5D-4583405D27F2}" type="datetime1">
               <a:rPr lang="en-GB" smtClean="0"/>
-              <a:t>17/02/2025</a:t>
+              <a:t>25/03/2025</a:t>
             </a:fld>
             <a:endParaRPr lang="en-GB"/>
           </a:p>
@@ -11357,7 +11288,7 @@
           <a:p>
             <a:fld id="{BB70C1B7-BFB6-4332-8A23-51E326F6AB73}" type="datetime1">
               <a:rPr lang="en-GB" smtClean="0"/>
-              <a:t>17/02/2025</a:t>
+              <a:t>25/03/2025</a:t>
             </a:fld>
             <a:endParaRPr lang="en-GB"/>
           </a:p>
@@ -11766,7 +11697,7 @@
           <a:p>
             <a:fld id="{34527B30-7BAB-490F-93A4-B1B05D7E266E}" type="datetime1">
               <a:rPr lang="en-GB" smtClean="0"/>
-              <a:t>17/02/2025</a:t>
+              <a:t>25/03/2025</a:t>
             </a:fld>
             <a:endParaRPr lang="en-GB"/>
           </a:p>
@@ -12165,7 +12096,7 @@
           <a:p>
             <a:fld id="{E170416F-D7DB-44F8-9216-512C69EC7EE9}" type="datetime1">
               <a:rPr lang="en-GB" smtClean="0"/>
-              <a:t>17/02/2025</a:t>
+              <a:t>25/03/2025</a:t>
             </a:fld>
             <a:endParaRPr lang="en-GB"/>
           </a:p>
@@ -12963,7 +12894,7 @@
           <a:p>
             <a:fld id="{D500E946-BCAF-4D68-ADE7-B8C07AC630B0}" type="datetime1">
               <a:rPr lang="en-GB" smtClean="0"/>
-              <a:t>17/02/2025</a:t>
+              <a:t>25/03/2025</a:t>
             </a:fld>
             <a:endParaRPr lang="en-GB"/>
           </a:p>
@@ -13567,7 +13498,7 @@
           <a:p>
             <a:fld id="{D6995C2C-B1DC-4981-B1FC-B3C1972BA961}" type="datetime1">
               <a:rPr lang="en-GB" smtClean="0"/>
-              <a:t>17/02/2025</a:t>
+              <a:t>25/03/2025</a:t>
             </a:fld>
             <a:endParaRPr lang="en-GB"/>
           </a:p>
@@ -14161,7 +14092,7 @@
           <a:p>
             <a:fld id="{9F0A19F8-4691-4F20-93BF-107A0709A17B}" type="datetime1">
               <a:rPr lang="en-GB" smtClean="0"/>
-              <a:t>17/02/2025</a:t>
+              <a:t>25/03/2025</a:t>
             </a:fld>
             <a:endParaRPr lang="en-GB"/>
           </a:p>
@@ -14498,7 +14429,7 @@
           <a:p>
             <a:fld id="{8AC5DE67-160D-4E30-937F-FE5EB3FEFBA4}" type="datetime1">
               <a:rPr lang="en-GB" smtClean="0"/>
-              <a:t>17/02/2025</a:t>
+              <a:t>25/03/2025</a:t>
             </a:fld>
             <a:endParaRPr lang="en-GB"/>
           </a:p>
@@ -14837,7 +14768,7 @@
           <a:p>
             <a:fld id="{5F71D9BE-C00D-49E6-A4E9-7FF51EF093D1}" type="datetime1">
               <a:rPr lang="en-GB" smtClean="0"/>
-              <a:t>17/02/2025</a:t>
+              <a:t>25/03/2025</a:t>
             </a:fld>
             <a:endParaRPr lang="en-GB"/>
           </a:p>
@@ -15166,7 +15097,7 @@
           <a:p>
             <a:fld id="{9E64C64A-7437-4773-9658-E1FBB2A40BBD}" type="datetime1">
               <a:rPr lang="en-GB" smtClean="0"/>
-              <a:t>17/02/2025</a:t>
+              <a:t>25/03/2025</a:t>
             </a:fld>
             <a:endParaRPr lang="en-GB"/>
           </a:p>
@@ -15503,7 +15434,7 @@
           <a:p>
             <a:fld id="{F0373F17-E6E3-4AAF-AC1D-361A750BE5DC}" type="datetime1">
               <a:rPr lang="en-GB" smtClean="0"/>
-              <a:t>17/02/2025</a:t>
+              <a:t>25/03/2025</a:t>
             </a:fld>
             <a:endParaRPr lang="en-GB"/>
           </a:p>
@@ -15842,7 +15773,7 @@
           <a:p>
             <a:fld id="{69A919A1-31FF-4B02-91EA-78731E954715}" type="datetime1">
               <a:rPr lang="en-GB" smtClean="0"/>
-              <a:t>17/02/2025</a:t>
+              <a:t>25/03/2025</a:t>
             </a:fld>
             <a:endParaRPr lang="en-GB"/>
           </a:p>
@@ -16171,7 +16102,7 @@
           <a:p>
             <a:fld id="{23E877CB-A3E7-4FF7-BDB7-BD4511F97DE6}" type="datetime1">
               <a:rPr lang="en-GB" smtClean="0"/>
-              <a:t>17/02/2025</a:t>
+              <a:t>25/03/2025</a:t>
             </a:fld>
             <a:endParaRPr lang="en-GB"/>
           </a:p>
@@ -16409,7 +16340,7 @@
           <a:p>
             <a:fld id="{FC695F00-7B8D-4487-8BEC-1106FCC20504}" type="datetime1">
               <a:rPr lang="en-GB" smtClean="0"/>
-              <a:t>17/02/2025</a:t>
+              <a:t>25/03/2025</a:t>
             </a:fld>
             <a:endParaRPr lang="en-GB"/>
           </a:p>
@@ -16845,7 +16776,7 @@
           <a:p>
             <a:fld id="{136C3789-276B-4AA8-B726-2D6546568C3C}" type="datetime1">
               <a:rPr lang="en-GB" smtClean="0"/>
-              <a:t>17/02/2025</a:t>
+              <a:t>25/03/2025</a:t>
             </a:fld>
             <a:endParaRPr lang="en-GB"/>
           </a:p>
@@ -17383,7 +17314,7 @@
           <a:p>
             <a:fld id="{7C5975BF-6B10-4E88-A37A-C2325E8EA74D}" type="datetime1">
               <a:rPr lang="en-GB" smtClean="0"/>
-              <a:t>17/02/2025</a:t>
+              <a:t>25/03/2025</a:t>
             </a:fld>
             <a:endParaRPr lang="en-GB"/>
           </a:p>
@@ -17662,7 +17593,7 @@
           <a:p>
             <a:fld id="{2921EB1E-B189-4841-87F6-C5C35B2AF1A0}" type="datetime1">
               <a:rPr lang="en-GB" smtClean="0"/>
-              <a:t>17/02/2025</a:t>
+              <a:t>25/03/2025</a:t>
             </a:fld>
             <a:endParaRPr lang="en-GB"/>
           </a:p>
@@ -17947,7 +17878,7 @@
           <a:p>
             <a:fld id="{01C5AB27-8D95-44FC-AA44-826493E7D06D}" type="datetime1">
               <a:rPr lang="en-GB" smtClean="0"/>
-              <a:t>17/02/2025</a:t>
+              <a:t>25/03/2025</a:t>
             </a:fld>
             <a:endParaRPr lang="en-GB"/>
           </a:p>
@@ -18240,7 +18171,7 @@
           <a:p>
             <a:fld id="{C0E963B0-C23E-4775-B818-9308814A27F1}" type="datetime1">
               <a:rPr lang="en-GB" smtClean="0"/>
-              <a:t>17/02/2025</a:t>
+              <a:t>25/03/2025</a:t>
             </a:fld>
             <a:endParaRPr lang="en-GB"/>
           </a:p>
@@ -18657,7 +18588,7 @@
           <a:p>
             <a:fld id="{EA445BD8-D8AF-4E93-BA66-C54D350368AD}" type="datetime1">
               <a:rPr lang="en-GB" smtClean="0"/>
-              <a:t>17/02/2025</a:t>
+              <a:t>25/03/2025</a:t>
             </a:fld>
             <a:endParaRPr lang="en-GB" dirty="0"/>
           </a:p>
@@ -19448,7 +19379,7 @@
           <a:p>
             <a:fld id="{81B29A81-DA66-4397-B1B5-F97764FA7D32}" type="datetime1">
               <a:rPr lang="en-GB" smtClean="0"/>
-              <a:t>17/02/2025</a:t>
+              <a:t>25/03/2025</a:t>
             </a:fld>
             <a:endParaRPr lang="en-GB"/>
           </a:p>
@@ -19747,7 +19678,7 @@
           <a:p>
             <a:fld id="{32E73D5C-B207-45D9-810C-3B257089DCE4}" type="datetime1">
               <a:rPr lang="en-GB" smtClean="0"/>
-              <a:t>17/02/2025</a:t>
+              <a:t>25/03/2025</a:t>
             </a:fld>
             <a:endParaRPr lang="en-GB"/>
           </a:p>
@@ -20083,7 +20014,7 @@
           <a:p>
             <a:fld id="{6E0350A5-0E1C-4E70-B0B6-3373B5C9F5CF}" type="datetime1">
               <a:rPr lang="en-GB" smtClean="0"/>
-              <a:t>17/02/2025</a:t>
+              <a:t>25/03/2025</a:t>
             </a:fld>
             <a:endParaRPr lang="en-GB"/>
           </a:p>
@@ -20253,7 +20184,7 @@
           <a:p>
             <a:fld id="{4B4BC937-2805-4BE1-9C10-C67D8B6C9243}" type="datetime1">
               <a:rPr lang="en-GB" smtClean="0"/>
-              <a:t>17/02/2025</a:t>
+              <a:t>25/03/2025</a:t>
             </a:fld>
             <a:endParaRPr lang="en-GB"/>
           </a:p>
@@ -20585,7 +20516,7 @@
           <a:p>
             <a:fld id="{B0ECD5EC-1C2F-4E5C-817B-92E54AD71364}" type="datetime1">
               <a:rPr lang="en-GB" smtClean="0"/>
-              <a:t>17/02/2025</a:t>
+              <a:t>25/03/2025</a:t>
             </a:fld>
             <a:endParaRPr lang="en-GB"/>
           </a:p>
@@ -20865,148 +20796,26 @@
           <p:cNvPr id="2" name="Title 1">
             <a:extLst>
               <a:ext uri="{FF2B5EF4-FFF2-40B4-BE49-F238E27FC236}">
-                <a16:creationId xmlns:a16="http://schemas.microsoft.com/office/drawing/2014/main" id="{E1AC92A0-DAFD-2CE4-F5BD-315A0135CDD6}"/>
-              </a:ext>
-            </a:extLst>
-          </p:cNvPr>
-          <p:cNvSpPr>
-            <a:spLocks noGrp="1"/>
-          </p:cNvSpPr>
-          <p:nvPr>
-            <p:ph type="ctrTitle"/>
-          </p:nvPr>
-        </p:nvSpPr>
-        <p:spPr>
-          <a:xfrm>
-            <a:off x="330200" y="1864819"/>
-            <a:ext cx="4742772" cy="1828800"/>
-          </a:xfrm>
-        </p:spPr>
-        <p:txBody>
-          <a:bodyPr/>
-          <a:lstStyle/>
-          <a:p>
-            <a:r>
-              <a:rPr lang="en-US" dirty="0">
-                <a:solidFill>
-                  <a:srgbClr val="98FB98"/>
-                </a:solidFill>
-              </a:rPr>
-              <a:t>PRES 2025</a:t>
-            </a:r>
-          </a:p>
-        </p:txBody>
-      </p:sp>
-      <p:sp>
-        <p:nvSpPr>
-          <p:cNvPr id="3" name="Text Placeholder 2">
-            <a:extLst>
-              <a:ext uri="{FF2B5EF4-FFF2-40B4-BE49-F238E27FC236}">
-                <a16:creationId xmlns:a16="http://schemas.microsoft.com/office/drawing/2014/main" id="{0B6972F5-B010-8428-D0AA-F619C83E71DE}"/>
-              </a:ext>
-            </a:extLst>
-          </p:cNvPr>
-          <p:cNvSpPr>
-            <a:spLocks noGrp="1"/>
-          </p:cNvSpPr>
-          <p:nvPr>
-            <p:ph type="body" sz="quarter" idx="4294967295"/>
-          </p:nvPr>
-        </p:nvSpPr>
-        <p:spPr>
-          <a:xfrm>
-            <a:off x="330200" y="5878513"/>
-            <a:ext cx="5606257" cy="652463"/>
-          </a:xfrm>
-        </p:spPr>
-        <p:txBody>
-          <a:bodyPr/>
-          <a:lstStyle/>
-          <a:p>
-            <a:r>
-              <a:rPr lang="en-US" dirty="0"/>
-              <a:t>Presentation Title</a:t>
-            </a:r>
-          </a:p>
-          <a:p>
-            <a:r>
-              <a:rPr lang="en-US" dirty="0"/>
-              <a:t>DD/MM/YYYY</a:t>
-            </a:r>
-          </a:p>
-        </p:txBody>
-      </p:sp>
-      <p:pic>
-        <p:nvPicPr>
-          <p:cNvPr id="4" name="Picture 3">
-            <a:extLst>
-              <a:ext uri="{FF2B5EF4-FFF2-40B4-BE49-F238E27FC236}">
-                <a16:creationId xmlns:a16="http://schemas.microsoft.com/office/drawing/2014/main" id="{A18BDFF0-9D53-5DAB-3700-2938EAF96CEE}"/>
-              </a:ext>
-            </a:extLst>
-          </p:cNvPr>
-          <p:cNvPicPr>
-            <a:picLocks noChangeAspect="1"/>
-          </p:cNvPicPr>
+                <a16:creationId xmlns:a16="http://schemas.microsoft.com/office/drawing/2014/main" id="{7E1615D4-9245-FCA1-6CB2-585C3C3F1965}"/>
+              </a:ext>
+            </a:extLst>
+          </p:cNvPr>
+          <p:cNvSpPr txBox="1">
+            <a:spLocks/>
+          </p:cNvSpPr>
           <p:nvPr/>
-        </p:nvPicPr>
-        <p:blipFill>
-          <a:blip r:embed="rId3" cstate="print">
-            <a:extLst>
-              <a:ext uri="{28A0092B-C50C-407E-A947-70E740481C1C}">
-                <a14:useLocalDpi xmlns:a14="http://schemas.microsoft.com/office/drawing/2010/main" val="0"/>
-              </a:ext>
-            </a:extLst>
-          </a:blip>
-          <a:stretch>
-            <a:fillRect/>
-          </a:stretch>
-        </p:blipFill>
-        <p:spPr>
-          <a:xfrm>
-            <a:off x="9169653" y="417970"/>
-            <a:ext cx="2448272" cy="1446849"/>
+        </p:nvSpPr>
+        <p:spPr>
+          <a:xfrm>
+            <a:off x="479685" y="2735705"/>
+            <a:ext cx="11265108" cy="3753327"/>
           </a:xfrm>
           <a:prstGeom prst="rect">
             <a:avLst/>
           </a:prstGeom>
-          <a:solidFill>
-            <a:srgbClr val="98FB98"/>
-          </a:solidFill>
-          <a:effectLst>
-            <a:outerShdw blurRad="50800" dist="50800" dir="5400000" algn="ctr" rotWithShape="0">
-              <a:srgbClr val="98FB98"/>
-            </a:outerShdw>
-          </a:effectLst>
-        </p:spPr>
-      </p:pic>
-      <p:sp>
-        <p:nvSpPr>
-          <p:cNvPr id="6" name="Title 1">
-            <a:extLst>
-              <a:ext uri="{FF2B5EF4-FFF2-40B4-BE49-F238E27FC236}">
-                <a16:creationId xmlns:a16="http://schemas.microsoft.com/office/drawing/2014/main" id="{0742163F-282C-50FB-3BC2-3BC83316980D}"/>
-              </a:ext>
-            </a:extLst>
-          </p:cNvPr>
-          <p:cNvSpPr txBox="1">
-            <a:spLocks/>
-          </p:cNvSpPr>
-          <p:nvPr/>
-        </p:nvSpPr>
-        <p:spPr>
-          <a:xfrm>
-            <a:off x="399472" y="4079052"/>
-            <a:ext cx="11376891" cy="1828800"/>
-          </a:xfrm>
-          <a:prstGeom prst="rect">
-            <a:avLst/>
-          </a:prstGeom>
-        </p:spPr>
-        <p:txBody>
-          <a:bodyPr vert="horz" lIns="0" tIns="0" rIns="0" bIns="0" rtlCol="0" anchor="t">
-            <a:noAutofit/>
-          </a:bodyPr>
+        </p:spPr>
+        <p:txBody>
+          <a:bodyPr/>
           <a:lstStyle>
             <a:lvl1pPr algn="l" defTabSz="685765" rtl="0" eaLnBrk="1" latinLnBrk="0" hangingPunct="1">
               <a:lnSpc>
@@ -21016,9 +20825,9 @@
                 <a:spcPct val="0"/>
               </a:spcBef>
               <a:buNone/>
-              <a:defRPr sz="6400" b="1" kern="1200">
+              <a:defRPr sz="2000" b="1" kern="1200">
                 <a:solidFill>
-                  <a:srgbClr val="98FB98"/>
+                  <a:srgbClr val="006400"/>
                 </a:solidFill>
                 <a:latin typeface="+mj-lt"/>
                 <a:ea typeface="+mj-ea"/>
@@ -21027,65 +20836,87 @@
             </a:lvl1pPr>
           </a:lstStyle>
           <a:p>
+            <a:r>
+              <a:rPr lang="en-US" sz="2800" dirty="0">
+                <a:solidFill>
+                  <a:srgbClr val="00FF7F"/>
+                </a:solidFill>
+              </a:rPr>
+              <a:t>Postgraduate Research Experience Survey (PRES) 2025</a:t>
+            </a:r>
+          </a:p>
+          <a:p>
+            <a:endParaRPr lang="en-US" dirty="0">
+              <a:solidFill>
+                <a:srgbClr val="00FF7F"/>
+              </a:solidFill>
+            </a:endParaRPr>
+          </a:p>
+          <a:p>
             <a:pPr marL="342900" indent="-342900">
-              <a:lnSpc>
-                <a:spcPct val="100000"/>
-              </a:lnSpc>
               <a:buFont typeface="Arial" panose="020B0604020202020204" pitchFamily="34" charset="0"/>
               <a:buChar char="•"/>
             </a:pPr>
             <a:r>
-              <a:rPr lang="en-US" sz="2000" dirty="0"/>
-              <a:t>Coming in 2025 - PRES is a national survey for research degree students</a:t>
+              <a:rPr lang="en-US" dirty="0">
+                <a:solidFill>
+                  <a:srgbClr val="00FF7F"/>
+                </a:solidFill>
+              </a:rPr>
+              <a:t>Opens 24 April 2025 </a:t>
             </a:r>
           </a:p>
           <a:p>
             <a:pPr marL="342900" indent="-342900">
-              <a:lnSpc>
-                <a:spcPct val="100000"/>
-              </a:lnSpc>
               <a:buFont typeface="Arial" panose="020B0604020202020204" pitchFamily="34" charset="0"/>
               <a:buChar char="•"/>
             </a:pPr>
-            <a:endParaRPr lang="en-US" sz="2000" dirty="0"/>
+            <a:r>
+              <a:rPr lang="en-US" dirty="0">
+                <a:solidFill>
+                  <a:srgbClr val="00FF7F"/>
+                </a:solidFill>
+              </a:rPr>
+              <a:t>Closes 15 May 2025</a:t>
+            </a:r>
           </a:p>
           <a:p>
             <a:pPr marL="342900" indent="-342900">
-              <a:lnSpc>
-                <a:spcPct val="100000"/>
-              </a:lnSpc>
               <a:buFont typeface="Arial" panose="020B0604020202020204" pitchFamily="34" charset="0"/>
               <a:buChar char="•"/>
             </a:pPr>
-            <a:r>
-              <a:rPr lang="en-US" sz="2000" dirty="0"/>
-              <a:t>Find out more about the action we have taken in response to the previous PRES: </a:t>
-            </a:r>
+            <a:endParaRPr lang="en-US" dirty="0">
+              <a:solidFill>
+                <a:srgbClr val="00FF7F"/>
+              </a:solidFill>
+            </a:endParaRPr>
           </a:p>
           <a:p>
             <a:pPr marL="342900" indent="-342900">
-              <a:lnSpc>
-                <a:spcPct val="100000"/>
-              </a:lnSpc>
               <a:buFont typeface="Arial" panose="020B0604020202020204" pitchFamily="34" charset="0"/>
               <a:buChar char="•"/>
             </a:pPr>
-            <a:endParaRPr lang="en-US" sz="2000" dirty="0"/>
-          </a:p>
-          <a:p>
-            <a:pPr marL="342900" indent="-342900">
-              <a:lnSpc>
-                <a:spcPct val="100000"/>
-              </a:lnSpc>
-              <a:buFont typeface="Arial" panose="020B0604020202020204" pitchFamily="34" charset="0"/>
-              <a:buChar char="•"/>
-            </a:pPr>
-            <a:r>
-              <a:rPr lang="en-US" sz="2000" dirty="0">
+            <a:endParaRPr lang="en-US" dirty="0">
+              <a:solidFill>
+                <a:srgbClr val="00FF7F"/>
+              </a:solidFill>
+            </a:endParaRPr>
+          </a:p>
+          <a:p>
+            <a:r>
+              <a:rPr lang="en-US" dirty="0">
+                <a:solidFill>
+                  <a:srgbClr val="00FF7F"/>
+                </a:solidFill>
+              </a:rPr>
+              <a:t>Find out what action we have taken to address your feedback in previous surveys: </a:t>
+            </a:r>
+            <a:r>
+              <a:rPr lang="en-GB" dirty="0">
                 <a:solidFill>
                   <a:srgbClr val="EE82EE"/>
                 </a:solidFill>
-                <a:hlinkClick r:id="rId4">
+                <a:hlinkClick r:id="rId2">
                   <a:extLst>
                     <a:ext uri="{A12FA001-AC4F-418D-AE19-62706E023703}">
                       <ahyp:hlinkClr xmlns:ahyp="http://schemas.microsoft.com/office/drawing/2018/hyperlinkcolor" val="tx"/>
@@ -21095,18 +20926,69 @@
               </a:rPr>
               <a:t>Postgraduate Research Experience Survey (PRES) | Current students | Imperial College London</a:t>
             </a:r>
-            <a:endParaRPr lang="en-US" sz="2000" dirty="0">
+            <a:endParaRPr lang="en-US" dirty="0">
               <a:solidFill>
                 <a:srgbClr val="EE82EE"/>
               </a:solidFill>
             </a:endParaRPr>
           </a:p>
+          <a:p>
+            <a:endParaRPr lang="en-US" dirty="0">
+              <a:solidFill>
+                <a:srgbClr val="00FF7F"/>
+              </a:solidFill>
+            </a:endParaRPr>
+          </a:p>
+          <a:p>
+            <a:endParaRPr lang="en-US" dirty="0">
+              <a:solidFill>
+                <a:srgbClr val="00FF7F"/>
+              </a:solidFill>
+            </a:endParaRPr>
+          </a:p>
+          <a:p>
+            <a:r>
+              <a:rPr lang="en-US" dirty="0">
+                <a:solidFill>
+                  <a:srgbClr val="00FF7F"/>
+                </a:solidFill>
+              </a:rPr>
+              <a:t>Look out for your unique link to complete the survey – sent to your Imperial email address </a:t>
+            </a:r>
+            <a:r>
+              <a:rPr lang="en-GB" sz="1800" dirty="0">
+                <a:latin typeface="Imperial Sans Display"/>
+                <a:ea typeface="Aptos" panose="020B0004020202020204" pitchFamily="34" charset="0"/>
+                <a:cs typeface="Arial" panose="020B0604020202020204" pitchFamily="34" charset="0"/>
+              </a:rPr>
+              <a:t> </a:t>
+            </a:r>
+            <a:endParaRPr lang="en-US" dirty="0">
+              <a:solidFill>
+                <a:srgbClr val="00FF7F"/>
+              </a:solidFill>
+            </a:endParaRPr>
+          </a:p>
+          <a:p>
+            <a:endParaRPr lang="en-US" dirty="0">
+              <a:solidFill>
+                <a:srgbClr val="00FF7F"/>
+              </a:solidFill>
+            </a:endParaRPr>
+          </a:p>
+          <a:p>
+            <a:endParaRPr lang="en-US" dirty="0">
+              <a:solidFill>
+                <a:srgbClr val="00FF7F"/>
+              </a:solidFill>
+            </a:endParaRPr>
+          </a:p>
         </p:txBody>
       </p:sp>
     </p:spTree>
     <p:extLst>
       <p:ext uri="{BB962C8B-B14F-4D97-AF65-F5344CB8AC3E}">
-        <p14:creationId xmlns:p14="http://schemas.microsoft.com/office/powerpoint/2010/main" val="3543295302"/>
+        <p14:creationId xmlns:p14="http://schemas.microsoft.com/office/powerpoint/2010/main" val="1031427888"/>
       </p:ext>
     </p:extLst>
   </p:cSld>

--- a/Plotting in Python with Matplotlib Slides.pptx
+++ b/Plotting in Python with Matplotlib Slides.pptx
@@ -146,7 +146,7 @@
 <file path=ppt/revisionInfo.xml><?xml version="1.0" encoding="utf-8"?>
 <p1510:revInfo xmlns:a="http://schemas.openxmlformats.org/drawingml/2006/main" xmlns:r="http://schemas.openxmlformats.org/officeDocument/2006/relationships" xmlns:p1510="http://schemas.microsoft.com/office/powerpoint/2015/10/main">
   <p1510:revLst>
-    <p1510:client id="{7056684F-ED0F-4C32-A0DA-6AFA7F6D1AF8}" v="1" dt="2025-03-25T09:57:02.916"/>
+    <p1510:client id="{B1A209A4-1239-4CD1-A947-9D47872CA66C}" v="1" dt="2025-10-16T13:20:13.506"/>
   </p1510:revLst>
 </p1510:revInfo>
 </file>
@@ -196,22 +196,6 @@
           <pc:docMk/>
           <pc:sldMk cId="474143756" sldId="324"/>
         </pc:sldMkLst>
-        <pc:spChg chg="mod">
-          <ac:chgData name="Cooling, Chris" userId="6dcf99c9-2ba5-410a-8445-0893a3d1421f" providerId="ADAL" clId="{739BE2D0-369D-4BD5-8BA6-94C4381AF508}" dt="2025-02-17T10:25:33.357" v="90" actId="20577"/>
-          <ac:spMkLst>
-            <pc:docMk/>
-            <pc:sldMk cId="474143756" sldId="324"/>
-            <ac:spMk id="2" creationId="{A6773C91-78F6-7FD7-669E-A1FEF5EAC302}"/>
-          </ac:spMkLst>
-        </pc:spChg>
-        <pc:spChg chg="mod">
-          <ac:chgData name="Cooling, Chris" userId="6dcf99c9-2ba5-410a-8445-0893a3d1421f" providerId="ADAL" clId="{739BE2D0-369D-4BD5-8BA6-94C4381AF508}" dt="2025-02-17T10:25:48.380" v="133" actId="20577"/>
-          <ac:spMkLst>
-            <pc:docMk/>
-            <pc:sldMk cId="474143756" sldId="324"/>
-            <ac:spMk id="3" creationId="{C1E4D7A8-3CEC-9DE0-CCD4-3A1A94F609C4}"/>
-          </ac:spMkLst>
-        </pc:spChg>
       </pc:sldChg>
       <pc:sldChg chg="modSp mod">
         <pc:chgData name="Cooling, Chris" userId="6dcf99c9-2ba5-410a-8445-0893a3d1421f" providerId="ADAL" clId="{739BE2D0-369D-4BD5-8BA6-94C4381AF508}" dt="2025-02-17T10:26:50.293" v="137" actId="20577"/>
@@ -219,14 +203,6 @@
           <pc:docMk/>
           <pc:sldMk cId="16407505" sldId="361"/>
         </pc:sldMkLst>
-        <pc:spChg chg="mod">
-          <ac:chgData name="Cooling, Chris" userId="6dcf99c9-2ba5-410a-8445-0893a3d1421f" providerId="ADAL" clId="{739BE2D0-369D-4BD5-8BA6-94C4381AF508}" dt="2025-02-17T10:26:50.293" v="137" actId="20577"/>
-          <ac:spMkLst>
-            <pc:docMk/>
-            <pc:sldMk cId="16407505" sldId="361"/>
-            <ac:spMk id="3" creationId="{3059243C-26C4-B42B-1D89-75DB3A5CA945}"/>
-          </ac:spMkLst>
-        </pc:spChg>
       </pc:sldChg>
       <pc:sldChg chg="modSp add mod">
         <pc:chgData name="Cooling, Chris" userId="6dcf99c9-2ba5-410a-8445-0893a3d1421f" providerId="ADAL" clId="{739BE2D0-369D-4BD5-8BA6-94C4381AF508}" dt="2025-02-17T10:56:17.387" v="599" actId="20577"/>
@@ -234,14 +210,38 @@
           <pc:docMk/>
           <pc:sldMk cId="4288594215" sldId="407"/>
         </pc:sldMkLst>
-        <pc:spChg chg="mod">
-          <ac:chgData name="Cooling, Chris" userId="6dcf99c9-2ba5-410a-8445-0893a3d1421f" providerId="ADAL" clId="{739BE2D0-369D-4BD5-8BA6-94C4381AF508}" dt="2025-02-17T10:56:17.387" v="599" actId="20577"/>
-          <ac:spMkLst>
+      </pc:sldChg>
+    </pc:docChg>
+  </pc:docChgLst>
+  <pc:docChgLst>
+    <pc:chgData name="Cooling, Chris" userId="6dcf99c9-2ba5-410a-8445-0893a3d1421f" providerId="ADAL" clId="{B1A209A4-1239-4CD1-A947-9D47872CA66C}"/>
+    <pc:docChg chg="custSel modSld">
+      <pc:chgData name="Cooling, Chris" userId="6dcf99c9-2ba5-410a-8445-0893a3d1421f" providerId="ADAL" clId="{B1A209A4-1239-4CD1-A947-9D47872CA66C}" dt="2025-10-16T13:20:20.527" v="5" actId="1076"/>
+      <pc:docMkLst>
+        <pc:docMk/>
+      </pc:docMkLst>
+      <pc:sldChg chg="addSp delSp modSp mod">
+        <pc:chgData name="Cooling, Chris" userId="6dcf99c9-2ba5-410a-8445-0893a3d1421f" providerId="ADAL" clId="{B1A209A4-1239-4CD1-A947-9D47872CA66C}" dt="2025-10-16T13:20:20.527" v="5" actId="1076"/>
+        <pc:sldMkLst>
+          <pc:docMk/>
+          <pc:sldMk cId="1507190070" sldId="359"/>
+        </pc:sldMkLst>
+        <pc:picChg chg="del">
+          <ac:chgData name="Cooling, Chris" userId="6dcf99c9-2ba5-410a-8445-0893a3d1421f" providerId="ADAL" clId="{B1A209A4-1239-4CD1-A947-9D47872CA66C}" dt="2025-10-16T13:20:13.035" v="0" actId="478"/>
+          <ac:picMkLst>
             <pc:docMk/>
-            <pc:sldMk cId="4288594215" sldId="407"/>
-            <ac:spMk id="3" creationId="{AE72B19A-BAEF-7DAE-DDC1-54394DA86691}"/>
-          </ac:spMkLst>
-        </pc:spChg>
+            <pc:sldMk cId="1507190070" sldId="359"/>
+            <ac:picMk id="4" creationId="{89D60691-669D-C1E1-2567-473D504575B3}"/>
+          </ac:picMkLst>
+        </pc:picChg>
+        <pc:picChg chg="add mod">
+          <ac:chgData name="Cooling, Chris" userId="6dcf99c9-2ba5-410a-8445-0893a3d1421f" providerId="ADAL" clId="{B1A209A4-1239-4CD1-A947-9D47872CA66C}" dt="2025-10-16T13:20:20.527" v="5" actId="1076"/>
+          <ac:picMkLst>
+            <pc:docMk/>
+            <pc:sldMk cId="1507190070" sldId="359"/>
+            <ac:picMk id="10" creationId="{50B9FAF5-2A53-D52B-CE70-2EBC7C63CD06}"/>
+          </ac:picMkLst>
+        </pc:picChg>
       </pc:sldChg>
     </pc:docChg>
   </pc:docChgLst>
@@ -330,7 +330,7 @@
           <a:p>
             <a:fld id="{D2E0D2A8-8F95-47C2-ABE1-A779F5A43C98}" type="datetimeFigureOut">
               <a:rPr lang="en-US" smtClean="0"/>
-              <a:t>3/25/2025</a:t>
+              <a:t>10/16/2025</a:t>
             </a:fld>
             <a:endParaRPr lang="en-US"/>
           </a:p>
@@ -1317,7 +1317,7 @@
           <a:p>
             <a:fld id="{E5C7A2D4-509E-4D1B-BF00-3BBC2642DBBD}" type="datetime1">
               <a:rPr lang="en-GB" smtClean="0"/>
-              <a:t>25/03/2025</a:t>
+              <a:t>16/10/2025</a:t>
             </a:fld>
             <a:endParaRPr lang="en-GB"/>
           </a:p>
@@ -1643,7 +1643,7 @@
           <a:p>
             <a:fld id="{AC718188-43FA-4D60-9911-3A9354CBB8F0}" type="datetime1">
               <a:rPr lang="en-GB" smtClean="0"/>
-              <a:t>25/03/2025</a:t>
+              <a:t>16/10/2025</a:t>
             </a:fld>
             <a:endParaRPr lang="en-GB"/>
           </a:p>
@@ -1971,7 +1971,7 @@
           <a:p>
             <a:fld id="{D5CC1D0C-4BA4-4ED8-8E9E-74B79B8B15AD}" type="datetime1">
               <a:rPr lang="en-GB" smtClean="0"/>
-              <a:t>25/03/2025</a:t>
+              <a:t>16/10/2025</a:t>
             </a:fld>
             <a:endParaRPr lang="en-GB"/>
           </a:p>
@@ -2347,7 +2347,7 @@
           <a:p>
             <a:fld id="{A86C4125-ADB2-42DA-ABE1-4DDAB9F4BC14}" type="datetime1">
               <a:rPr lang="en-GB" smtClean="0"/>
-              <a:t>25/03/2025</a:t>
+              <a:t>16/10/2025</a:t>
             </a:fld>
             <a:endParaRPr lang="en-GB"/>
           </a:p>
@@ -2731,7 +2731,7 @@
           <a:p>
             <a:fld id="{942CF639-5BAD-4ECA-B213-95E662BF0AB8}" type="datetime1">
               <a:rPr lang="en-GB" smtClean="0"/>
-              <a:t>25/03/2025</a:t>
+              <a:t>16/10/2025</a:t>
             </a:fld>
             <a:endParaRPr lang="en-GB"/>
           </a:p>
@@ -3117,7 +3117,7 @@
           <a:p>
             <a:fld id="{F7CB4FB9-61F3-4706-A394-57353A4512E5}" type="datetime1">
               <a:rPr lang="en-GB" smtClean="0"/>
-              <a:t>25/03/2025</a:t>
+              <a:t>16/10/2025</a:t>
             </a:fld>
             <a:endParaRPr lang="en-GB"/>
           </a:p>
@@ -3345,7 +3345,7 @@
           <a:p>
             <a:fld id="{62D0D2E2-81C4-4D6A-95B8-392D5302E143}" type="datetime1">
               <a:rPr lang="en-GB" smtClean="0"/>
-              <a:t>25/03/2025</a:t>
+              <a:t>16/10/2025</a:t>
             </a:fld>
             <a:endParaRPr lang="en-GB"/>
           </a:p>
@@ -3843,7 +3843,7 @@
           <a:p>
             <a:fld id="{49F66B08-35C5-43AE-9AA1-890C9E633C9D}" type="datetime1">
               <a:rPr lang="en-GB" smtClean="0"/>
-              <a:t>25/03/2025</a:t>
+              <a:t>16/10/2025</a:t>
             </a:fld>
             <a:endParaRPr lang="en-GB"/>
           </a:p>
@@ -4343,7 +4343,7 @@
           <a:p>
             <a:fld id="{AE795793-2B16-4B31-9A7C-BA9277BD25E1}" type="datetime1">
               <a:rPr lang="en-GB" smtClean="0"/>
-              <a:t>25/03/2025</a:t>
+              <a:t>16/10/2025</a:t>
             </a:fld>
             <a:endParaRPr lang="en-GB"/>
           </a:p>
@@ -4833,7 +4833,7 @@
           <a:p>
             <a:fld id="{9096E0BA-400D-4C27-9DDD-FF0DB010D912}" type="datetime1">
               <a:rPr lang="en-GB" smtClean="0"/>
-              <a:t>25/03/2025</a:t>
+              <a:t>16/10/2025</a:t>
             </a:fld>
             <a:endParaRPr lang="en-GB"/>
           </a:p>
@@ -5644,7 +5644,7 @@
           <a:p>
             <a:fld id="{AA6FE078-0C53-421F-A43C-9782FD7307AA}" type="datetime1">
               <a:rPr lang="en-GB" smtClean="0"/>
-              <a:t>25/03/2025</a:t>
+              <a:t>16/10/2025</a:t>
             </a:fld>
             <a:endParaRPr lang="en-GB"/>
           </a:p>
@@ -6261,7 +6261,7 @@
           <a:p>
             <a:fld id="{EF24CE61-011F-49EA-A285-6F1DDE0A5DF4}" type="datetime1">
               <a:rPr lang="en-GB" smtClean="0"/>
-              <a:t>25/03/2025</a:t>
+              <a:t>16/10/2025</a:t>
             </a:fld>
             <a:endParaRPr lang="en-GB"/>
           </a:p>
@@ -6881,7 +6881,7 @@
           <a:p>
             <a:fld id="{B38D73BE-E705-46B7-BC89-BC8D7BD278BC}" type="datetime1">
               <a:rPr lang="en-GB" smtClean="0"/>
-              <a:t>25/03/2025</a:t>
+              <a:t>16/10/2025</a:t>
             </a:fld>
             <a:endParaRPr lang="en-GB"/>
           </a:p>
@@ -7052,7 +7052,7 @@
           <a:p>
             <a:fld id="{F14D7CDE-7B1E-4FBD-9A2F-C93AF1E00BB7}" type="datetime1">
               <a:rPr lang="en-GB" smtClean="0"/>
-              <a:t>25/03/2025</a:t>
+              <a:t>16/10/2025</a:t>
             </a:fld>
             <a:endParaRPr lang="en-GB"/>
           </a:p>
@@ -7225,7 +7225,7 @@
           <a:p>
             <a:fld id="{1BD07A87-E6D1-4117-8DC6-92C053157D5F}" type="datetime1">
               <a:rPr lang="en-GB" smtClean="0"/>
-              <a:t>25/03/2025</a:t>
+              <a:t>16/10/2025</a:t>
             </a:fld>
             <a:endParaRPr lang="en-GB"/>
           </a:p>
@@ -7404,7 +7404,7 @@
           <a:p>
             <a:fld id="{5939C7C3-54CE-4D8F-9204-334660AD10F0}" type="datetime1">
               <a:rPr lang="en-GB" smtClean="0"/>
-              <a:t>25/03/2025</a:t>
+              <a:t>16/10/2025</a:t>
             </a:fld>
             <a:endParaRPr lang="en-GB" dirty="0"/>
           </a:p>
@@ -7598,7 +7598,7 @@
           <a:p>
             <a:fld id="{1FA3C102-8BAA-4F00-A81B-2DD04A5C8C39}" type="datetime1">
               <a:rPr lang="en-GB" smtClean="0"/>
-              <a:t>25/03/2025</a:t>
+              <a:t>16/10/2025</a:t>
             </a:fld>
             <a:endParaRPr lang="en-GB" dirty="0"/>
           </a:p>
@@ -7878,7 +7878,7 @@
           <a:p>
             <a:fld id="{A2EED6ED-B9A6-4C24-9796-047AA68D3B81}" type="datetime1">
               <a:rPr lang="en-GB" smtClean="0"/>
-              <a:t>25/03/2025</a:t>
+              <a:t>16/10/2025</a:t>
             </a:fld>
             <a:endParaRPr lang="en-GB" dirty="0"/>
           </a:p>
@@ -8159,7 +8159,7 @@
           <a:p>
             <a:fld id="{40B309BC-F231-47A4-B368-76EDD209C8C8}" type="datetime1">
               <a:rPr lang="en-GB" smtClean="0"/>
-              <a:t>25/03/2025</a:t>
+              <a:t>16/10/2025</a:t>
             </a:fld>
             <a:endParaRPr lang="en-GB" dirty="0"/>
           </a:p>
@@ -8439,7 +8439,7 @@
           <a:p>
             <a:fld id="{BFB0E597-AB25-47D4-B585-F29B3A935439}" type="datetime1">
               <a:rPr lang="en-GB" smtClean="0"/>
-              <a:t>25/03/2025</a:t>
+              <a:t>16/10/2025</a:t>
             </a:fld>
             <a:endParaRPr lang="en-GB" dirty="0"/>
           </a:p>
@@ -8915,7 +8915,7 @@
           <a:p>
             <a:fld id="{B8E58AD8-DBDA-4C25-9024-C000E46B0C3A}" type="datetime1">
               <a:rPr lang="en-GB" smtClean="0"/>
-              <a:t>25/03/2025</a:t>
+              <a:t>16/10/2025</a:t>
             </a:fld>
             <a:endParaRPr lang="en-GB" dirty="0"/>
           </a:p>
@@ -9195,7 +9195,7 @@
           <a:p>
             <a:fld id="{1FD3C405-49EB-4652-B989-B09465A57833}" type="datetime1">
               <a:rPr lang="en-GB" smtClean="0"/>
-              <a:t>25/03/2025</a:t>
+              <a:t>16/10/2025</a:t>
             </a:fld>
             <a:endParaRPr lang="en-GB" dirty="0"/>
           </a:p>
@@ -9475,7 +9475,7 @@
           <a:p>
             <a:fld id="{45DC1DE3-986A-4265-8DAC-82679DB192C9}" type="datetime1">
               <a:rPr lang="en-GB" smtClean="0"/>
-              <a:t>25/03/2025</a:t>
+              <a:t>16/10/2025</a:t>
             </a:fld>
             <a:endParaRPr lang="en-GB" dirty="0"/>
           </a:p>
@@ -9739,7 +9739,7 @@
           <a:p>
             <a:fld id="{5114ABF5-1FE3-4E04-B71E-B7E78F6E63BF}" type="datetime1">
               <a:rPr lang="en-GB" smtClean="0"/>
-              <a:t>25/03/2025</a:t>
+              <a:t>16/10/2025</a:t>
             </a:fld>
             <a:endParaRPr lang="en-GB"/>
           </a:p>
@@ -10127,7 +10127,7 @@
           <a:p>
             <a:fld id="{B06E0DFC-FDBA-495A-ACA3-A9B9713F363E}" type="datetime1">
               <a:rPr lang="en-GB" smtClean="0"/>
-              <a:t>25/03/2025</a:t>
+              <a:t>16/10/2025</a:t>
             </a:fld>
             <a:endParaRPr lang="en-GB"/>
           </a:p>
@@ -10509,7 +10509,7 @@
           <a:p>
             <a:fld id="{6BD77909-9A00-4992-8645-106E920C148E}" type="datetime1">
               <a:rPr lang="en-GB" smtClean="0"/>
-              <a:t>25/03/2025</a:t>
+              <a:t>16/10/2025</a:t>
             </a:fld>
             <a:endParaRPr lang="en-GB"/>
           </a:p>
@@ -10881,7 +10881,7 @@
           <a:p>
             <a:fld id="{2AFB2A30-436D-4FE7-BD5D-4583405D27F2}" type="datetime1">
               <a:rPr lang="en-GB" smtClean="0"/>
-              <a:t>25/03/2025</a:t>
+              <a:t>16/10/2025</a:t>
             </a:fld>
             <a:endParaRPr lang="en-GB"/>
           </a:p>
@@ -11288,7 +11288,7 @@
           <a:p>
             <a:fld id="{BB70C1B7-BFB6-4332-8A23-51E326F6AB73}" type="datetime1">
               <a:rPr lang="en-GB" smtClean="0"/>
-              <a:t>25/03/2025</a:t>
+              <a:t>16/10/2025</a:t>
             </a:fld>
             <a:endParaRPr lang="en-GB"/>
           </a:p>
@@ -11697,7 +11697,7 @@
           <a:p>
             <a:fld id="{34527B30-7BAB-490F-93A4-B1B05D7E266E}" type="datetime1">
               <a:rPr lang="en-GB" smtClean="0"/>
-              <a:t>25/03/2025</a:t>
+              <a:t>16/10/2025</a:t>
             </a:fld>
             <a:endParaRPr lang="en-GB"/>
           </a:p>
@@ -12096,7 +12096,7 @@
           <a:p>
             <a:fld id="{E170416F-D7DB-44F8-9216-512C69EC7EE9}" type="datetime1">
               <a:rPr lang="en-GB" smtClean="0"/>
-              <a:t>25/03/2025</a:t>
+              <a:t>16/10/2025</a:t>
             </a:fld>
             <a:endParaRPr lang="en-GB"/>
           </a:p>
@@ -12894,7 +12894,7 @@
           <a:p>
             <a:fld id="{D500E946-BCAF-4D68-ADE7-B8C07AC630B0}" type="datetime1">
               <a:rPr lang="en-GB" smtClean="0"/>
-              <a:t>25/03/2025</a:t>
+              <a:t>16/10/2025</a:t>
             </a:fld>
             <a:endParaRPr lang="en-GB"/>
           </a:p>
@@ -13498,7 +13498,7 @@
           <a:p>
             <a:fld id="{D6995C2C-B1DC-4981-B1FC-B3C1972BA961}" type="datetime1">
               <a:rPr lang="en-GB" smtClean="0"/>
-              <a:t>25/03/2025</a:t>
+              <a:t>16/10/2025</a:t>
             </a:fld>
             <a:endParaRPr lang="en-GB"/>
           </a:p>
@@ -14092,7 +14092,7 @@
           <a:p>
             <a:fld id="{9F0A19F8-4691-4F20-93BF-107A0709A17B}" type="datetime1">
               <a:rPr lang="en-GB" smtClean="0"/>
-              <a:t>25/03/2025</a:t>
+              <a:t>16/10/2025</a:t>
             </a:fld>
             <a:endParaRPr lang="en-GB"/>
           </a:p>
@@ -14429,7 +14429,7 @@
           <a:p>
             <a:fld id="{8AC5DE67-160D-4E30-937F-FE5EB3FEFBA4}" type="datetime1">
               <a:rPr lang="en-GB" smtClean="0"/>
-              <a:t>25/03/2025</a:t>
+              <a:t>16/10/2025</a:t>
             </a:fld>
             <a:endParaRPr lang="en-GB"/>
           </a:p>
@@ -14768,7 +14768,7 @@
           <a:p>
             <a:fld id="{5F71D9BE-C00D-49E6-A4E9-7FF51EF093D1}" type="datetime1">
               <a:rPr lang="en-GB" smtClean="0"/>
-              <a:t>25/03/2025</a:t>
+              <a:t>16/10/2025</a:t>
             </a:fld>
             <a:endParaRPr lang="en-GB"/>
           </a:p>
@@ -15097,7 +15097,7 @@
           <a:p>
             <a:fld id="{9E64C64A-7437-4773-9658-E1FBB2A40BBD}" type="datetime1">
               <a:rPr lang="en-GB" smtClean="0"/>
-              <a:t>25/03/2025</a:t>
+              <a:t>16/10/2025</a:t>
             </a:fld>
             <a:endParaRPr lang="en-GB"/>
           </a:p>
@@ -15434,7 +15434,7 @@
           <a:p>
             <a:fld id="{F0373F17-E6E3-4AAF-AC1D-361A750BE5DC}" type="datetime1">
               <a:rPr lang="en-GB" smtClean="0"/>
-              <a:t>25/03/2025</a:t>
+              <a:t>16/10/2025</a:t>
             </a:fld>
             <a:endParaRPr lang="en-GB"/>
           </a:p>
@@ -15773,7 +15773,7 @@
           <a:p>
             <a:fld id="{69A919A1-31FF-4B02-91EA-78731E954715}" type="datetime1">
               <a:rPr lang="en-GB" smtClean="0"/>
-              <a:t>25/03/2025</a:t>
+              <a:t>16/10/2025</a:t>
             </a:fld>
             <a:endParaRPr lang="en-GB"/>
           </a:p>
@@ -16102,7 +16102,7 @@
           <a:p>
             <a:fld id="{23E877CB-A3E7-4FF7-BDB7-BD4511F97DE6}" type="datetime1">
               <a:rPr lang="en-GB" smtClean="0"/>
-              <a:t>25/03/2025</a:t>
+              <a:t>16/10/2025</a:t>
             </a:fld>
             <a:endParaRPr lang="en-GB"/>
           </a:p>
@@ -16340,7 +16340,7 @@
           <a:p>
             <a:fld id="{FC695F00-7B8D-4487-8BEC-1106FCC20504}" type="datetime1">
               <a:rPr lang="en-GB" smtClean="0"/>
-              <a:t>25/03/2025</a:t>
+              <a:t>16/10/2025</a:t>
             </a:fld>
             <a:endParaRPr lang="en-GB"/>
           </a:p>
@@ -16776,7 +16776,7 @@
           <a:p>
             <a:fld id="{136C3789-276B-4AA8-B726-2D6546568C3C}" type="datetime1">
               <a:rPr lang="en-GB" smtClean="0"/>
-              <a:t>25/03/2025</a:t>
+              <a:t>16/10/2025</a:t>
             </a:fld>
             <a:endParaRPr lang="en-GB"/>
           </a:p>
@@ -17314,7 +17314,7 @@
           <a:p>
             <a:fld id="{7C5975BF-6B10-4E88-A37A-C2325E8EA74D}" type="datetime1">
               <a:rPr lang="en-GB" smtClean="0"/>
-              <a:t>25/03/2025</a:t>
+              <a:t>16/10/2025</a:t>
             </a:fld>
             <a:endParaRPr lang="en-GB"/>
           </a:p>
@@ -17593,7 +17593,7 @@
           <a:p>
             <a:fld id="{2921EB1E-B189-4841-87F6-C5C35B2AF1A0}" type="datetime1">
               <a:rPr lang="en-GB" smtClean="0"/>
-              <a:t>25/03/2025</a:t>
+              <a:t>16/10/2025</a:t>
             </a:fld>
             <a:endParaRPr lang="en-GB"/>
           </a:p>
@@ -17878,7 +17878,7 @@
           <a:p>
             <a:fld id="{01C5AB27-8D95-44FC-AA44-826493E7D06D}" type="datetime1">
               <a:rPr lang="en-GB" smtClean="0"/>
-              <a:t>25/03/2025</a:t>
+              <a:t>16/10/2025</a:t>
             </a:fld>
             <a:endParaRPr lang="en-GB"/>
           </a:p>
@@ -18171,7 +18171,7 @@
           <a:p>
             <a:fld id="{C0E963B0-C23E-4775-B818-9308814A27F1}" type="datetime1">
               <a:rPr lang="en-GB" smtClean="0"/>
-              <a:t>25/03/2025</a:t>
+              <a:t>16/10/2025</a:t>
             </a:fld>
             <a:endParaRPr lang="en-GB"/>
           </a:p>
@@ -18588,7 +18588,7 @@
           <a:p>
             <a:fld id="{EA445BD8-D8AF-4E93-BA66-C54D350368AD}" type="datetime1">
               <a:rPr lang="en-GB" smtClean="0"/>
-              <a:t>25/03/2025</a:t>
+              <a:t>16/10/2025</a:t>
             </a:fld>
             <a:endParaRPr lang="en-GB" dirty="0"/>
           </a:p>
@@ -19379,7 +19379,7 @@
           <a:p>
             <a:fld id="{81B29A81-DA66-4397-B1B5-F97764FA7D32}" type="datetime1">
               <a:rPr lang="en-GB" smtClean="0"/>
-              <a:t>25/03/2025</a:t>
+              <a:t>16/10/2025</a:t>
             </a:fld>
             <a:endParaRPr lang="en-GB"/>
           </a:p>
@@ -19678,7 +19678,7 @@
           <a:p>
             <a:fld id="{32E73D5C-B207-45D9-810C-3B257089DCE4}" type="datetime1">
               <a:rPr lang="en-GB" smtClean="0"/>
-              <a:t>25/03/2025</a:t>
+              <a:t>16/10/2025</a:t>
             </a:fld>
             <a:endParaRPr lang="en-GB"/>
           </a:p>
@@ -20014,7 +20014,7 @@
           <a:p>
             <a:fld id="{6E0350A5-0E1C-4E70-B0B6-3373B5C9F5CF}" type="datetime1">
               <a:rPr lang="en-GB" smtClean="0"/>
-              <a:t>25/03/2025</a:t>
+              <a:t>16/10/2025</a:t>
             </a:fld>
             <a:endParaRPr lang="en-GB"/>
           </a:p>
@@ -20184,7 +20184,7 @@
           <a:p>
             <a:fld id="{4B4BC937-2805-4BE1-9C10-C67D8B6C9243}" type="datetime1">
               <a:rPr lang="en-GB" smtClean="0"/>
-              <a:t>25/03/2025</a:t>
+              <a:t>16/10/2025</a:t>
             </a:fld>
             <a:endParaRPr lang="en-GB"/>
           </a:p>
@@ -20516,7 +20516,7 @@
           <a:p>
             <a:fld id="{B0ECD5EC-1C2F-4E5C-817B-92E54AD71364}" type="datetime1">
               <a:rPr lang="en-GB" smtClean="0"/>
-              <a:t>25/03/2025</a:t>
+              <a:t>16/10/2025</a:t>
             </a:fld>
             <a:endParaRPr lang="en-GB"/>
           </a:p>
@@ -20730,10 +20730,10 @@
       </p:sp>
       <p:pic>
         <p:nvPicPr>
-          <p:cNvPr id="4" name="Picture 3" descr="Qr code&#10;&#10;Description automatically generated">
-            <a:extLst>
-              <a:ext uri="{FF2B5EF4-FFF2-40B4-BE49-F238E27FC236}">
-                <a16:creationId xmlns:a16="http://schemas.microsoft.com/office/drawing/2014/main" id="{89D60691-669D-C1E1-2567-473D504575B3}"/>
+          <p:cNvPr id="10" name="Picture 9" descr="A qr code on a white background&#10;&#10;AI-generated content may be incorrect.">
+            <a:extLst>
+              <a:ext uri="{FF2B5EF4-FFF2-40B4-BE49-F238E27FC236}">
+                <a16:creationId xmlns:a16="http://schemas.microsoft.com/office/drawing/2014/main" id="{50B9FAF5-2A53-D52B-CE70-2EBC7C63CD06}"/>
               </a:ext>
             </a:extLst>
           </p:cNvPr>
@@ -20743,15 +20743,21 @@
           <p:nvPr/>
         </p:nvPicPr>
         <p:blipFill>
-          <a:blip r:embed="rId4"/>
+          <a:blip r:embed="rId4">
+            <a:extLst>
+              <a:ext uri="{28A0092B-C50C-407E-A947-70E740481C1C}">
+                <a14:useLocalDpi xmlns:a14="http://schemas.microsoft.com/office/drawing/2010/main" val="0"/>
+              </a:ext>
+            </a:extLst>
+          </a:blip>
           <a:stretch>
             <a:fillRect/>
           </a:stretch>
         </p:blipFill>
         <p:spPr>
           <a:xfrm>
-            <a:off x="734518" y="1420597"/>
-            <a:ext cx="4307349" cy="4307349"/>
+            <a:off x="185915" y="837385"/>
+            <a:ext cx="5348975" cy="5348975"/>
           </a:xfrm>
           <a:prstGeom prst="rect">
             <a:avLst/>

--- a/Plotting in Python with Matplotlib Slides.pptx
+++ b/Plotting in Python with Matplotlib Slides.pptx
@@ -146,7 +146,7 @@
 <file path=ppt/revisionInfo.xml><?xml version="1.0" encoding="utf-8"?>
 <p1510:revInfo xmlns:a="http://schemas.openxmlformats.org/drawingml/2006/main" xmlns:r="http://schemas.openxmlformats.org/officeDocument/2006/relationships" xmlns:p1510="http://schemas.microsoft.com/office/powerpoint/2015/10/main">
   <p1510:revLst>
-    <p1510:client id="{B1A209A4-1239-4CD1-A947-9D47872CA66C}" v="1" dt="2025-10-16T13:20:13.506"/>
+    <p1510:client id="{B1A209A4-1239-4CD1-A947-9D47872CA66C}" v="3" dt="2025-10-24T08:53:31.380"/>
   </p1510:revLst>
 </p1510:revInfo>
 </file>
@@ -216,24 +216,24 @@
   <pc:docChgLst>
     <pc:chgData name="Cooling, Chris" userId="6dcf99c9-2ba5-410a-8445-0893a3d1421f" providerId="ADAL" clId="{B1A209A4-1239-4CD1-A947-9D47872CA66C}"/>
     <pc:docChg chg="custSel modSld">
-      <pc:chgData name="Cooling, Chris" userId="6dcf99c9-2ba5-410a-8445-0893a3d1421f" providerId="ADAL" clId="{B1A209A4-1239-4CD1-A947-9D47872CA66C}" dt="2025-10-16T13:20:20.527" v="5" actId="1076"/>
+      <pc:chgData name="Cooling, Chris" userId="6dcf99c9-2ba5-410a-8445-0893a3d1421f" providerId="ADAL" clId="{B1A209A4-1239-4CD1-A947-9D47872CA66C}" dt="2025-10-24T08:53:31.376" v="7" actId="20577"/>
       <pc:docMkLst>
         <pc:docMk/>
       </pc:docMkLst>
       <pc:sldChg chg="addSp delSp modSp mod">
-        <pc:chgData name="Cooling, Chris" userId="6dcf99c9-2ba5-410a-8445-0893a3d1421f" providerId="ADAL" clId="{B1A209A4-1239-4CD1-A947-9D47872CA66C}" dt="2025-10-16T13:20:20.527" v="5" actId="1076"/>
+        <pc:chgData name="Cooling, Chris" userId="6dcf99c9-2ba5-410a-8445-0893a3d1421f" providerId="ADAL" clId="{B1A209A4-1239-4CD1-A947-9D47872CA66C}" dt="2025-10-24T08:53:31.376" v="7" actId="20577"/>
         <pc:sldMkLst>
           <pc:docMk/>
           <pc:sldMk cId="1507190070" sldId="359"/>
         </pc:sldMkLst>
-        <pc:picChg chg="del">
-          <ac:chgData name="Cooling, Chris" userId="6dcf99c9-2ba5-410a-8445-0893a3d1421f" providerId="ADAL" clId="{B1A209A4-1239-4CD1-A947-9D47872CA66C}" dt="2025-10-16T13:20:13.035" v="0" actId="478"/>
-          <ac:picMkLst>
+        <pc:spChg chg="mod">
+          <ac:chgData name="Cooling, Chris" userId="6dcf99c9-2ba5-410a-8445-0893a3d1421f" providerId="ADAL" clId="{B1A209A4-1239-4CD1-A947-9D47872CA66C}" dt="2025-10-24T08:53:31.376" v="7" actId="20577"/>
+          <ac:spMkLst>
             <pc:docMk/>
             <pc:sldMk cId="1507190070" sldId="359"/>
-            <ac:picMk id="4" creationId="{89D60691-669D-C1E1-2567-473D504575B3}"/>
-          </ac:picMkLst>
-        </pc:picChg>
+            <ac:spMk id="6" creationId="{F67B57BE-29B8-B7BA-15CB-930F83F6EB26}"/>
+          </ac:spMkLst>
+        </pc:spChg>
         <pc:picChg chg="add mod">
           <ac:chgData name="Cooling, Chris" userId="6dcf99c9-2ba5-410a-8445-0893a3d1421f" providerId="ADAL" clId="{B1A209A4-1239-4CD1-A947-9D47872CA66C}" dt="2025-10-16T13:20:20.527" v="5" actId="1076"/>
           <ac:picMkLst>
@@ -330,7 +330,7 @@
           <a:p>
             <a:fld id="{D2E0D2A8-8F95-47C2-ABE1-A779F5A43C98}" type="datetimeFigureOut">
               <a:rPr lang="en-US" smtClean="0"/>
-              <a:t>10/16/2025</a:t>
+              <a:t>10/24/2025</a:t>
             </a:fld>
             <a:endParaRPr lang="en-US"/>
           </a:p>
@@ -1317,7 +1317,7 @@
           <a:p>
             <a:fld id="{E5C7A2D4-509E-4D1B-BF00-3BBC2642DBBD}" type="datetime1">
               <a:rPr lang="en-GB" smtClean="0"/>
-              <a:t>16/10/2025</a:t>
+              <a:t>24/10/2025</a:t>
             </a:fld>
             <a:endParaRPr lang="en-GB"/>
           </a:p>
@@ -1643,7 +1643,7 @@
           <a:p>
             <a:fld id="{AC718188-43FA-4D60-9911-3A9354CBB8F0}" type="datetime1">
               <a:rPr lang="en-GB" smtClean="0"/>
-              <a:t>16/10/2025</a:t>
+              <a:t>24/10/2025</a:t>
             </a:fld>
             <a:endParaRPr lang="en-GB"/>
           </a:p>
@@ -1971,7 +1971,7 @@
           <a:p>
             <a:fld id="{D5CC1D0C-4BA4-4ED8-8E9E-74B79B8B15AD}" type="datetime1">
               <a:rPr lang="en-GB" smtClean="0"/>
-              <a:t>16/10/2025</a:t>
+              <a:t>24/10/2025</a:t>
             </a:fld>
             <a:endParaRPr lang="en-GB"/>
           </a:p>
@@ -2347,7 +2347,7 @@
           <a:p>
             <a:fld id="{A86C4125-ADB2-42DA-ABE1-4DDAB9F4BC14}" type="datetime1">
               <a:rPr lang="en-GB" smtClean="0"/>
-              <a:t>16/10/2025</a:t>
+              <a:t>24/10/2025</a:t>
             </a:fld>
             <a:endParaRPr lang="en-GB"/>
           </a:p>
@@ -2731,7 +2731,7 @@
           <a:p>
             <a:fld id="{942CF639-5BAD-4ECA-B213-95E662BF0AB8}" type="datetime1">
               <a:rPr lang="en-GB" smtClean="0"/>
-              <a:t>16/10/2025</a:t>
+              <a:t>24/10/2025</a:t>
             </a:fld>
             <a:endParaRPr lang="en-GB"/>
           </a:p>
@@ -3117,7 +3117,7 @@
           <a:p>
             <a:fld id="{F7CB4FB9-61F3-4706-A394-57353A4512E5}" type="datetime1">
               <a:rPr lang="en-GB" smtClean="0"/>
-              <a:t>16/10/2025</a:t>
+              <a:t>24/10/2025</a:t>
             </a:fld>
             <a:endParaRPr lang="en-GB"/>
           </a:p>
@@ -3345,7 +3345,7 @@
           <a:p>
             <a:fld id="{62D0D2E2-81C4-4D6A-95B8-392D5302E143}" type="datetime1">
               <a:rPr lang="en-GB" smtClean="0"/>
-              <a:t>16/10/2025</a:t>
+              <a:t>24/10/2025</a:t>
             </a:fld>
             <a:endParaRPr lang="en-GB"/>
           </a:p>
@@ -3843,7 +3843,7 @@
           <a:p>
             <a:fld id="{49F66B08-35C5-43AE-9AA1-890C9E633C9D}" type="datetime1">
               <a:rPr lang="en-GB" smtClean="0"/>
-              <a:t>16/10/2025</a:t>
+              <a:t>24/10/2025</a:t>
             </a:fld>
             <a:endParaRPr lang="en-GB"/>
           </a:p>
@@ -4343,7 +4343,7 @@
           <a:p>
             <a:fld id="{AE795793-2B16-4B31-9A7C-BA9277BD25E1}" type="datetime1">
               <a:rPr lang="en-GB" smtClean="0"/>
-              <a:t>16/10/2025</a:t>
+              <a:t>24/10/2025</a:t>
             </a:fld>
             <a:endParaRPr lang="en-GB"/>
           </a:p>
@@ -4833,7 +4833,7 @@
           <a:p>
             <a:fld id="{9096E0BA-400D-4C27-9DDD-FF0DB010D912}" type="datetime1">
               <a:rPr lang="en-GB" smtClean="0"/>
-              <a:t>16/10/2025</a:t>
+              <a:t>24/10/2025</a:t>
             </a:fld>
             <a:endParaRPr lang="en-GB"/>
           </a:p>
@@ -5644,7 +5644,7 @@
           <a:p>
             <a:fld id="{AA6FE078-0C53-421F-A43C-9782FD7307AA}" type="datetime1">
               <a:rPr lang="en-GB" smtClean="0"/>
-              <a:t>16/10/2025</a:t>
+              <a:t>24/10/2025</a:t>
             </a:fld>
             <a:endParaRPr lang="en-GB"/>
           </a:p>
@@ -6261,7 +6261,7 @@
           <a:p>
             <a:fld id="{EF24CE61-011F-49EA-A285-6F1DDE0A5DF4}" type="datetime1">
               <a:rPr lang="en-GB" smtClean="0"/>
-              <a:t>16/10/2025</a:t>
+              <a:t>24/10/2025</a:t>
             </a:fld>
             <a:endParaRPr lang="en-GB"/>
           </a:p>
@@ -6881,7 +6881,7 @@
           <a:p>
             <a:fld id="{B38D73BE-E705-46B7-BC89-BC8D7BD278BC}" type="datetime1">
               <a:rPr lang="en-GB" smtClean="0"/>
-              <a:t>16/10/2025</a:t>
+              <a:t>24/10/2025</a:t>
             </a:fld>
             <a:endParaRPr lang="en-GB"/>
           </a:p>
@@ -7052,7 +7052,7 @@
           <a:p>
             <a:fld id="{F14D7CDE-7B1E-4FBD-9A2F-C93AF1E00BB7}" type="datetime1">
               <a:rPr lang="en-GB" smtClean="0"/>
-              <a:t>16/10/2025</a:t>
+              <a:t>24/10/2025</a:t>
             </a:fld>
             <a:endParaRPr lang="en-GB"/>
           </a:p>
@@ -7225,7 +7225,7 @@
           <a:p>
             <a:fld id="{1BD07A87-E6D1-4117-8DC6-92C053157D5F}" type="datetime1">
               <a:rPr lang="en-GB" smtClean="0"/>
-              <a:t>16/10/2025</a:t>
+              <a:t>24/10/2025</a:t>
             </a:fld>
             <a:endParaRPr lang="en-GB"/>
           </a:p>
@@ -7404,7 +7404,7 @@
           <a:p>
             <a:fld id="{5939C7C3-54CE-4D8F-9204-334660AD10F0}" type="datetime1">
               <a:rPr lang="en-GB" smtClean="0"/>
-              <a:t>16/10/2025</a:t>
+              <a:t>24/10/2025</a:t>
             </a:fld>
             <a:endParaRPr lang="en-GB" dirty="0"/>
           </a:p>
@@ -7598,7 +7598,7 @@
           <a:p>
             <a:fld id="{1FA3C102-8BAA-4F00-A81B-2DD04A5C8C39}" type="datetime1">
               <a:rPr lang="en-GB" smtClean="0"/>
-              <a:t>16/10/2025</a:t>
+              <a:t>24/10/2025</a:t>
             </a:fld>
             <a:endParaRPr lang="en-GB" dirty="0"/>
           </a:p>
@@ -7878,7 +7878,7 @@
           <a:p>
             <a:fld id="{A2EED6ED-B9A6-4C24-9796-047AA68D3B81}" type="datetime1">
               <a:rPr lang="en-GB" smtClean="0"/>
-              <a:t>16/10/2025</a:t>
+              <a:t>24/10/2025</a:t>
             </a:fld>
             <a:endParaRPr lang="en-GB" dirty="0"/>
           </a:p>
@@ -8159,7 +8159,7 @@
           <a:p>
             <a:fld id="{40B309BC-F231-47A4-B368-76EDD209C8C8}" type="datetime1">
               <a:rPr lang="en-GB" smtClean="0"/>
-              <a:t>16/10/2025</a:t>
+              <a:t>24/10/2025</a:t>
             </a:fld>
             <a:endParaRPr lang="en-GB" dirty="0"/>
           </a:p>
@@ -8439,7 +8439,7 @@
           <a:p>
             <a:fld id="{BFB0E597-AB25-47D4-B585-F29B3A935439}" type="datetime1">
               <a:rPr lang="en-GB" smtClean="0"/>
-              <a:t>16/10/2025</a:t>
+              <a:t>24/10/2025</a:t>
             </a:fld>
             <a:endParaRPr lang="en-GB" dirty="0"/>
           </a:p>
@@ -8915,7 +8915,7 @@
           <a:p>
             <a:fld id="{B8E58AD8-DBDA-4C25-9024-C000E46B0C3A}" type="datetime1">
               <a:rPr lang="en-GB" smtClean="0"/>
-              <a:t>16/10/2025</a:t>
+              <a:t>24/10/2025</a:t>
             </a:fld>
             <a:endParaRPr lang="en-GB" dirty="0"/>
           </a:p>
@@ -9195,7 +9195,7 @@
           <a:p>
             <a:fld id="{1FD3C405-49EB-4652-B989-B09465A57833}" type="datetime1">
               <a:rPr lang="en-GB" smtClean="0"/>
-              <a:t>16/10/2025</a:t>
+              <a:t>24/10/2025</a:t>
             </a:fld>
             <a:endParaRPr lang="en-GB" dirty="0"/>
           </a:p>
@@ -9475,7 +9475,7 @@
           <a:p>
             <a:fld id="{45DC1DE3-986A-4265-8DAC-82679DB192C9}" type="datetime1">
               <a:rPr lang="en-GB" smtClean="0"/>
-              <a:t>16/10/2025</a:t>
+              <a:t>24/10/2025</a:t>
             </a:fld>
             <a:endParaRPr lang="en-GB" dirty="0"/>
           </a:p>
@@ -9739,7 +9739,7 @@
           <a:p>
             <a:fld id="{5114ABF5-1FE3-4E04-B71E-B7E78F6E63BF}" type="datetime1">
               <a:rPr lang="en-GB" smtClean="0"/>
-              <a:t>16/10/2025</a:t>
+              <a:t>24/10/2025</a:t>
             </a:fld>
             <a:endParaRPr lang="en-GB"/>
           </a:p>
@@ -10127,7 +10127,7 @@
           <a:p>
             <a:fld id="{B06E0DFC-FDBA-495A-ACA3-A9B9713F363E}" type="datetime1">
               <a:rPr lang="en-GB" smtClean="0"/>
-              <a:t>16/10/2025</a:t>
+              <a:t>24/10/2025</a:t>
             </a:fld>
             <a:endParaRPr lang="en-GB"/>
           </a:p>
@@ -10509,7 +10509,7 @@
           <a:p>
             <a:fld id="{6BD77909-9A00-4992-8645-106E920C148E}" type="datetime1">
               <a:rPr lang="en-GB" smtClean="0"/>
-              <a:t>16/10/2025</a:t>
+              <a:t>24/10/2025</a:t>
             </a:fld>
             <a:endParaRPr lang="en-GB"/>
           </a:p>
@@ -10881,7 +10881,7 @@
           <a:p>
             <a:fld id="{2AFB2A30-436D-4FE7-BD5D-4583405D27F2}" type="datetime1">
               <a:rPr lang="en-GB" smtClean="0"/>
-              <a:t>16/10/2025</a:t>
+              <a:t>24/10/2025</a:t>
             </a:fld>
             <a:endParaRPr lang="en-GB"/>
           </a:p>
@@ -11288,7 +11288,7 @@
           <a:p>
             <a:fld id="{BB70C1B7-BFB6-4332-8A23-51E326F6AB73}" type="datetime1">
               <a:rPr lang="en-GB" smtClean="0"/>
-              <a:t>16/10/2025</a:t>
+              <a:t>24/10/2025</a:t>
             </a:fld>
             <a:endParaRPr lang="en-GB"/>
           </a:p>
@@ -11697,7 +11697,7 @@
           <a:p>
             <a:fld id="{34527B30-7BAB-490F-93A4-B1B05D7E266E}" type="datetime1">
               <a:rPr lang="en-GB" smtClean="0"/>
-              <a:t>16/10/2025</a:t>
+              <a:t>24/10/2025</a:t>
             </a:fld>
             <a:endParaRPr lang="en-GB"/>
           </a:p>
@@ -12096,7 +12096,7 @@
           <a:p>
             <a:fld id="{E170416F-D7DB-44F8-9216-512C69EC7EE9}" type="datetime1">
               <a:rPr lang="en-GB" smtClean="0"/>
-              <a:t>16/10/2025</a:t>
+              <a:t>24/10/2025</a:t>
             </a:fld>
             <a:endParaRPr lang="en-GB"/>
           </a:p>
@@ -12894,7 +12894,7 @@
           <a:p>
             <a:fld id="{D500E946-BCAF-4D68-ADE7-B8C07AC630B0}" type="datetime1">
               <a:rPr lang="en-GB" smtClean="0"/>
-              <a:t>16/10/2025</a:t>
+              <a:t>24/10/2025</a:t>
             </a:fld>
             <a:endParaRPr lang="en-GB"/>
           </a:p>
@@ -13498,7 +13498,7 @@
           <a:p>
             <a:fld id="{D6995C2C-B1DC-4981-B1FC-B3C1972BA961}" type="datetime1">
               <a:rPr lang="en-GB" smtClean="0"/>
-              <a:t>16/10/2025</a:t>
+              <a:t>24/10/2025</a:t>
             </a:fld>
             <a:endParaRPr lang="en-GB"/>
           </a:p>
@@ -14092,7 +14092,7 @@
           <a:p>
             <a:fld id="{9F0A19F8-4691-4F20-93BF-107A0709A17B}" type="datetime1">
               <a:rPr lang="en-GB" smtClean="0"/>
-              <a:t>16/10/2025</a:t>
+              <a:t>24/10/2025</a:t>
             </a:fld>
             <a:endParaRPr lang="en-GB"/>
           </a:p>
@@ -14429,7 +14429,7 @@
           <a:p>
             <a:fld id="{8AC5DE67-160D-4E30-937F-FE5EB3FEFBA4}" type="datetime1">
               <a:rPr lang="en-GB" smtClean="0"/>
-              <a:t>16/10/2025</a:t>
+              <a:t>24/10/2025</a:t>
             </a:fld>
             <a:endParaRPr lang="en-GB"/>
           </a:p>
@@ -14768,7 +14768,7 @@
           <a:p>
             <a:fld id="{5F71D9BE-C00D-49E6-A4E9-7FF51EF093D1}" type="datetime1">
               <a:rPr lang="en-GB" smtClean="0"/>
-              <a:t>16/10/2025</a:t>
+              <a:t>24/10/2025</a:t>
             </a:fld>
             <a:endParaRPr lang="en-GB"/>
           </a:p>
@@ -15097,7 +15097,7 @@
           <a:p>
             <a:fld id="{9E64C64A-7437-4773-9658-E1FBB2A40BBD}" type="datetime1">
               <a:rPr lang="en-GB" smtClean="0"/>
-              <a:t>16/10/2025</a:t>
+              <a:t>24/10/2025</a:t>
             </a:fld>
             <a:endParaRPr lang="en-GB"/>
           </a:p>
@@ -15434,7 +15434,7 @@
           <a:p>
             <a:fld id="{F0373F17-E6E3-4AAF-AC1D-361A750BE5DC}" type="datetime1">
               <a:rPr lang="en-GB" smtClean="0"/>
-              <a:t>16/10/2025</a:t>
+              <a:t>24/10/2025</a:t>
             </a:fld>
             <a:endParaRPr lang="en-GB"/>
           </a:p>
@@ -15773,7 +15773,7 @@
           <a:p>
             <a:fld id="{69A919A1-31FF-4B02-91EA-78731E954715}" type="datetime1">
               <a:rPr lang="en-GB" smtClean="0"/>
-              <a:t>16/10/2025</a:t>
+              <a:t>24/10/2025</a:t>
             </a:fld>
             <a:endParaRPr lang="en-GB"/>
           </a:p>
@@ -16102,7 +16102,7 @@
           <a:p>
             <a:fld id="{23E877CB-A3E7-4FF7-BDB7-BD4511F97DE6}" type="datetime1">
               <a:rPr lang="en-GB" smtClean="0"/>
-              <a:t>16/10/2025</a:t>
+              <a:t>24/10/2025</a:t>
             </a:fld>
             <a:endParaRPr lang="en-GB"/>
           </a:p>
@@ -16340,7 +16340,7 @@
           <a:p>
             <a:fld id="{FC695F00-7B8D-4487-8BEC-1106FCC20504}" type="datetime1">
               <a:rPr lang="en-GB" smtClean="0"/>
-              <a:t>16/10/2025</a:t>
+              <a:t>24/10/2025</a:t>
             </a:fld>
             <a:endParaRPr lang="en-GB"/>
           </a:p>
@@ -16776,7 +16776,7 @@
           <a:p>
             <a:fld id="{136C3789-276B-4AA8-B726-2D6546568C3C}" type="datetime1">
               <a:rPr lang="en-GB" smtClean="0"/>
-              <a:t>16/10/2025</a:t>
+              <a:t>24/10/2025</a:t>
             </a:fld>
             <a:endParaRPr lang="en-GB"/>
           </a:p>
@@ -17314,7 +17314,7 @@
           <a:p>
             <a:fld id="{7C5975BF-6B10-4E88-A37A-C2325E8EA74D}" type="datetime1">
               <a:rPr lang="en-GB" smtClean="0"/>
-              <a:t>16/10/2025</a:t>
+              <a:t>24/10/2025</a:t>
             </a:fld>
             <a:endParaRPr lang="en-GB"/>
           </a:p>
@@ -17593,7 +17593,7 @@
           <a:p>
             <a:fld id="{2921EB1E-B189-4841-87F6-C5C35B2AF1A0}" type="datetime1">
               <a:rPr lang="en-GB" smtClean="0"/>
-              <a:t>16/10/2025</a:t>
+              <a:t>24/10/2025</a:t>
             </a:fld>
             <a:endParaRPr lang="en-GB"/>
           </a:p>
@@ -17878,7 +17878,7 @@
           <a:p>
             <a:fld id="{01C5AB27-8D95-44FC-AA44-826493E7D06D}" type="datetime1">
               <a:rPr lang="en-GB" smtClean="0"/>
-              <a:t>16/10/2025</a:t>
+              <a:t>24/10/2025</a:t>
             </a:fld>
             <a:endParaRPr lang="en-GB"/>
           </a:p>
@@ -18171,7 +18171,7 @@
           <a:p>
             <a:fld id="{C0E963B0-C23E-4775-B818-9308814A27F1}" type="datetime1">
               <a:rPr lang="en-GB" smtClean="0"/>
-              <a:t>16/10/2025</a:t>
+              <a:t>24/10/2025</a:t>
             </a:fld>
             <a:endParaRPr lang="en-GB"/>
           </a:p>
@@ -18588,7 +18588,7 @@
           <a:p>
             <a:fld id="{EA445BD8-D8AF-4E93-BA66-C54D350368AD}" type="datetime1">
               <a:rPr lang="en-GB" smtClean="0"/>
-              <a:t>16/10/2025</a:t>
+              <a:t>24/10/2025</a:t>
             </a:fld>
             <a:endParaRPr lang="en-GB" dirty="0"/>
           </a:p>
@@ -19379,7 +19379,7 @@
           <a:p>
             <a:fld id="{81B29A81-DA66-4397-B1B5-F97764FA7D32}" type="datetime1">
               <a:rPr lang="en-GB" smtClean="0"/>
-              <a:t>16/10/2025</a:t>
+              <a:t>24/10/2025</a:t>
             </a:fld>
             <a:endParaRPr lang="en-GB"/>
           </a:p>
@@ -19678,7 +19678,7 @@
           <a:p>
             <a:fld id="{32E73D5C-B207-45D9-810C-3B257089DCE4}" type="datetime1">
               <a:rPr lang="en-GB" smtClean="0"/>
-              <a:t>16/10/2025</a:t>
+              <a:t>24/10/2025</a:t>
             </a:fld>
             <a:endParaRPr lang="en-GB"/>
           </a:p>
@@ -20014,7 +20014,7 @@
           <a:p>
             <a:fld id="{6E0350A5-0E1C-4E70-B0B6-3373B5C9F5CF}" type="datetime1">
               <a:rPr lang="en-GB" smtClean="0"/>
-              <a:t>16/10/2025</a:t>
+              <a:t>24/10/2025</a:t>
             </a:fld>
             <a:endParaRPr lang="en-GB"/>
           </a:p>
@@ -20184,7 +20184,7 @@
           <a:p>
             <a:fld id="{4B4BC937-2805-4BE1-9C10-C67D8B6C9243}" type="datetime1">
               <a:rPr lang="en-GB" smtClean="0"/>
-              <a:t>16/10/2025</a:t>
+              <a:t>24/10/2025</a:t>
             </a:fld>
             <a:endParaRPr lang="en-GB"/>
           </a:p>
@@ -20516,7 +20516,7 @@
           <a:p>
             <a:fld id="{B0ECD5EC-1C2F-4E5C-817B-92E54AD71364}" type="datetime1">
               <a:rPr lang="en-GB" smtClean="0"/>
-              <a:t>16/10/2025</a:t>
+              <a:t>24/10/2025</a:t>
             </a:fld>
             <a:endParaRPr lang="en-GB"/>
           </a:p>
@@ -20684,23 +20684,25 @@
             </a:pPr>
             <a:r>
               <a:rPr lang="en-GB" sz="2600" dirty="0"/>
-              <a:t>The link is </a:t>
-            </a:r>
-            <a:r>
-              <a:rPr lang="en-GB" sz="2600" b="0" i="0" u="sng" dirty="0">
+              <a:t>The link </a:t>
+            </a:r>
+            <a:r>
+              <a:rPr lang="en-GB" sz="2600"/>
+              <a:t>is </a:t>
+            </a:r>
+            <a:r>
+              <a:rPr lang="en-GB" sz="2600" u="sng">
                 <a:solidFill>
                   <a:srgbClr val="0563C1"/>
                 </a:solidFill>
-                <a:effectLst/>
                 <a:hlinkClick r:id="rId3"/>
               </a:rPr>
-              <a:t>https://tinyurl.com/feedback-rcds</a:t>
-            </a:r>
-            <a:endParaRPr lang="en-GB" sz="2600" b="0" i="0" u="sng" dirty="0">
+              <a:t>https://ecri.short.gy/feedback-rcds</a:t>
+            </a:r>
+            <a:endParaRPr lang="en-GB" sz="2600" u="sng">
               <a:solidFill>
                 <a:srgbClr val="0563C1"/>
               </a:solidFill>
-              <a:effectLst/>
             </a:endParaRPr>
           </a:p>
           <a:p>
@@ -20709,8 +20711,12 @@
               <a:buChar char="•"/>
             </a:pPr>
             <a:r>
+              <a:rPr lang="en-GB" sz="2600"/>
+              <a:t>You </a:t>
+            </a:r>
+            <a:r>
               <a:rPr lang="en-GB" sz="2600" dirty="0"/>
-              <a:t>You should also have received an email with this link</a:t>
+              <a:t>should also have received an email with this link</a:t>
             </a:r>
           </a:p>
           <a:p>

--- a/Plotting in Python with Matplotlib Slides.pptx
+++ b/Plotting in Python with Matplotlib Slides.pptx
@@ -5,7 +5,7 @@
     <p:sldMasterId id="2147483648" r:id="rId1"/>
   </p:sldMasterIdLst>
   <p:notesMasterIdLst>
-    <p:notesMasterId r:id="rId10"/>
+    <p:notesMasterId r:id="rId9"/>
   </p:notesMasterIdLst>
   <p:sldIdLst>
     <p:sldId id="324" r:id="rId2"/>
@@ -14,18 +14,10 @@
     <p:sldId id="408" r:id="rId5"/>
     <p:sldId id="407" r:id="rId6"/>
     <p:sldId id="359" r:id="rId7"/>
-    <p:sldId id="276" r:id="rId8"/>
-    <p:sldId id="279" r:id="rId9"/>
+    <p:sldId id="279" r:id="rId8"/>
   </p:sldIdLst>
   <p:sldSz cx="12192000" cy="6858000"/>
   <p:notesSz cx="6858000" cy="9144000"/>
-  <p:embeddedFontLst>
-    <p:embeddedFont>
-      <p:font typeface="Imperial Sans Display" panose="020B0503020202020204" pitchFamily="34" charset="0"/>
-      <p:regular r:id="rId11"/>
-      <p:bold r:id="rId12"/>
-    </p:embeddedFont>
-  </p:embeddedFontLst>
   <p:defaultTextStyle>
     <a:defPPr>
       <a:defRPr lang="en-US"/>
@@ -215,11 +207,18 @@
   </pc:docChgLst>
   <pc:docChgLst>
     <pc:chgData name="Cooling, Chris" userId="6dcf99c9-2ba5-410a-8445-0893a3d1421f" providerId="ADAL" clId="{B1A209A4-1239-4CD1-A947-9D47872CA66C}"/>
-    <pc:docChg chg="custSel modSld">
-      <pc:chgData name="Cooling, Chris" userId="6dcf99c9-2ba5-410a-8445-0893a3d1421f" providerId="ADAL" clId="{B1A209A4-1239-4CD1-A947-9D47872CA66C}" dt="2025-10-24T08:53:31.376" v="7" actId="20577"/>
+    <pc:docChg chg="custSel delSld modSld">
+      <pc:chgData name="Cooling, Chris" userId="6dcf99c9-2ba5-410a-8445-0893a3d1421f" providerId="ADAL" clId="{B1A209A4-1239-4CD1-A947-9D47872CA66C}" dt="2025-10-24T10:08:29.746" v="8" actId="47"/>
       <pc:docMkLst>
         <pc:docMk/>
       </pc:docMkLst>
+      <pc:sldChg chg="del">
+        <pc:chgData name="Cooling, Chris" userId="6dcf99c9-2ba5-410a-8445-0893a3d1421f" providerId="ADAL" clId="{B1A209A4-1239-4CD1-A947-9D47872CA66C}" dt="2025-10-24T10:08:29.746" v="8" actId="47"/>
+        <pc:sldMkLst>
+          <pc:docMk/>
+          <pc:sldMk cId="1031427888" sldId="276"/>
+        </pc:sldMkLst>
+      </pc:sldChg>
       <pc:sldChg chg="addSp delSp modSp mod">
         <pc:chgData name="Cooling, Chris" userId="6dcf99c9-2ba5-410a-8445-0893a3d1421f" providerId="ADAL" clId="{B1A209A4-1239-4CD1-A947-9D47872CA66C}" dt="2025-10-24T08:53:31.376" v="7" actId="20577"/>
         <pc:sldMkLst>
@@ -20787,233 +20786,6 @@
 </file>
 
 <file path=ppt/slides/slide7.xml><?xml version="1.0" encoding="utf-8"?>
-<p:sld xmlns:a="http://schemas.openxmlformats.org/drawingml/2006/main" xmlns:r="http://schemas.openxmlformats.org/officeDocument/2006/relationships" xmlns:p="http://schemas.openxmlformats.org/presentationml/2006/main">
-  <p:cSld>
-    <p:spTree>
-      <p:nvGrpSpPr>
-        <p:cNvPr id="1" name=""/>
-        <p:cNvGrpSpPr/>
-        <p:nvPr/>
-      </p:nvGrpSpPr>
-      <p:grpSpPr>
-        <a:xfrm>
-          <a:off x="0" y="0"/>
-          <a:ext cx="0" cy="0"/>
-          <a:chOff x="0" y="0"/>
-          <a:chExt cx="0" cy="0"/>
-        </a:xfrm>
-      </p:grpSpPr>
-      <p:sp>
-        <p:nvSpPr>
-          <p:cNvPr id="2" name="Title 1">
-            <a:extLst>
-              <a:ext uri="{FF2B5EF4-FFF2-40B4-BE49-F238E27FC236}">
-                <a16:creationId xmlns:a16="http://schemas.microsoft.com/office/drawing/2014/main" id="{7E1615D4-9245-FCA1-6CB2-585C3C3F1965}"/>
-              </a:ext>
-            </a:extLst>
-          </p:cNvPr>
-          <p:cNvSpPr txBox="1">
-            <a:spLocks/>
-          </p:cNvSpPr>
-          <p:nvPr/>
-        </p:nvSpPr>
-        <p:spPr>
-          <a:xfrm>
-            <a:off x="479685" y="2735705"/>
-            <a:ext cx="11265108" cy="3753327"/>
-          </a:xfrm>
-          <a:prstGeom prst="rect">
-            <a:avLst/>
-          </a:prstGeom>
-        </p:spPr>
-        <p:txBody>
-          <a:bodyPr/>
-          <a:lstStyle>
-            <a:lvl1pPr algn="l" defTabSz="685765" rtl="0" eaLnBrk="1" latinLnBrk="0" hangingPunct="1">
-              <a:lnSpc>
-                <a:spcPct val="90000"/>
-              </a:lnSpc>
-              <a:spcBef>
-                <a:spcPct val="0"/>
-              </a:spcBef>
-              <a:buNone/>
-              <a:defRPr sz="2000" b="1" kern="1200">
-                <a:solidFill>
-                  <a:srgbClr val="006400"/>
-                </a:solidFill>
-                <a:latin typeface="+mj-lt"/>
-                <a:ea typeface="+mj-ea"/>
-                <a:cs typeface="+mj-cs"/>
-              </a:defRPr>
-            </a:lvl1pPr>
-          </a:lstStyle>
-          <a:p>
-            <a:r>
-              <a:rPr lang="en-US" sz="2800" dirty="0">
-                <a:solidFill>
-                  <a:srgbClr val="00FF7F"/>
-                </a:solidFill>
-              </a:rPr>
-              <a:t>Postgraduate Research Experience Survey (PRES) 2025</a:t>
-            </a:r>
-          </a:p>
-          <a:p>
-            <a:endParaRPr lang="en-US" dirty="0">
-              <a:solidFill>
-                <a:srgbClr val="00FF7F"/>
-              </a:solidFill>
-            </a:endParaRPr>
-          </a:p>
-          <a:p>
-            <a:pPr marL="342900" indent="-342900">
-              <a:buFont typeface="Arial" panose="020B0604020202020204" pitchFamily="34" charset="0"/>
-              <a:buChar char="•"/>
-            </a:pPr>
-            <a:r>
-              <a:rPr lang="en-US" dirty="0">
-                <a:solidFill>
-                  <a:srgbClr val="00FF7F"/>
-                </a:solidFill>
-              </a:rPr>
-              <a:t>Opens 24 April 2025 </a:t>
-            </a:r>
-          </a:p>
-          <a:p>
-            <a:pPr marL="342900" indent="-342900">
-              <a:buFont typeface="Arial" panose="020B0604020202020204" pitchFamily="34" charset="0"/>
-              <a:buChar char="•"/>
-            </a:pPr>
-            <a:r>
-              <a:rPr lang="en-US" dirty="0">
-                <a:solidFill>
-                  <a:srgbClr val="00FF7F"/>
-                </a:solidFill>
-              </a:rPr>
-              <a:t>Closes 15 May 2025</a:t>
-            </a:r>
-          </a:p>
-          <a:p>
-            <a:pPr marL="342900" indent="-342900">
-              <a:buFont typeface="Arial" panose="020B0604020202020204" pitchFamily="34" charset="0"/>
-              <a:buChar char="•"/>
-            </a:pPr>
-            <a:endParaRPr lang="en-US" dirty="0">
-              <a:solidFill>
-                <a:srgbClr val="00FF7F"/>
-              </a:solidFill>
-            </a:endParaRPr>
-          </a:p>
-          <a:p>
-            <a:pPr marL="342900" indent="-342900">
-              <a:buFont typeface="Arial" panose="020B0604020202020204" pitchFamily="34" charset="0"/>
-              <a:buChar char="•"/>
-            </a:pPr>
-            <a:endParaRPr lang="en-US" dirty="0">
-              <a:solidFill>
-                <a:srgbClr val="00FF7F"/>
-              </a:solidFill>
-            </a:endParaRPr>
-          </a:p>
-          <a:p>
-            <a:r>
-              <a:rPr lang="en-US" dirty="0">
-                <a:solidFill>
-                  <a:srgbClr val="00FF7F"/>
-                </a:solidFill>
-              </a:rPr>
-              <a:t>Find out what action we have taken to address your feedback in previous surveys: </a:t>
-            </a:r>
-            <a:r>
-              <a:rPr lang="en-GB" dirty="0">
-                <a:solidFill>
-                  <a:srgbClr val="EE82EE"/>
-                </a:solidFill>
-                <a:hlinkClick r:id="rId2">
-                  <a:extLst>
-                    <a:ext uri="{A12FA001-AC4F-418D-AE19-62706E023703}">
-                      <ahyp:hlinkClr xmlns:ahyp="http://schemas.microsoft.com/office/drawing/2018/hyperlinkcolor" val="tx"/>
-                    </a:ext>
-                  </a:extLst>
-                </a:hlinkClick>
-              </a:rPr>
-              <a:t>Postgraduate Research Experience Survey (PRES) | Current students | Imperial College London</a:t>
-            </a:r>
-            <a:endParaRPr lang="en-US" dirty="0">
-              <a:solidFill>
-                <a:srgbClr val="EE82EE"/>
-              </a:solidFill>
-            </a:endParaRPr>
-          </a:p>
-          <a:p>
-            <a:endParaRPr lang="en-US" dirty="0">
-              <a:solidFill>
-                <a:srgbClr val="00FF7F"/>
-              </a:solidFill>
-            </a:endParaRPr>
-          </a:p>
-          <a:p>
-            <a:endParaRPr lang="en-US" dirty="0">
-              <a:solidFill>
-                <a:srgbClr val="00FF7F"/>
-              </a:solidFill>
-            </a:endParaRPr>
-          </a:p>
-          <a:p>
-            <a:r>
-              <a:rPr lang="en-US" dirty="0">
-                <a:solidFill>
-                  <a:srgbClr val="00FF7F"/>
-                </a:solidFill>
-              </a:rPr>
-              <a:t>Look out for your unique link to complete the survey – sent to your Imperial email address </a:t>
-            </a:r>
-            <a:r>
-              <a:rPr lang="en-GB" sz="1800" dirty="0">
-                <a:latin typeface="Imperial Sans Display"/>
-                <a:ea typeface="Aptos" panose="020B0004020202020204" pitchFamily="34" charset="0"/>
-                <a:cs typeface="Arial" panose="020B0604020202020204" pitchFamily="34" charset="0"/>
-              </a:rPr>
-              <a:t> </a:t>
-            </a:r>
-            <a:endParaRPr lang="en-US" dirty="0">
-              <a:solidFill>
-                <a:srgbClr val="00FF7F"/>
-              </a:solidFill>
-            </a:endParaRPr>
-          </a:p>
-          <a:p>
-            <a:endParaRPr lang="en-US" dirty="0">
-              <a:solidFill>
-                <a:srgbClr val="00FF7F"/>
-              </a:solidFill>
-            </a:endParaRPr>
-          </a:p>
-          <a:p>
-            <a:endParaRPr lang="en-US" dirty="0">
-              <a:solidFill>
-                <a:srgbClr val="00FF7F"/>
-              </a:solidFill>
-            </a:endParaRPr>
-          </a:p>
-        </p:txBody>
-      </p:sp>
-    </p:spTree>
-    <p:extLst>
-      <p:ext uri="{BB962C8B-B14F-4D97-AF65-F5344CB8AC3E}">
-        <p14:creationId xmlns:p14="http://schemas.microsoft.com/office/powerpoint/2010/main" val="1031427888"/>
-      </p:ext>
-    </p:extLst>
-  </p:cSld>
-  <p:clrMapOvr>
-    <a:masterClrMapping/>
-  </p:clrMapOvr>
-  <p:transition>
-    <p:fade/>
-  </p:transition>
-</p:sld>
-</file>
-
-<file path=ppt/slides/slide8.xml><?xml version="1.0" encoding="utf-8"?>
 <p:sld xmlns:a="http://schemas.openxmlformats.org/drawingml/2006/main" xmlns:r="http://schemas.openxmlformats.org/officeDocument/2006/relationships" xmlns:p="http://schemas.openxmlformats.org/presentationml/2006/main">
   <p:cSld>
     <p:spTree>
